--- a/Project_Presentation.pptx
+++ b/Project_Presentation.pptx
@@ -6,19 +6,21 @@
   </p:sldMasterIdLst>
   <p:sldIdLst>
     <p:sldId id="256" r:id="rId2"/>
-    <p:sldId id="257" r:id="rId3"/>
-    <p:sldId id="261" r:id="rId4"/>
-    <p:sldId id="262" r:id="rId5"/>
-    <p:sldId id="263" r:id="rId6"/>
-    <p:sldId id="264" r:id="rId7"/>
+    <p:sldId id="261" r:id="rId3"/>
+    <p:sldId id="262" r:id="rId4"/>
+    <p:sldId id="263" r:id="rId5"/>
+    <p:sldId id="264" r:id="rId6"/>
+    <p:sldId id="275" r:id="rId7"/>
     <p:sldId id="265" r:id="rId8"/>
-    <p:sldId id="268" r:id="rId9"/>
-    <p:sldId id="273" r:id="rId10"/>
-    <p:sldId id="271" r:id="rId11"/>
-    <p:sldId id="272" r:id="rId12"/>
-    <p:sldId id="274" r:id="rId13"/>
-    <p:sldId id="266" r:id="rId14"/>
-    <p:sldId id="267" r:id="rId15"/>
+    <p:sldId id="279" r:id="rId9"/>
+    <p:sldId id="268" r:id="rId10"/>
+    <p:sldId id="278" r:id="rId11"/>
+    <p:sldId id="277" r:id="rId12"/>
+    <p:sldId id="276" r:id="rId13"/>
+    <p:sldId id="273" r:id="rId14"/>
+    <p:sldId id="271" r:id="rId15"/>
+    <p:sldId id="272" r:id="rId16"/>
+    <p:sldId id="274" r:id="rId17"/>
   </p:sldIdLst>
   <p:sldSz cx="12192000" cy="6858000"/>
   <p:notesSz cx="6858000" cy="9144000"/>
@@ -119,7 +121,18 @@
   </p:defaultTextStyle>
   <p:extLst>
     <p:ext uri="{EFAFB233-063F-42B5-8137-9DF3F51BA10A}">
-      <p15:sldGuideLst xmlns:p15="http://schemas.microsoft.com/office/powerpoint/2012/main"/>
+      <p15:sldGuideLst xmlns:p15="http://schemas.microsoft.com/office/powerpoint/2012/main">
+        <p15:guide id="1" orient="horz" pos="2160" userDrawn="1">
+          <p15:clr>
+            <a:srgbClr val="A4A3A4"/>
+          </p15:clr>
+        </p15:guide>
+        <p15:guide id="2" pos="3840" userDrawn="1">
+          <p15:clr>
+            <a:srgbClr val="A4A3A4"/>
+          </p15:clr>
+        </p15:guide>
+      </p15:sldGuideLst>
     </p:ext>
   </p:extLst>
 </p:presentation>
@@ -272,7 +285,7 @@
           <a:p>
             <a:fld id="{90DEFB91-6C4D-40C8-B7D3-ED1F3ADCD0D8}" type="datetimeFigureOut">
               <a:rPr lang="en-US" smtClean="0"/>
-              <a:t>12/1/2021</a:t>
+              <a:t>12/12/2021</a:t>
             </a:fld>
             <a:endParaRPr lang="en-US"/>
           </a:p>
@@ -470,7 +483,7 @@
           <a:p>
             <a:fld id="{90DEFB91-6C4D-40C8-B7D3-ED1F3ADCD0D8}" type="datetimeFigureOut">
               <a:rPr lang="en-US" smtClean="0"/>
-              <a:t>12/1/2021</a:t>
+              <a:t>12/12/2021</a:t>
             </a:fld>
             <a:endParaRPr lang="en-US"/>
           </a:p>
@@ -678,7 +691,7 @@
           <a:p>
             <a:fld id="{90DEFB91-6C4D-40C8-B7D3-ED1F3ADCD0D8}" type="datetimeFigureOut">
               <a:rPr lang="en-US" smtClean="0"/>
-              <a:t>12/1/2021</a:t>
+              <a:t>12/12/2021</a:t>
             </a:fld>
             <a:endParaRPr lang="en-US"/>
           </a:p>
@@ -876,7 +889,7 @@
           <a:p>
             <a:fld id="{90DEFB91-6C4D-40C8-B7D3-ED1F3ADCD0D8}" type="datetimeFigureOut">
               <a:rPr lang="en-US" smtClean="0"/>
-              <a:t>12/1/2021</a:t>
+              <a:t>12/12/2021</a:t>
             </a:fld>
             <a:endParaRPr lang="en-US"/>
           </a:p>
@@ -1151,7 +1164,7 @@
           <a:p>
             <a:fld id="{90DEFB91-6C4D-40C8-B7D3-ED1F3ADCD0D8}" type="datetimeFigureOut">
               <a:rPr lang="en-US" smtClean="0"/>
-              <a:t>12/1/2021</a:t>
+              <a:t>12/12/2021</a:t>
             </a:fld>
             <a:endParaRPr lang="en-US"/>
           </a:p>
@@ -1416,7 +1429,7 @@
           <a:p>
             <a:fld id="{90DEFB91-6C4D-40C8-B7D3-ED1F3ADCD0D8}" type="datetimeFigureOut">
               <a:rPr lang="en-US" smtClean="0"/>
-              <a:t>12/1/2021</a:t>
+              <a:t>12/12/2021</a:t>
             </a:fld>
             <a:endParaRPr lang="en-US"/>
           </a:p>
@@ -1828,7 +1841,7 @@
           <a:p>
             <a:fld id="{90DEFB91-6C4D-40C8-B7D3-ED1F3ADCD0D8}" type="datetimeFigureOut">
               <a:rPr lang="en-US" smtClean="0"/>
-              <a:t>12/1/2021</a:t>
+              <a:t>12/12/2021</a:t>
             </a:fld>
             <a:endParaRPr lang="en-US"/>
           </a:p>
@@ -1969,7 +1982,7 @@
           <a:p>
             <a:fld id="{90DEFB91-6C4D-40C8-B7D3-ED1F3ADCD0D8}" type="datetimeFigureOut">
               <a:rPr lang="en-US" smtClean="0"/>
-              <a:t>12/1/2021</a:t>
+              <a:t>12/12/2021</a:t>
             </a:fld>
             <a:endParaRPr lang="en-US"/>
           </a:p>
@@ -2082,7 +2095,7 @@
           <a:p>
             <a:fld id="{90DEFB91-6C4D-40C8-B7D3-ED1F3ADCD0D8}" type="datetimeFigureOut">
               <a:rPr lang="en-US" smtClean="0"/>
-              <a:t>12/1/2021</a:t>
+              <a:t>12/12/2021</a:t>
             </a:fld>
             <a:endParaRPr lang="en-US"/>
           </a:p>
@@ -2393,7 +2406,7 @@
           <a:p>
             <a:fld id="{90DEFB91-6C4D-40C8-B7D3-ED1F3ADCD0D8}" type="datetimeFigureOut">
               <a:rPr lang="en-US" smtClean="0"/>
-              <a:t>12/1/2021</a:t>
+              <a:t>12/12/2021</a:t>
             </a:fld>
             <a:endParaRPr lang="en-US"/>
           </a:p>
@@ -2681,7 +2694,7 @@
           <a:p>
             <a:fld id="{90DEFB91-6C4D-40C8-B7D3-ED1F3ADCD0D8}" type="datetimeFigureOut">
               <a:rPr lang="en-US" smtClean="0"/>
-              <a:t>12/1/2021</a:t>
+              <a:t>12/12/2021</a:t>
             </a:fld>
             <a:endParaRPr lang="en-US"/>
           </a:p>
@@ -2922,7 +2935,7 @@
           <a:p>
             <a:fld id="{90DEFB91-6C4D-40C8-B7D3-ED1F3ADCD0D8}" type="datetimeFigureOut">
               <a:rPr lang="en-US" smtClean="0"/>
-              <a:t>12/1/2021</a:t>
+              <a:t>12/12/2021</a:t>
             </a:fld>
             <a:endParaRPr lang="en-US"/>
           </a:p>
@@ -3410,30 +3423,24 @@
           <a:p>
             <a:r>
               <a:rPr lang="en-US" dirty="0" smtClean="0"/>
-              <a:t>William Frazee</a:t>
+              <a:t>William </a:t>
+            </a:r>
+            <a:r>
+              <a:rPr lang="en-US" dirty="0" smtClean="0"/>
+              <a:t>Frazee</a:t>
             </a:r>
             <a:endParaRPr lang="en-US" dirty="0"/>
           </a:p>
           <a:p>
+            <a:r>
+              <a:rPr lang="en-US" dirty="0" smtClean="0"/>
+              <a:t>ESI5937 – Modeli</a:t>
+            </a:r>
+            <a:r>
+              <a:rPr lang="en-US" dirty="0" smtClean="0"/>
+              <a:t>ng Fanaticism</a:t>
+            </a:r>
             <a:endParaRPr lang="en-US" dirty="0"/>
-          </a:p>
-          <a:p>
-            <a:r>
-              <a:rPr lang="en-US" b="1" dirty="0"/>
-              <a:t>Stage 1: Gathering </a:t>
-            </a:r>
-          </a:p>
-          <a:p>
-            <a:r>
-              <a:rPr lang="en-US" b="1" dirty="0"/>
-              <a:t>&amp; Processing Data</a:t>
-            </a:r>
-          </a:p>
-          <a:p>
-            <a:r>
-              <a:rPr lang="en-US" dirty="0"/>
-              <a:t>ESI5937</a:t>
-            </a:r>
           </a:p>
           <a:p>
             <a:r>
@@ -3489,51 +3496,295 @@
             <p:ph type="title"/>
           </p:nvPr>
         </p:nvSpPr>
-        <p:spPr/>
+        <p:spPr>
+          <a:xfrm>
+            <a:off x="862914" y="93276"/>
+            <a:ext cx="10515600" cy="1325563"/>
+          </a:xfrm>
+        </p:spPr>
         <p:txBody>
-          <a:bodyPr>
-            <a:normAutofit/>
-          </a:bodyPr>
+          <a:bodyPr/>
           <a:lstStyle/>
           <a:p>
+            <a:pPr algn="ctr"/>
             <a:r>
               <a:rPr lang="en-US" dirty="0" smtClean="0"/>
-              <a:t>Predictive Script</a:t>
+              <a:t>Dataset Properties: T-SNE Graph</a:t>
             </a:r>
             <a:endParaRPr lang="en-US" dirty="0"/>
           </a:p>
         </p:txBody>
       </p:sp>
-      <p:pic>
-        <p:nvPicPr>
-          <p:cNvPr id="4" name="Content Placeholder 3"/>
-          <p:cNvPicPr>
-            <a:picLocks noGrp="1" noChangeAspect="1"/>
-          </p:cNvPicPr>
-          <p:nvPr>
-            <p:ph idx="1"/>
-          </p:nvPr>
-        </p:nvPicPr>
-        <p:blipFill>
-          <a:blip r:embed="rId2"/>
-          <a:stretch>
-            <a:fillRect/>
-          </a:stretch>
-        </p:blipFill>
-        <p:spPr>
-          <a:xfrm>
-            <a:off x="1151657" y="1690688"/>
-            <a:ext cx="9296400" cy="1438275"/>
-          </a:xfrm>
-          <a:prstGeom prst="rect">
-            <a:avLst/>
-          </a:prstGeom>
-        </p:spPr>
-      </p:pic>
+      <p:graphicFrame>
+        <p:nvGraphicFramePr>
+          <p:cNvPr id="10" name="Table 9"/>
+          <p:cNvGraphicFramePr>
+            <a:graphicFrameLocks noGrp="1"/>
+          </p:cNvGraphicFramePr>
+          <p:nvPr>
+            <p:extLst>
+              <p:ext uri="{D42A27DB-BD31-4B8C-83A1-F6EECF244321}">
+                <p14:modId xmlns:p14="http://schemas.microsoft.com/office/powerpoint/2010/main" val="288563049"/>
+              </p:ext>
+            </p:extLst>
+          </p:nvPr>
+        </p:nvGraphicFramePr>
+        <p:xfrm>
+          <a:off x="1752600" y="1143000"/>
+          <a:ext cx="8236899" cy="2629281"/>
+        </p:xfrm>
+        <a:graphic>
+          <a:graphicData uri="http://schemas.openxmlformats.org/drawingml/2006/table">
+            <a:tbl>
+              <a:tblPr firstRow="1" bandRow="1">
+                <a:tableStyleId>{5C22544A-7EE6-4342-B048-85BDC9FD1C3A}</a:tableStyleId>
+              </a:tblPr>
+              <a:tblGrid>
+                <a:gridCol w="2745633"/>
+                <a:gridCol w="2745633"/>
+                <a:gridCol w="2745633"/>
+              </a:tblGrid>
+              <a:tr h="121216">
+                <a:tc>
+                  <a:txBody>
+                    <a:bodyPr/>
+                    <a:lstStyle/>
+                    <a:p>
+                      <a:pPr algn="ctr"/>
+                      <a:r>
+                        <a:rPr lang="en-US" dirty="0" smtClean="0"/>
+                        <a:t>2017-05</a:t>
+                      </a:r>
+                      <a:endParaRPr lang="en-US" dirty="0"/>
+                    </a:p>
+                  </a:txBody>
+                  <a:tcPr/>
+                </a:tc>
+                <a:tc>
+                  <a:txBody>
+                    <a:bodyPr/>
+                    <a:lstStyle/>
+                    <a:p>
+                      <a:pPr algn="ctr"/>
+                      <a:r>
+                        <a:rPr lang="en-US" dirty="0" smtClean="0"/>
+                        <a:t>2017-06</a:t>
+                      </a:r>
+                      <a:endParaRPr lang="en-US" dirty="0"/>
+                    </a:p>
+                  </a:txBody>
+                  <a:tcPr/>
+                </a:tc>
+                <a:tc>
+                  <a:txBody>
+                    <a:bodyPr/>
+                    <a:lstStyle/>
+                    <a:p>
+                      <a:pPr algn="ctr"/>
+                      <a:r>
+                        <a:rPr lang="en-US" dirty="0" smtClean="0"/>
+                        <a:t>2017-07</a:t>
+                      </a:r>
+                      <a:endParaRPr lang="en-US" dirty="0"/>
+                    </a:p>
+                  </a:txBody>
+                  <a:tcPr/>
+                </a:tc>
+              </a:tr>
+              <a:tr h="2263521">
+                <a:tc>
+                  <a:txBody>
+                    <a:bodyPr/>
+                    <a:lstStyle/>
+                    <a:p>
+                      <a:endParaRPr lang="en-US" dirty="0"/>
+                    </a:p>
+                  </a:txBody>
+                  <a:tcPr>
+                    <a:blipFill>
+                      <a:blip r:embed="rId2"/>
+                      <a:stretch>
+                        <a:fillRect/>
+                      </a:stretch>
+                    </a:blipFill>
+                  </a:tcPr>
+                </a:tc>
+                <a:tc>
+                  <a:txBody>
+                    <a:bodyPr/>
+                    <a:lstStyle/>
+                    <a:p>
+                      <a:endParaRPr lang="en-US" dirty="0"/>
+                    </a:p>
+                  </a:txBody>
+                  <a:tcPr>
+                    <a:blipFill>
+                      <a:blip r:embed="rId3"/>
+                      <a:stretch>
+                        <a:fillRect/>
+                      </a:stretch>
+                    </a:blipFill>
+                  </a:tcPr>
+                </a:tc>
+                <a:tc>
+                  <a:txBody>
+                    <a:bodyPr/>
+                    <a:lstStyle/>
+                    <a:p>
+                      <a:endParaRPr lang="en-US" dirty="0"/>
+                    </a:p>
+                  </a:txBody>
+                  <a:tcPr>
+                    <a:blipFill>
+                      <a:blip r:embed="rId4"/>
+                      <a:stretch>
+                        <a:fillRect/>
+                      </a:stretch>
+                    </a:blipFill>
+                  </a:tcPr>
+                </a:tc>
+              </a:tr>
+            </a:tbl>
+          </a:graphicData>
+        </a:graphic>
+      </p:graphicFrame>
+      <p:graphicFrame>
+        <p:nvGraphicFramePr>
+          <p:cNvPr id="17" name="Table 16"/>
+          <p:cNvGraphicFramePr>
+            <a:graphicFrameLocks noGrp="1"/>
+          </p:cNvGraphicFramePr>
+          <p:nvPr>
+            <p:extLst>
+              <p:ext uri="{D42A27DB-BD31-4B8C-83A1-F6EECF244321}">
+                <p14:modId xmlns:p14="http://schemas.microsoft.com/office/powerpoint/2010/main" val="43576052"/>
+              </p:ext>
+            </p:extLst>
+          </p:nvPr>
+        </p:nvGraphicFramePr>
+        <p:xfrm>
+          <a:off x="1828800" y="3886200"/>
+          <a:ext cx="8153400" cy="2575560"/>
+        </p:xfrm>
+        <a:graphic>
+          <a:graphicData uri="http://schemas.openxmlformats.org/drawingml/2006/table">
+            <a:tbl>
+              <a:tblPr firstRow="1" bandRow="1">
+                <a:tableStyleId>{5C22544A-7EE6-4342-B048-85BDC9FD1C3A}</a:tableStyleId>
+              </a:tblPr>
+              <a:tblGrid>
+                <a:gridCol w="2717800"/>
+                <a:gridCol w="2717800"/>
+                <a:gridCol w="2717800"/>
+              </a:tblGrid>
+              <a:tr h="228600">
+                <a:tc>
+                  <a:txBody>
+                    <a:bodyPr/>
+                    <a:lstStyle/>
+                    <a:p>
+                      <a:pPr algn="ctr"/>
+                      <a:r>
+                        <a:rPr lang="en-US" dirty="0" smtClean="0"/>
+                        <a:t>2017-08</a:t>
+                      </a:r>
+                      <a:endParaRPr lang="en-US" dirty="0"/>
+                    </a:p>
+                  </a:txBody>
+                  <a:tcPr/>
+                </a:tc>
+                <a:tc>
+                  <a:txBody>
+                    <a:bodyPr/>
+                    <a:lstStyle/>
+                    <a:p>
+                      <a:pPr algn="ctr"/>
+                      <a:r>
+                        <a:rPr lang="en-US" dirty="0" smtClean="0"/>
+                        <a:t>2017-09</a:t>
+                      </a:r>
+                      <a:endParaRPr lang="en-US" dirty="0"/>
+                    </a:p>
+                  </a:txBody>
+                  <a:tcPr/>
+                </a:tc>
+                <a:tc>
+                  <a:txBody>
+                    <a:bodyPr/>
+                    <a:lstStyle/>
+                    <a:p>
+                      <a:pPr algn="ctr"/>
+                      <a:r>
+                        <a:rPr lang="en-US" dirty="0" smtClean="0"/>
+                        <a:t>2017-10</a:t>
+                      </a:r>
+                      <a:endParaRPr lang="en-US" dirty="0"/>
+                    </a:p>
+                  </a:txBody>
+                  <a:tcPr/>
+                </a:tc>
+              </a:tr>
+              <a:tr h="2209800">
+                <a:tc>
+                  <a:txBody>
+                    <a:bodyPr/>
+                    <a:lstStyle/>
+                    <a:p>
+                      <a:endParaRPr lang="en-US" dirty="0"/>
+                    </a:p>
+                  </a:txBody>
+                  <a:tcPr>
+                    <a:blipFill>
+                      <a:blip r:embed="rId5"/>
+                      <a:stretch>
+                        <a:fillRect/>
+                      </a:stretch>
+                    </a:blipFill>
+                  </a:tcPr>
+                </a:tc>
+                <a:tc>
+                  <a:txBody>
+                    <a:bodyPr/>
+                    <a:lstStyle/>
+                    <a:p>
+                      <a:endParaRPr lang="en-US" dirty="0"/>
+                    </a:p>
+                  </a:txBody>
+                  <a:tcPr>
+                    <a:blipFill>
+                      <a:blip r:embed="rId6"/>
+                      <a:stretch>
+                        <a:fillRect/>
+                      </a:stretch>
+                    </a:blipFill>
+                  </a:tcPr>
+                </a:tc>
+                <a:tc>
+                  <a:txBody>
+                    <a:bodyPr/>
+                    <a:lstStyle/>
+                    <a:p>
+                      <a:endParaRPr lang="en-US" dirty="0"/>
+                    </a:p>
+                  </a:txBody>
+                  <a:tcPr>
+                    <a:blipFill>
+                      <a:blip r:embed="rId7"/>
+                      <a:stretch>
+                        <a:fillRect/>
+                      </a:stretch>
+                    </a:blipFill>
+                  </a:tcPr>
+                </a:tc>
+              </a:tr>
+            </a:tbl>
+          </a:graphicData>
+        </a:graphic>
+      </p:graphicFrame>
     </p:spTree>
     <p:extLst>
       <p:ext uri="{BB962C8B-B14F-4D97-AF65-F5344CB8AC3E}">
-        <p14:creationId xmlns:p14="http://schemas.microsoft.com/office/powerpoint/2010/main" val="2092698309"/>
+        <p14:creationId xmlns:p14="http://schemas.microsoft.com/office/powerpoint/2010/main" val="1411972493"/>
       </p:ext>
     </p:extLst>
   </p:cSld>
@@ -3576,90 +3827,299 @@
             <p:ph type="title"/>
           </p:nvPr>
         </p:nvSpPr>
-        <p:spPr/>
-        <p:txBody>
-          <a:bodyPr>
-            <a:normAutofit/>
-          </a:bodyPr>
-          <a:lstStyle/>
-          <a:p>
-            <a:r>
-              <a:rPr lang="en-US" sz="4000" dirty="0" smtClean="0"/>
-              <a:t>Post Mortem</a:t>
-            </a:r>
-            <a:endParaRPr lang="en-US" sz="4000" dirty="0"/>
-          </a:p>
-        </p:txBody>
-      </p:sp>
-      <p:sp>
-        <p:nvSpPr>
-          <p:cNvPr id="3" name="Content Placeholder 2">
-            <a:extLst>
-              <a:ext uri="{FF2B5EF4-FFF2-40B4-BE49-F238E27FC236}">
-                <a16:creationId xmlns="" xmlns:a16="http://schemas.microsoft.com/office/drawing/2014/main" id="{7635C22D-C353-4667-A7F1-9B336C79683E}"/>
-              </a:ext>
-            </a:extLst>
-          </p:cNvPr>
-          <p:cNvSpPr>
-            <a:spLocks noGrp="1"/>
-          </p:cNvSpPr>
-          <p:nvPr>
-            <p:ph idx="1"/>
-          </p:nvPr>
-        </p:nvSpPr>
         <p:spPr>
           <a:xfrm>
-            <a:off x="731109" y="1759723"/>
-            <a:ext cx="10515600" cy="4351338"/>
+            <a:off x="862914" y="93276"/>
+            <a:ext cx="10515600" cy="1325563"/>
           </a:xfrm>
         </p:spPr>
         <p:txBody>
-          <a:bodyPr>
-            <a:normAutofit/>
-          </a:bodyPr>
+          <a:bodyPr/>
           <a:lstStyle/>
           <a:p>
-            <a:r>
-              <a:rPr lang="en-US" sz="2200" b="1" dirty="0">
-                <a:solidFill>
-                  <a:srgbClr val="FF0000"/>
-                </a:solidFill>
-              </a:rPr>
-              <a:t>Compare my model with and without my domain knowledge </a:t>
-            </a:r>
-            <a:r>
-              <a:rPr lang="en-US" sz="2200" b="1" dirty="0" err="1">
-                <a:solidFill>
-                  <a:srgbClr val="FF0000"/>
-                </a:solidFill>
-              </a:rPr>
-              <a:t>subreddits</a:t>
-            </a:r>
-            <a:r>
-              <a:rPr lang="en-US" sz="2200" b="1" dirty="0">
-                <a:solidFill>
-                  <a:srgbClr val="FF0000"/>
-                </a:solidFill>
-              </a:rPr>
-              <a:t> that I’ve selected</a:t>
-            </a:r>
-          </a:p>
-          <a:p>
-            <a:r>
-              <a:rPr lang="en-US" sz="2200" b="1" dirty="0" smtClean="0">
-                <a:solidFill>
-                  <a:srgbClr val="FF0000"/>
-                </a:solidFill>
-              </a:rPr>
-              <a:t>More Months of Data. Maybe train on a year’s worth of data?</a:t>
-            </a:r>
+            <a:pPr algn="ctr"/>
+            <a:r>
+              <a:rPr lang="en-US" dirty="0" smtClean="0"/>
+              <a:t>Dataset Properties: </a:t>
+            </a:r>
+            <a:r>
+              <a:rPr lang="en-US" dirty="0" smtClean="0"/>
+              <a:t>High TD-IDF Scores</a:t>
+            </a:r>
+            <a:endParaRPr lang="en-US" dirty="0"/>
           </a:p>
         </p:txBody>
       </p:sp>
+      <p:graphicFrame>
+        <p:nvGraphicFramePr>
+          <p:cNvPr id="10" name="Table 9"/>
+          <p:cNvGraphicFramePr>
+            <a:graphicFrameLocks noGrp="1"/>
+          </p:cNvGraphicFramePr>
+          <p:nvPr>
+            <p:extLst>
+              <p:ext uri="{D42A27DB-BD31-4B8C-83A1-F6EECF244321}">
+                <p14:modId xmlns:p14="http://schemas.microsoft.com/office/powerpoint/2010/main" val="288563049"/>
+              </p:ext>
+            </p:extLst>
+          </p:nvPr>
+        </p:nvGraphicFramePr>
+        <p:xfrm>
+          <a:off x="1752600" y="1143000"/>
+          <a:ext cx="8236899" cy="2629281"/>
+        </p:xfrm>
+        <a:graphic>
+          <a:graphicData uri="http://schemas.openxmlformats.org/drawingml/2006/table">
+            <a:tbl>
+              <a:tblPr firstRow="1" bandRow="1">
+                <a:tableStyleId>{5C22544A-7EE6-4342-B048-85BDC9FD1C3A}</a:tableStyleId>
+              </a:tblPr>
+              <a:tblGrid>
+                <a:gridCol w="2745633"/>
+                <a:gridCol w="2745633"/>
+                <a:gridCol w="2745633"/>
+              </a:tblGrid>
+              <a:tr h="121216">
+                <a:tc>
+                  <a:txBody>
+                    <a:bodyPr/>
+                    <a:lstStyle/>
+                    <a:p>
+                      <a:pPr algn="ctr"/>
+                      <a:r>
+                        <a:rPr lang="en-US" dirty="0" smtClean="0"/>
+                        <a:t>2017-05</a:t>
+                      </a:r>
+                      <a:endParaRPr lang="en-US" dirty="0"/>
+                    </a:p>
+                  </a:txBody>
+                  <a:tcPr/>
+                </a:tc>
+                <a:tc>
+                  <a:txBody>
+                    <a:bodyPr/>
+                    <a:lstStyle/>
+                    <a:p>
+                      <a:pPr algn="ctr"/>
+                      <a:r>
+                        <a:rPr lang="en-US" dirty="0" smtClean="0"/>
+                        <a:t>2017-06</a:t>
+                      </a:r>
+                      <a:endParaRPr lang="en-US" dirty="0"/>
+                    </a:p>
+                  </a:txBody>
+                  <a:tcPr/>
+                </a:tc>
+                <a:tc>
+                  <a:txBody>
+                    <a:bodyPr/>
+                    <a:lstStyle/>
+                    <a:p>
+                      <a:pPr algn="ctr"/>
+                      <a:r>
+                        <a:rPr lang="en-US" dirty="0" smtClean="0"/>
+                        <a:t>2017-07</a:t>
+                      </a:r>
+                      <a:endParaRPr lang="en-US" dirty="0"/>
+                    </a:p>
+                  </a:txBody>
+                  <a:tcPr/>
+                </a:tc>
+              </a:tr>
+              <a:tr h="2263521">
+                <a:tc>
+                  <a:txBody>
+                    <a:bodyPr/>
+                    <a:lstStyle/>
+                    <a:p>
+                      <a:endParaRPr lang="en-US" dirty="0"/>
+                    </a:p>
+                  </a:txBody>
+                  <a:tcPr>
+                    <a:blipFill>
+                      <a:blip r:embed="rId2"/>
+                      <a:stretch>
+                        <a:fillRect/>
+                      </a:stretch>
+                    </a:blipFill>
+                  </a:tcPr>
+                </a:tc>
+                <a:tc>
+                  <a:txBody>
+                    <a:bodyPr/>
+                    <a:lstStyle/>
+                    <a:p>
+                      <a:endParaRPr lang="en-US" dirty="0"/>
+                    </a:p>
+                  </a:txBody>
+                  <a:tcPr>
+                    <a:blipFill>
+                      <a:blip r:embed="rId3"/>
+                      <a:stretch>
+                        <a:fillRect/>
+                      </a:stretch>
+                    </a:blipFill>
+                  </a:tcPr>
+                </a:tc>
+                <a:tc>
+                  <a:txBody>
+                    <a:bodyPr/>
+                    <a:lstStyle/>
+                    <a:p>
+                      <a:endParaRPr lang="en-US" dirty="0"/>
+                    </a:p>
+                  </a:txBody>
+                  <a:tcPr>
+                    <a:blipFill>
+                      <a:blip r:embed="rId4"/>
+                      <a:stretch>
+                        <a:fillRect/>
+                      </a:stretch>
+                    </a:blipFill>
+                  </a:tcPr>
+                </a:tc>
+              </a:tr>
+            </a:tbl>
+          </a:graphicData>
+        </a:graphic>
+      </p:graphicFrame>
+      <p:graphicFrame>
+        <p:nvGraphicFramePr>
+          <p:cNvPr id="17" name="Table 16"/>
+          <p:cNvGraphicFramePr>
+            <a:graphicFrameLocks noGrp="1"/>
+          </p:cNvGraphicFramePr>
+          <p:nvPr>
+            <p:extLst>
+              <p:ext uri="{D42A27DB-BD31-4B8C-83A1-F6EECF244321}">
+                <p14:modId xmlns:p14="http://schemas.microsoft.com/office/powerpoint/2010/main" val="43576052"/>
+              </p:ext>
+            </p:extLst>
+          </p:nvPr>
+        </p:nvGraphicFramePr>
+        <p:xfrm>
+          <a:off x="1828800" y="3886200"/>
+          <a:ext cx="8153400" cy="2575560"/>
+        </p:xfrm>
+        <a:graphic>
+          <a:graphicData uri="http://schemas.openxmlformats.org/drawingml/2006/table">
+            <a:tbl>
+              <a:tblPr firstRow="1" bandRow="1">
+                <a:tableStyleId>{5C22544A-7EE6-4342-B048-85BDC9FD1C3A}</a:tableStyleId>
+              </a:tblPr>
+              <a:tblGrid>
+                <a:gridCol w="2717800"/>
+                <a:gridCol w="2717800"/>
+                <a:gridCol w="2717800"/>
+              </a:tblGrid>
+              <a:tr h="228600">
+                <a:tc>
+                  <a:txBody>
+                    <a:bodyPr/>
+                    <a:lstStyle/>
+                    <a:p>
+                      <a:pPr algn="ctr"/>
+                      <a:r>
+                        <a:rPr lang="en-US" dirty="0" smtClean="0"/>
+                        <a:t>2017-08</a:t>
+                      </a:r>
+                      <a:endParaRPr lang="en-US" dirty="0"/>
+                    </a:p>
+                  </a:txBody>
+                  <a:tcPr/>
+                </a:tc>
+                <a:tc>
+                  <a:txBody>
+                    <a:bodyPr/>
+                    <a:lstStyle/>
+                    <a:p>
+                      <a:pPr algn="ctr"/>
+                      <a:r>
+                        <a:rPr lang="en-US" dirty="0" smtClean="0"/>
+                        <a:t>2017-09</a:t>
+                      </a:r>
+                      <a:endParaRPr lang="en-US" dirty="0"/>
+                    </a:p>
+                  </a:txBody>
+                  <a:tcPr/>
+                </a:tc>
+                <a:tc>
+                  <a:txBody>
+                    <a:bodyPr/>
+                    <a:lstStyle/>
+                    <a:p>
+                      <a:pPr algn="ctr"/>
+                      <a:r>
+                        <a:rPr lang="en-US" dirty="0" smtClean="0"/>
+                        <a:t>2017-10</a:t>
+                      </a:r>
+                      <a:endParaRPr lang="en-US" dirty="0"/>
+                    </a:p>
+                  </a:txBody>
+                  <a:tcPr/>
+                </a:tc>
+              </a:tr>
+              <a:tr h="2209800">
+                <a:tc>
+                  <a:txBody>
+                    <a:bodyPr/>
+                    <a:lstStyle/>
+                    <a:p>
+                      <a:endParaRPr lang="en-US" dirty="0"/>
+                    </a:p>
+                  </a:txBody>
+                  <a:tcPr>
+                    <a:blipFill>
+                      <a:blip r:embed="rId5"/>
+                      <a:stretch>
+                        <a:fillRect/>
+                      </a:stretch>
+                    </a:blipFill>
+                  </a:tcPr>
+                </a:tc>
+                <a:tc>
+                  <a:txBody>
+                    <a:bodyPr/>
+                    <a:lstStyle/>
+                    <a:p>
+                      <a:endParaRPr lang="en-US" dirty="0"/>
+                    </a:p>
+                  </a:txBody>
+                  <a:tcPr>
+                    <a:blipFill>
+                      <a:blip r:embed="rId6"/>
+                      <a:stretch>
+                        <a:fillRect/>
+                      </a:stretch>
+                    </a:blipFill>
+                  </a:tcPr>
+                </a:tc>
+                <a:tc>
+                  <a:txBody>
+                    <a:bodyPr/>
+                    <a:lstStyle/>
+                    <a:p>
+                      <a:endParaRPr lang="en-US" dirty="0"/>
+                    </a:p>
+                  </a:txBody>
+                  <a:tcPr>
+                    <a:blipFill>
+                      <a:blip r:embed="rId7"/>
+                      <a:stretch>
+                        <a:fillRect/>
+                      </a:stretch>
+                    </a:blipFill>
+                  </a:tcPr>
+                </a:tc>
+              </a:tr>
+            </a:tbl>
+          </a:graphicData>
+        </a:graphic>
+      </p:graphicFrame>
     </p:spTree>
     <p:extLst>
       <p:ext uri="{BB962C8B-B14F-4D97-AF65-F5344CB8AC3E}">
-        <p14:creationId xmlns:p14="http://schemas.microsoft.com/office/powerpoint/2010/main" val="754072787"/>
+        <p14:creationId xmlns:p14="http://schemas.microsoft.com/office/powerpoint/2010/main" val="4177030317"/>
       </p:ext>
     </p:extLst>
   </p:cSld>
@@ -3702,61 +4162,53 @@
             <p:ph type="title"/>
           </p:nvPr>
         </p:nvSpPr>
-        <p:spPr/>
-        <p:txBody>
-          <a:bodyPr>
-            <a:normAutofit/>
-          </a:bodyPr>
-          <a:lstStyle/>
-          <a:p>
-            <a:r>
-              <a:rPr lang="en-US" sz="4000" dirty="0" err="1" smtClean="0"/>
-              <a:t>Github</a:t>
-            </a:r>
-            <a:endParaRPr lang="en-US" sz="4000" dirty="0"/>
-          </a:p>
-        </p:txBody>
-      </p:sp>
-      <p:sp>
-        <p:nvSpPr>
-          <p:cNvPr id="3" name="Content Placeholder 2">
-            <a:extLst>
-              <a:ext uri="{FF2B5EF4-FFF2-40B4-BE49-F238E27FC236}">
-                <a16:creationId xmlns="" xmlns:a16="http://schemas.microsoft.com/office/drawing/2014/main" id="{7635C22D-C353-4667-A7F1-9B336C79683E}"/>
-              </a:ext>
-            </a:extLst>
-          </p:cNvPr>
-          <p:cNvSpPr>
-            <a:spLocks noGrp="1"/>
-          </p:cNvSpPr>
-          <p:nvPr>
-            <p:ph idx="1"/>
-          </p:nvPr>
-        </p:nvSpPr>
         <p:spPr>
           <a:xfrm>
-            <a:off x="731109" y="1759723"/>
-            <a:ext cx="10515600" cy="4351338"/>
+            <a:off x="862914" y="93276"/>
+            <a:ext cx="10515600" cy="1325563"/>
           </a:xfrm>
         </p:spPr>
         <p:txBody>
-          <a:bodyPr>
-            <a:normAutofit/>
-          </a:bodyPr>
+          <a:bodyPr/>
           <a:lstStyle/>
           <a:p>
-            <a:endParaRPr lang="en-US" sz="2200" b="1" dirty="0" smtClean="0">
-              <a:solidFill>
-                <a:srgbClr val="FF0000"/>
-              </a:solidFill>
-            </a:endParaRPr>
+            <a:pPr algn="ctr"/>
+            <a:r>
+              <a:rPr lang="en-US" dirty="0" smtClean="0"/>
+              <a:t>Model Training/Tuning/Testing</a:t>
+            </a:r>
+            <a:endParaRPr lang="en-US" dirty="0"/>
           </a:p>
         </p:txBody>
       </p:sp>
+      <p:pic>
+        <p:nvPicPr>
+          <p:cNvPr id="3" name="Picture 2"/>
+          <p:cNvPicPr>
+            <a:picLocks noChangeAspect="1"/>
+          </p:cNvPicPr>
+          <p:nvPr/>
+        </p:nvPicPr>
+        <p:blipFill>
+          <a:blip r:embed="rId2"/>
+          <a:stretch>
+            <a:fillRect/>
+          </a:stretch>
+        </p:blipFill>
+        <p:spPr>
+          <a:xfrm>
+            <a:off x="1600200" y="1219200"/>
+            <a:ext cx="8763000" cy="5170814"/>
+          </a:xfrm>
+          <a:prstGeom prst="rect">
+            <a:avLst/>
+          </a:prstGeom>
+        </p:spPr>
+      </p:pic>
     </p:spTree>
     <p:extLst>
       <p:ext uri="{BB962C8B-B14F-4D97-AF65-F5344CB8AC3E}">
-        <p14:creationId xmlns:p14="http://schemas.microsoft.com/office/powerpoint/2010/main" val="2457326604"/>
+        <p14:creationId xmlns:p14="http://schemas.microsoft.com/office/powerpoint/2010/main" val="1595205589"/>
       </p:ext>
     </p:extLst>
   </p:cSld>
@@ -3785,7 +4237,13 @@
       </p:grpSpPr>
       <p:sp>
         <p:nvSpPr>
-          <p:cNvPr id="2" name="Title 1"/>
+          <p:cNvPr id="2" name="Title 1">
+            <a:extLst>
+              <a:ext uri="{FF2B5EF4-FFF2-40B4-BE49-F238E27FC236}">
+                <a16:creationId xmlns="" xmlns:a16="http://schemas.microsoft.com/office/drawing/2014/main" id="{3110135F-436C-43A6-B97B-0D3290966A31}"/>
+              </a:ext>
+            </a:extLst>
+          </p:cNvPr>
           <p:cNvSpPr>
             <a:spLocks noGrp="1"/>
           </p:cNvSpPr>
@@ -3793,119 +4251,412 @@
             <p:ph type="title"/>
           </p:nvPr>
         </p:nvSpPr>
-        <p:spPr/>
+        <p:spPr>
+          <a:xfrm>
+            <a:off x="862914" y="93276"/>
+            <a:ext cx="10515600" cy="1325563"/>
+          </a:xfrm>
+        </p:spPr>
         <p:txBody>
-          <a:bodyPr>
-            <a:normAutofit/>
-          </a:bodyPr>
+          <a:bodyPr/>
           <a:lstStyle/>
           <a:p>
-            <a:r>
-              <a:rPr lang="en-US" sz="6000" b="1" dirty="0" smtClean="0"/>
-              <a:t>Next Steps</a:t>
-            </a:r>
-            <a:endParaRPr lang="en-US" sz="6000" b="1" dirty="0"/>
+            <a:pPr algn="ctr"/>
+            <a:r>
+              <a:rPr lang="en-US" dirty="0" smtClean="0"/>
+              <a:t>Model Scores</a:t>
+            </a:r>
+            <a:endParaRPr lang="en-US" dirty="0"/>
           </a:p>
         </p:txBody>
       </p:sp>
-      <p:sp>
-        <p:nvSpPr>
-          <p:cNvPr id="3" name="Content Placeholder 2"/>
-          <p:cNvSpPr>
-            <a:spLocks noGrp="1"/>
-          </p:cNvSpPr>
-          <p:nvPr>
-            <p:ph idx="1"/>
-          </p:nvPr>
-        </p:nvSpPr>
-        <p:spPr/>
-        <p:txBody>
-          <a:bodyPr>
-            <a:normAutofit/>
-          </a:bodyPr>
-          <a:lstStyle/>
-          <a:p>
-            <a:r>
-              <a:rPr lang="en-US" sz="2200" b="1" dirty="0" smtClean="0">
-                <a:solidFill>
-                  <a:schemeClr val="accent6"/>
-                </a:solidFill>
-              </a:rPr>
-              <a:t>Turn each user’s comment sample comment history into a single lined corpus, with tokens that indicate when the comments begin and end</a:t>
-            </a:r>
-          </a:p>
-          <a:p>
-            <a:r>
-              <a:rPr lang="en-US" sz="2200" b="1" dirty="0" smtClean="0">
-                <a:solidFill>
-                  <a:schemeClr val="accent6"/>
-                </a:solidFill>
-              </a:rPr>
-              <a:t>Do not do text processing, raw text may contain complexities</a:t>
-            </a:r>
-          </a:p>
-          <a:p>
-            <a:r>
-              <a:rPr lang="en-US" sz="2200" b="1" dirty="0" smtClean="0">
-                <a:solidFill>
-                  <a:schemeClr val="accent6"/>
-                </a:solidFill>
-              </a:rPr>
-              <a:t>Filter out moderator messages, deleted messages, and removed messages</a:t>
-            </a:r>
-          </a:p>
-          <a:p>
-            <a:r>
-              <a:rPr lang="en-US" sz="2200" b="1" dirty="0" smtClean="0">
-                <a:solidFill>
-                  <a:schemeClr val="accent6"/>
-                </a:solidFill>
-              </a:rPr>
-              <a:t>Divide my data into 60% Training, 20% Validation, and 20% Test training sets.</a:t>
-            </a:r>
-          </a:p>
-          <a:p>
-            <a:r>
-              <a:rPr lang="en-US" sz="2200" b="1" dirty="0" smtClean="0">
-                <a:solidFill>
-                  <a:schemeClr val="accent6"/>
-                </a:solidFill>
-              </a:rPr>
-              <a:t>Use TD-IDF to </a:t>
-            </a:r>
-            <a:r>
-              <a:rPr lang="en-US" sz="2200" b="1" dirty="0" err="1" smtClean="0">
-                <a:solidFill>
-                  <a:schemeClr val="accent6"/>
-                </a:solidFill>
-              </a:rPr>
-              <a:t>vectorize</a:t>
-            </a:r>
-            <a:r>
-              <a:rPr lang="en-US" sz="2200" b="1" dirty="0" smtClean="0">
-                <a:solidFill>
-                  <a:schemeClr val="accent6"/>
-                </a:solidFill>
-              </a:rPr>
-              <a:t> corpuses</a:t>
-            </a:r>
-          </a:p>
-          <a:p>
-            <a:r>
-              <a:rPr lang="en-US" sz="2200" b="1" dirty="0" smtClean="0">
-                <a:solidFill>
-                  <a:schemeClr val="accent6"/>
-                </a:solidFill>
-              </a:rPr>
-              <a:t>Create a classifier</a:t>
-            </a:r>
-          </a:p>
-        </p:txBody>
-      </p:sp>
+      <p:graphicFrame>
+        <p:nvGraphicFramePr>
+          <p:cNvPr id="12" name="Table 11"/>
+          <p:cNvGraphicFramePr>
+            <a:graphicFrameLocks noGrp="1"/>
+          </p:cNvGraphicFramePr>
+          <p:nvPr>
+            <p:extLst>
+              <p:ext uri="{D42A27DB-BD31-4B8C-83A1-F6EECF244321}">
+                <p14:modId xmlns:p14="http://schemas.microsoft.com/office/powerpoint/2010/main" val="1719206655"/>
+              </p:ext>
+            </p:extLst>
+          </p:nvPr>
+        </p:nvGraphicFramePr>
+        <p:xfrm>
+          <a:off x="2743200" y="1600200"/>
+          <a:ext cx="6629400" cy="3088035"/>
+        </p:xfrm>
+        <a:graphic>
+          <a:graphicData uri="http://schemas.openxmlformats.org/drawingml/2006/table">
+            <a:tbl>
+              <a:tblPr firstRow="1" bandRow="1">
+                <a:tableStyleId>{5C22544A-7EE6-4342-B048-85BDC9FD1C3A}</a:tableStyleId>
+              </a:tblPr>
+              <a:tblGrid>
+                <a:gridCol w="1660208"/>
+                <a:gridCol w="2302192"/>
+                <a:gridCol w="2667000"/>
+              </a:tblGrid>
+              <a:tr h="868075">
+                <a:tc>
+                  <a:txBody>
+                    <a:bodyPr/>
+                    <a:lstStyle/>
+                    <a:p>
+                      <a:pPr algn="l"/>
+                      <a:r>
+                        <a:rPr lang="en-US" dirty="0" smtClean="0"/>
+                        <a:t>Month</a:t>
+                      </a:r>
+                      <a:r>
+                        <a:rPr lang="en-US" baseline="0" dirty="0" smtClean="0"/>
+                        <a:t> of Data</a:t>
+                      </a:r>
+                      <a:endParaRPr lang="en-US" dirty="0"/>
+                    </a:p>
+                  </a:txBody>
+                  <a:tcPr/>
+                </a:tc>
+                <a:tc>
+                  <a:txBody>
+                    <a:bodyPr/>
+                    <a:lstStyle/>
+                    <a:p>
+                      <a:pPr algn="l"/>
+                      <a:r>
+                        <a:rPr lang="en-US" dirty="0" smtClean="0"/>
+                        <a:t>Accuracy Score</a:t>
+                      </a:r>
+                      <a:endParaRPr lang="en-US" dirty="0"/>
+                    </a:p>
+                  </a:txBody>
+                  <a:tcPr/>
+                </a:tc>
+                <a:tc>
+                  <a:txBody>
+                    <a:bodyPr/>
+                    <a:lstStyle/>
+                    <a:p>
+                      <a:pPr algn="l"/>
+                      <a:r>
+                        <a:rPr lang="en-US" dirty="0" smtClean="0"/>
+                        <a:t>Precision Score</a:t>
+                      </a:r>
+                    </a:p>
+                    <a:p>
+                      <a:pPr algn="l"/>
+                      <a:r>
+                        <a:rPr lang="en-US" dirty="0" smtClean="0"/>
+                        <a:t>[</a:t>
+                      </a:r>
+                      <a:r>
+                        <a:rPr lang="en-US" dirty="0" err="1" smtClean="0"/>
+                        <a:t>Incel</a:t>
+                      </a:r>
+                      <a:r>
+                        <a:rPr lang="en-US" dirty="0" smtClean="0"/>
+                        <a:t>,</a:t>
+                      </a:r>
+                      <a:r>
+                        <a:rPr lang="en-US" baseline="0" dirty="0" smtClean="0"/>
+                        <a:t> non-</a:t>
+                      </a:r>
+                      <a:r>
+                        <a:rPr lang="en-US" baseline="0" dirty="0" err="1" smtClean="0"/>
+                        <a:t>Incel</a:t>
+                      </a:r>
+                      <a:r>
+                        <a:rPr lang="en-US" baseline="0" dirty="0" smtClean="0"/>
+                        <a:t>]</a:t>
+                      </a:r>
+                      <a:endParaRPr lang="en-US" dirty="0"/>
+                    </a:p>
+                  </a:txBody>
+                  <a:tcPr/>
+                </a:tc>
+              </a:tr>
+              <a:tr h="370840">
+                <a:tc>
+                  <a:txBody>
+                    <a:bodyPr/>
+                    <a:lstStyle/>
+                    <a:p>
+                      <a:r>
+                        <a:rPr lang="en-US" dirty="0" smtClean="0"/>
+                        <a:t>2017-05</a:t>
+                      </a:r>
+                      <a:endParaRPr lang="en-US" dirty="0"/>
+                    </a:p>
+                  </a:txBody>
+                  <a:tcPr/>
+                </a:tc>
+                <a:tc>
+                  <a:txBody>
+                    <a:bodyPr/>
+                    <a:lstStyle/>
+                    <a:p>
+                      <a:r>
+                        <a:rPr lang="en-US" dirty="0" smtClean="0"/>
+                        <a:t>0.66</a:t>
+                      </a:r>
+                      <a:endParaRPr lang="en-US" dirty="0"/>
+                    </a:p>
+                  </a:txBody>
+                  <a:tcPr/>
+                </a:tc>
+                <a:tc>
+                  <a:txBody>
+                    <a:bodyPr/>
+                    <a:lstStyle/>
+                    <a:p>
+                      <a:r>
+                        <a:rPr lang="en-US" dirty="0" smtClean="0"/>
+                        <a:t>[0.69, 0.64]</a:t>
+                      </a:r>
+                      <a:endParaRPr lang="en-US" dirty="0"/>
+                    </a:p>
+                  </a:txBody>
+                  <a:tcPr/>
+                </a:tc>
+              </a:tr>
+              <a:tr h="370840">
+                <a:tc>
+                  <a:txBody>
+                    <a:bodyPr/>
+                    <a:lstStyle/>
+                    <a:p>
+                      <a:r>
+                        <a:rPr lang="en-US" dirty="0" smtClean="0"/>
+                        <a:t>2017-06</a:t>
+                      </a:r>
+                      <a:endParaRPr lang="en-US" dirty="0"/>
+                    </a:p>
+                  </a:txBody>
+                  <a:tcPr/>
+                </a:tc>
+                <a:tc>
+                  <a:txBody>
+                    <a:bodyPr/>
+                    <a:lstStyle/>
+                    <a:p>
+                      <a:r>
+                        <a:rPr lang="en-US" dirty="0" smtClean="0"/>
+                        <a:t>0.60</a:t>
+                      </a:r>
+                      <a:endParaRPr lang="en-US" dirty="0"/>
+                    </a:p>
+                  </a:txBody>
+                  <a:tcPr/>
+                </a:tc>
+                <a:tc>
+                  <a:txBody>
+                    <a:bodyPr/>
+                    <a:lstStyle/>
+                    <a:p>
+                      <a:r>
+                        <a:rPr lang="en-US" dirty="0" smtClean="0"/>
+                        <a:t>[0.71, 0.56]</a:t>
+                      </a:r>
+                      <a:endParaRPr lang="en-US" dirty="0"/>
+                    </a:p>
+                  </a:txBody>
+                  <a:tcPr/>
+                </a:tc>
+              </a:tr>
+              <a:tr h="370840">
+                <a:tc>
+                  <a:txBody>
+                    <a:bodyPr/>
+                    <a:lstStyle/>
+                    <a:p>
+                      <a:r>
+                        <a:rPr lang="en-US" dirty="0" smtClean="0"/>
+                        <a:t>2017-07</a:t>
+                      </a:r>
+                      <a:endParaRPr lang="en-US" dirty="0"/>
+                    </a:p>
+                  </a:txBody>
+                  <a:tcPr/>
+                </a:tc>
+                <a:tc>
+                  <a:txBody>
+                    <a:bodyPr/>
+                    <a:lstStyle/>
+                    <a:p>
+                      <a:r>
+                        <a:rPr lang="en-US" dirty="0" smtClean="0"/>
+                        <a:t>0.66</a:t>
+                      </a:r>
+                      <a:endParaRPr lang="en-US" dirty="0"/>
+                    </a:p>
+                  </a:txBody>
+                  <a:tcPr/>
+                </a:tc>
+                <a:tc>
+                  <a:txBody>
+                    <a:bodyPr/>
+                    <a:lstStyle/>
+                    <a:p>
+                      <a:r>
+                        <a:rPr lang="en-US" dirty="0" smtClean="0"/>
+                        <a:t>[0.71, 0.62]</a:t>
+                      </a:r>
+                      <a:endParaRPr lang="en-US" dirty="0"/>
+                    </a:p>
+                  </a:txBody>
+                  <a:tcPr/>
+                </a:tc>
+              </a:tr>
+              <a:tr h="370840">
+                <a:tc>
+                  <a:txBody>
+                    <a:bodyPr/>
+                    <a:lstStyle/>
+                    <a:p>
+                      <a:r>
+                        <a:rPr lang="en-US" dirty="0" smtClean="0"/>
+                        <a:t>2017-08</a:t>
+                      </a:r>
+                      <a:endParaRPr lang="en-US" dirty="0"/>
+                    </a:p>
+                  </a:txBody>
+                  <a:tcPr/>
+                </a:tc>
+                <a:tc>
+                  <a:txBody>
+                    <a:bodyPr/>
+                    <a:lstStyle/>
+                    <a:p>
+                      <a:r>
+                        <a:rPr lang="en-US" dirty="0" smtClean="0"/>
+                        <a:t>0.73</a:t>
+                      </a:r>
+                      <a:endParaRPr lang="en-US" dirty="0"/>
+                    </a:p>
+                  </a:txBody>
+                  <a:tcPr/>
+                </a:tc>
+                <a:tc>
+                  <a:txBody>
+                    <a:bodyPr/>
+                    <a:lstStyle/>
+                    <a:p>
+                      <a:r>
+                        <a:rPr lang="en-US" dirty="0" smtClean="0"/>
+                        <a:t>[0.78, 0.68]</a:t>
+                      </a:r>
+                      <a:endParaRPr lang="en-US" dirty="0"/>
+                    </a:p>
+                  </a:txBody>
+                  <a:tcPr/>
+                </a:tc>
+              </a:tr>
+              <a:tr h="370840">
+                <a:tc>
+                  <a:txBody>
+                    <a:bodyPr/>
+                    <a:lstStyle/>
+                    <a:p>
+                      <a:r>
+                        <a:rPr lang="en-US" dirty="0" smtClean="0"/>
+                        <a:t>2017-09</a:t>
+                      </a:r>
+                      <a:endParaRPr lang="en-US" dirty="0"/>
+                    </a:p>
+                  </a:txBody>
+                  <a:tcPr/>
+                </a:tc>
+                <a:tc>
+                  <a:txBody>
+                    <a:bodyPr/>
+                    <a:lstStyle/>
+                    <a:p>
+                      <a:r>
+                        <a:rPr lang="en-US" dirty="0" smtClean="0"/>
+                        <a:t>0.60</a:t>
+                      </a:r>
+                      <a:endParaRPr lang="en-US" dirty="0"/>
+                    </a:p>
+                  </a:txBody>
+                  <a:tcPr/>
+                </a:tc>
+                <a:tc>
+                  <a:txBody>
+                    <a:bodyPr/>
+                    <a:lstStyle/>
+                    <a:p>
+                      <a:r>
+                        <a:rPr lang="en-US" dirty="0" smtClean="0"/>
+                        <a:t>[0.53,</a:t>
+                      </a:r>
+                      <a:r>
+                        <a:rPr lang="en-US" baseline="0" dirty="0" smtClean="0"/>
+                        <a:t> 0.65</a:t>
+                      </a:r>
+                      <a:r>
+                        <a:rPr lang="en-US" dirty="0" smtClean="0"/>
+                        <a:t>]</a:t>
+                      </a:r>
+                      <a:endParaRPr lang="en-US" dirty="0"/>
+                    </a:p>
+                  </a:txBody>
+                  <a:tcPr/>
+                </a:tc>
+              </a:tr>
+              <a:tr h="0">
+                <a:tc>
+                  <a:txBody>
+                    <a:bodyPr/>
+                    <a:lstStyle/>
+                    <a:p>
+                      <a:r>
+                        <a:rPr lang="en-US" dirty="0" smtClean="0"/>
+                        <a:t>2017-10</a:t>
+                      </a:r>
+                      <a:endParaRPr lang="en-US" dirty="0"/>
+                    </a:p>
+                  </a:txBody>
+                  <a:tcPr/>
+                </a:tc>
+                <a:tc>
+                  <a:txBody>
+                    <a:bodyPr/>
+                    <a:lstStyle/>
+                    <a:p>
+                      <a:r>
+                        <a:rPr lang="en-US" dirty="0" smtClean="0"/>
+                        <a:t>0.66</a:t>
+                      </a:r>
+                      <a:endParaRPr lang="en-US" dirty="0"/>
+                    </a:p>
+                  </a:txBody>
+                  <a:tcPr/>
+                </a:tc>
+                <a:tc>
+                  <a:txBody>
+                    <a:bodyPr/>
+                    <a:lstStyle/>
+                    <a:p>
+                      <a:r>
+                        <a:rPr lang="en-US" dirty="0" smtClean="0"/>
+                        <a:t>[0.72, 0.61]</a:t>
+                      </a:r>
+                      <a:endParaRPr lang="en-US" dirty="0"/>
+                    </a:p>
+                  </a:txBody>
+                  <a:tcPr/>
+                </a:tc>
+              </a:tr>
+            </a:tbl>
+          </a:graphicData>
+        </a:graphic>
+      </p:graphicFrame>
     </p:spTree>
     <p:extLst>
       <p:ext uri="{BB962C8B-B14F-4D97-AF65-F5344CB8AC3E}">
-        <p14:creationId xmlns:p14="http://schemas.microsoft.com/office/powerpoint/2010/main" val="2265957791"/>
+        <p14:creationId xmlns:p14="http://schemas.microsoft.com/office/powerpoint/2010/main" val="302900495"/>
       </p:ext>
     </p:extLst>
   </p:cSld>
@@ -3934,7 +4685,13 @@
       </p:grpSpPr>
       <p:sp>
         <p:nvSpPr>
-          <p:cNvPr id="2" name="Title 1"/>
+          <p:cNvPr id="2" name="Title 1">
+            <a:extLst>
+              <a:ext uri="{FF2B5EF4-FFF2-40B4-BE49-F238E27FC236}">
+                <a16:creationId xmlns="" xmlns:a16="http://schemas.microsoft.com/office/drawing/2014/main" id="{3110135F-436C-43A6-B97B-0D3290966A31}"/>
+              </a:ext>
+            </a:extLst>
+          </p:cNvPr>
           <p:cNvSpPr>
             <a:spLocks noGrp="1"/>
           </p:cNvSpPr>
@@ -3944,20 +4701,117 @@
         </p:nvSpPr>
         <p:spPr/>
         <p:txBody>
-          <a:bodyPr/>
+          <a:bodyPr>
+            <a:normAutofit/>
+          </a:bodyPr>
           <a:lstStyle/>
           <a:p>
+            <a:pPr algn="ctr"/>
             <a:r>
               <a:rPr lang="en-US" dirty="0" smtClean="0"/>
-              <a:t>Next Steps Part 2</a:t>
+              <a:t>Application: Predictive Script</a:t>
             </a:r>
             <a:endParaRPr lang="en-US" dirty="0"/>
+          </a:p>
+        </p:txBody>
+      </p:sp>
+      <p:pic>
+        <p:nvPicPr>
+          <p:cNvPr id="4" name="Content Placeholder 3"/>
+          <p:cNvPicPr>
+            <a:picLocks noGrp="1" noChangeAspect="1"/>
+          </p:cNvPicPr>
+          <p:nvPr>
+            <p:ph idx="1"/>
+          </p:nvPr>
+        </p:nvPicPr>
+        <p:blipFill>
+          <a:blip r:embed="rId2"/>
+          <a:stretch>
+            <a:fillRect/>
+          </a:stretch>
+        </p:blipFill>
+        <p:spPr>
+          <a:xfrm>
+            <a:off x="1600200" y="1702190"/>
+            <a:ext cx="9067800" cy="1438275"/>
+          </a:xfrm>
+          <a:prstGeom prst="rect">
+            <a:avLst/>
+          </a:prstGeom>
+        </p:spPr>
+      </p:pic>
+    </p:spTree>
+    <p:extLst>
+      <p:ext uri="{BB962C8B-B14F-4D97-AF65-F5344CB8AC3E}">
+        <p14:creationId xmlns:p14="http://schemas.microsoft.com/office/powerpoint/2010/main" val="2092698309"/>
+      </p:ext>
+    </p:extLst>
+  </p:cSld>
+  <p:clrMapOvr>
+    <a:masterClrMapping/>
+  </p:clrMapOvr>
+</p:sld>
+</file>
+
+<file path=ppt/slides/slide15.xml><?xml version="1.0" encoding="utf-8"?>
+<p:sld xmlns:a="http://schemas.openxmlformats.org/drawingml/2006/main" xmlns:r="http://schemas.openxmlformats.org/officeDocument/2006/relationships" xmlns:p="http://schemas.openxmlformats.org/presentationml/2006/main">
+  <p:cSld>
+    <p:spTree>
+      <p:nvGrpSpPr>
+        <p:cNvPr id="1" name=""/>
+        <p:cNvGrpSpPr/>
+        <p:nvPr/>
+      </p:nvGrpSpPr>
+      <p:grpSpPr>
+        <a:xfrm>
+          <a:off x="0" y="0"/>
+          <a:ext cx="0" cy="0"/>
+          <a:chOff x="0" y="0"/>
+          <a:chExt cx="0" cy="0"/>
+        </a:xfrm>
+      </p:grpSpPr>
+      <p:sp>
+        <p:nvSpPr>
+          <p:cNvPr id="2" name="Title 1">
+            <a:extLst>
+              <a:ext uri="{FF2B5EF4-FFF2-40B4-BE49-F238E27FC236}">
+                <a16:creationId xmlns="" xmlns:a16="http://schemas.microsoft.com/office/drawing/2014/main" id="{3110135F-436C-43A6-B97B-0D3290966A31}"/>
+              </a:ext>
+            </a:extLst>
+          </p:cNvPr>
+          <p:cNvSpPr>
+            <a:spLocks noGrp="1"/>
+          </p:cNvSpPr>
+          <p:nvPr>
+            <p:ph type="title"/>
+          </p:nvPr>
+        </p:nvSpPr>
+        <p:spPr/>
+        <p:txBody>
+          <a:bodyPr>
+            <a:normAutofit/>
+          </a:bodyPr>
+          <a:lstStyle/>
+          <a:p>
+            <a:pPr algn="ctr"/>
+            <a:r>
+              <a:rPr lang="en-US" sz="4000" dirty="0" smtClean="0"/>
+              <a:t>Post Mortem</a:t>
+            </a:r>
+            <a:endParaRPr lang="en-US" sz="4000" dirty="0"/>
           </a:p>
         </p:txBody>
       </p:sp>
       <p:sp>
         <p:nvSpPr>
-          <p:cNvPr id="3" name="Content Placeholder 2"/>
+          <p:cNvPr id="3" name="Content Placeholder 2">
+            <a:extLst>
+              <a:ext uri="{FF2B5EF4-FFF2-40B4-BE49-F238E27FC236}">
+                <a16:creationId xmlns="" xmlns:a16="http://schemas.microsoft.com/office/drawing/2014/main" id="{7635C22D-C353-4667-A7F1-9B336C79683E}"/>
+              </a:ext>
+            </a:extLst>
+          </p:cNvPr>
           <p:cNvSpPr>
             <a:spLocks noGrp="1"/>
           </p:cNvSpPr>
@@ -3965,166 +4819,232 @@
             <p:ph idx="1"/>
           </p:nvPr>
         </p:nvSpPr>
-        <p:spPr/>
+        <p:spPr>
+          <a:xfrm>
+            <a:off x="731109" y="1759723"/>
+            <a:ext cx="10515600" cy="4351338"/>
+          </a:xfrm>
+        </p:spPr>
         <p:txBody>
           <a:bodyPr>
-            <a:normAutofit fontScale="92500"/>
+            <a:normAutofit/>
           </a:bodyPr>
           <a:lstStyle/>
           <a:p>
             <a:r>
-              <a:rPr lang="en-US" dirty="0" smtClean="0">
-                <a:solidFill>
-                  <a:schemeClr val="accent6"/>
-                </a:solidFill>
-              </a:rPr>
-              <a:t>Ensure that we are comparing </a:t>
-            </a:r>
-            <a:r>
-              <a:rPr lang="en-US" dirty="0" err="1" smtClean="0">
-                <a:solidFill>
-                  <a:schemeClr val="accent6"/>
-                </a:solidFill>
-              </a:rPr>
-              <a:t>incel</a:t>
-            </a:r>
-            <a:r>
-              <a:rPr lang="en-US" dirty="0" smtClean="0">
-                <a:solidFill>
-                  <a:schemeClr val="accent6"/>
-                </a:solidFill>
-              </a:rPr>
-              <a:t> users and non </a:t>
-            </a:r>
-            <a:r>
-              <a:rPr lang="en-US" dirty="0" err="1" smtClean="0">
-                <a:solidFill>
-                  <a:schemeClr val="accent6"/>
-                </a:solidFill>
-              </a:rPr>
-              <a:t>incel</a:t>
-            </a:r>
-            <a:r>
-              <a:rPr lang="en-US" dirty="0" smtClean="0">
-                <a:solidFill>
-                  <a:schemeClr val="accent6"/>
-                </a:solidFill>
-              </a:rPr>
-              <a:t> users who have similar amounts of comments</a:t>
-            </a:r>
-          </a:p>
-          <a:p>
-            <a:r>
-              <a:rPr lang="en-US" dirty="0" smtClean="0">
-                <a:solidFill>
-                  <a:schemeClr val="accent6"/>
-                </a:solidFill>
-              </a:rPr>
-              <a:t>Gather more months of data</a:t>
-            </a:r>
-          </a:p>
-          <a:p>
-            <a:r>
-              <a:rPr lang="en-US" dirty="0">
-                <a:solidFill>
-                  <a:schemeClr val="accent6"/>
-                </a:solidFill>
-              </a:rPr>
-              <a:t>Plot T-SNE / feature maps to see if there are features that overlap, if they do I might need to plot in higher dimensions with like a kernel classifier</a:t>
-            </a:r>
-            <a:r>
-              <a:rPr lang="en-US" dirty="0" smtClean="0">
-                <a:solidFill>
-                  <a:schemeClr val="accent6"/>
-                </a:solidFill>
-              </a:rPr>
-              <a:t>.</a:t>
-            </a:r>
-          </a:p>
-          <a:p>
-            <a:r>
-              <a:rPr lang="en-US" dirty="0" smtClean="0"/>
-              <a:t>Compare my model with and without my domain knowledge </a:t>
-            </a:r>
-            <a:r>
-              <a:rPr lang="en-US" dirty="0" err="1" smtClean="0"/>
+              <a:rPr lang="en-US" sz="2200" b="1" dirty="0" smtClean="0">
+                <a:solidFill>
+                  <a:srgbClr val="FF0000"/>
+                </a:solidFill>
+              </a:rPr>
+              <a:t>Vary the </a:t>
+            </a:r>
+            <a:r>
+              <a:rPr lang="en-US" sz="2200" b="1" dirty="0" err="1" smtClean="0">
+                <a:solidFill>
+                  <a:srgbClr val="FF0000"/>
+                </a:solidFill>
+              </a:rPr>
               <a:t>subreddits</a:t>
             </a:r>
             <a:r>
-              <a:rPr lang="en-US" dirty="0" smtClean="0"/>
-              <a:t> that I’ve selected</a:t>
-            </a:r>
-          </a:p>
-          <a:p>
-            <a:r>
-              <a:rPr lang="en-US" dirty="0" smtClean="0">
-                <a:solidFill>
-                  <a:schemeClr val="accent6"/>
-                </a:solidFill>
-              </a:rPr>
-              <a:t>Get some more interesting statistics to show off, like: highest number of comments by an </a:t>
-            </a:r>
-            <a:r>
-              <a:rPr lang="en-US" dirty="0" err="1" smtClean="0">
-                <a:solidFill>
-                  <a:schemeClr val="accent6"/>
-                </a:solidFill>
-              </a:rPr>
-              <a:t>incel</a:t>
-            </a:r>
-            <a:r>
-              <a:rPr lang="en-US" dirty="0" smtClean="0">
-                <a:solidFill>
-                  <a:schemeClr val="accent6"/>
-                </a:solidFill>
-              </a:rPr>
-              <a:t> user. Or, most popular words used by </a:t>
-            </a:r>
-            <a:r>
-              <a:rPr lang="en-US" dirty="0" err="1" smtClean="0">
-                <a:solidFill>
-                  <a:schemeClr val="accent6"/>
-                </a:solidFill>
-              </a:rPr>
-              <a:t>incels</a:t>
-            </a:r>
-            <a:r>
-              <a:rPr lang="en-US" dirty="0" smtClean="0">
-                <a:solidFill>
-                  <a:schemeClr val="accent6"/>
-                </a:solidFill>
-              </a:rPr>
-              <a:t>/non </a:t>
-            </a:r>
-            <a:r>
-              <a:rPr lang="en-US" dirty="0" err="1" smtClean="0">
-                <a:solidFill>
-                  <a:schemeClr val="accent6"/>
-                </a:solidFill>
-              </a:rPr>
-              <a:t>incels</a:t>
-            </a:r>
-            <a:r>
-              <a:rPr lang="en-US" dirty="0" smtClean="0">
-                <a:solidFill>
-                  <a:schemeClr val="accent6"/>
-                </a:solidFill>
-              </a:rPr>
-              <a:t>.</a:t>
-            </a:r>
-          </a:p>
-          <a:p>
-            <a:pPr marL="0" indent="0">
-              <a:buNone/>
-            </a:pPr>
-            <a:endParaRPr lang="en-US" dirty="0"/>
+              <a:rPr lang="en-US" sz="2200" b="1" dirty="0" smtClean="0">
+                <a:solidFill>
+                  <a:srgbClr val="FF0000"/>
+                </a:solidFill>
+              </a:rPr>
+              <a:t> that comments were pulled from.</a:t>
+            </a:r>
+            <a:endParaRPr lang="en-US" sz="2200" b="1" dirty="0">
+              <a:solidFill>
+                <a:srgbClr val="FF0000"/>
+              </a:solidFill>
+            </a:endParaRPr>
+          </a:p>
+          <a:p>
+            <a:r>
+              <a:rPr lang="en-US" sz="2200" b="1" dirty="0" smtClean="0">
+                <a:solidFill>
+                  <a:srgbClr val="FF0000"/>
+                </a:solidFill>
+              </a:rPr>
+              <a:t>More Months of Data. Modify my script to train on a variable amount of data.</a:t>
+            </a:r>
+          </a:p>
+          <a:p>
+            <a:r>
+              <a:rPr lang="en-US" sz="2200" b="1" dirty="0" smtClean="0">
+                <a:solidFill>
+                  <a:srgbClr val="FF0000"/>
+                </a:solidFill>
+              </a:rPr>
+              <a:t>Additional Research Question: How well does this pipeline perform on other </a:t>
+            </a:r>
+            <a:r>
+              <a:rPr lang="en-US" sz="2200" b="1" dirty="0" err="1" smtClean="0">
+                <a:solidFill>
+                  <a:srgbClr val="FF0000"/>
+                </a:solidFill>
+              </a:rPr>
+              <a:t>subreddits</a:t>
+            </a:r>
+            <a:r>
+              <a:rPr lang="en-US" sz="2200" b="1" dirty="0" smtClean="0">
+                <a:solidFill>
+                  <a:srgbClr val="FF0000"/>
+                </a:solidFill>
+              </a:rPr>
+              <a:t>, not just r/</a:t>
+            </a:r>
+            <a:r>
+              <a:rPr lang="en-US" sz="2200" b="1" dirty="0" err="1" smtClean="0">
+                <a:solidFill>
+                  <a:srgbClr val="FF0000"/>
+                </a:solidFill>
+              </a:rPr>
+              <a:t>Incels</a:t>
+            </a:r>
+            <a:r>
+              <a:rPr lang="en-US" sz="2200" b="1" dirty="0" smtClean="0">
+                <a:solidFill>
+                  <a:srgbClr val="FF0000"/>
+                </a:solidFill>
+              </a:rPr>
+              <a:t>?</a:t>
+            </a:r>
           </a:p>
         </p:txBody>
       </p:sp>
     </p:spTree>
     <p:extLst>
       <p:ext uri="{BB962C8B-B14F-4D97-AF65-F5344CB8AC3E}">
-        <p14:creationId xmlns:p14="http://schemas.microsoft.com/office/powerpoint/2010/main" val="2058781713"/>
+        <p14:creationId xmlns:p14="http://schemas.microsoft.com/office/powerpoint/2010/main" val="754072787"/>
+      </p:ext>
+    </p:extLst>
+  </p:cSld>
+  <p:clrMapOvr>
+    <a:masterClrMapping/>
+  </p:clrMapOvr>
+</p:sld>
+</file>
+
+<file path=ppt/slides/slide16.xml><?xml version="1.0" encoding="utf-8"?>
+<p:sld xmlns:a="http://schemas.openxmlformats.org/drawingml/2006/main" xmlns:r="http://schemas.openxmlformats.org/officeDocument/2006/relationships" xmlns:p="http://schemas.openxmlformats.org/presentationml/2006/main">
+  <p:cSld>
+    <p:spTree>
+      <p:nvGrpSpPr>
+        <p:cNvPr id="1" name=""/>
+        <p:cNvGrpSpPr/>
+        <p:nvPr/>
+      </p:nvGrpSpPr>
+      <p:grpSpPr>
+        <a:xfrm>
+          <a:off x="0" y="0"/>
+          <a:ext cx="0" cy="0"/>
+          <a:chOff x="0" y="0"/>
+          <a:chExt cx="0" cy="0"/>
+        </a:xfrm>
+      </p:grpSpPr>
+      <p:sp>
+        <p:nvSpPr>
+          <p:cNvPr id="2" name="Title 1">
+            <a:extLst>
+              <a:ext uri="{FF2B5EF4-FFF2-40B4-BE49-F238E27FC236}">
+                <a16:creationId xmlns="" xmlns:a16="http://schemas.microsoft.com/office/drawing/2014/main" id="{3110135F-436C-43A6-B97B-0D3290966A31}"/>
+              </a:ext>
+            </a:extLst>
+          </p:cNvPr>
+          <p:cNvSpPr>
+            <a:spLocks noGrp="1"/>
+          </p:cNvSpPr>
+          <p:nvPr>
+            <p:ph type="title"/>
+          </p:nvPr>
+        </p:nvSpPr>
+        <p:spPr/>
+        <p:txBody>
+          <a:bodyPr>
+            <a:normAutofit/>
+          </a:bodyPr>
+          <a:lstStyle/>
+          <a:p>
+            <a:pPr algn="ctr"/>
+            <a:r>
+              <a:rPr lang="en-US" sz="4000" dirty="0" err="1" smtClean="0"/>
+              <a:t>Github</a:t>
+            </a:r>
+            <a:endParaRPr lang="en-US" sz="4000" dirty="0"/>
+          </a:p>
+        </p:txBody>
+      </p:sp>
+      <p:sp>
+        <p:nvSpPr>
+          <p:cNvPr id="3" name="Content Placeholder 2">
+            <a:extLst>
+              <a:ext uri="{FF2B5EF4-FFF2-40B4-BE49-F238E27FC236}">
+                <a16:creationId xmlns="" xmlns:a16="http://schemas.microsoft.com/office/drawing/2014/main" id="{7635C22D-C353-4667-A7F1-9B336C79683E}"/>
+              </a:ext>
+            </a:extLst>
+          </p:cNvPr>
+          <p:cNvSpPr>
+            <a:spLocks noGrp="1"/>
+          </p:cNvSpPr>
+          <p:nvPr>
+            <p:ph idx="1"/>
+          </p:nvPr>
+        </p:nvSpPr>
+        <p:spPr>
+          <a:xfrm>
+            <a:off x="731109" y="1759723"/>
+            <a:ext cx="10515600" cy="4351338"/>
+          </a:xfrm>
+        </p:spPr>
+        <p:txBody>
+          <a:bodyPr>
+            <a:normAutofit/>
+          </a:bodyPr>
+          <a:lstStyle/>
+          <a:p>
+            <a:pPr marL="0" indent="0">
+              <a:buNone/>
+            </a:pPr>
+            <a:r>
+              <a:rPr lang="en-US" sz="2200" b="1" dirty="0">
+                <a:solidFill>
+                  <a:srgbClr val="FF0000"/>
+                </a:solidFill>
+                <a:hlinkClick r:id="rId2"/>
+              </a:rPr>
+              <a:t>https://</a:t>
+            </a:r>
+            <a:r>
+              <a:rPr lang="en-US" sz="2200" b="1" dirty="0" smtClean="0">
+                <a:solidFill>
+                  <a:srgbClr val="FF0000"/>
+                </a:solidFill>
+                <a:hlinkClick r:id="rId2"/>
+              </a:rPr>
+              <a:t>github.com/Spyrix/RedditUserClassification</a:t>
+            </a:r>
+            <a:endParaRPr lang="en-US" sz="2200" b="1" dirty="0" smtClean="0">
+              <a:solidFill>
+                <a:srgbClr val="FF0000"/>
+              </a:solidFill>
+            </a:endParaRPr>
+          </a:p>
+          <a:p>
+            <a:endParaRPr lang="en-US" sz="2200" b="1" dirty="0" smtClean="0">
+              <a:solidFill>
+                <a:srgbClr val="FF0000"/>
+              </a:solidFill>
+            </a:endParaRPr>
+          </a:p>
+        </p:txBody>
+      </p:sp>
+    </p:spTree>
+    <p:extLst>
+      <p:ext uri="{BB962C8B-B14F-4D97-AF65-F5344CB8AC3E}">
+        <p14:creationId xmlns:p14="http://schemas.microsoft.com/office/powerpoint/2010/main" val="2457326604"/>
       </p:ext>
     </p:extLst>
   </p:cSld>
@@ -4172,9 +5092,10 @@
           <a:bodyPr/>
           <a:lstStyle/>
           <a:p>
+            <a:pPr algn="ctr"/>
             <a:r>
               <a:rPr lang="en-US" dirty="0"/>
-              <a:t>Research Problem &amp; Goal </a:t>
+              <a:t>Research Problem &amp; Goal</a:t>
             </a:r>
           </a:p>
         </p:txBody>
@@ -4195,28 +5116,149 @@
             <p:ph idx="1"/>
           </p:nvPr>
         </p:nvSpPr>
-        <p:spPr/>
+        <p:spPr>
+          <a:xfrm>
+            <a:off x="838200" y="1600200"/>
+            <a:ext cx="10515600" cy="5014783"/>
+          </a:xfrm>
+        </p:spPr>
         <p:txBody>
-          <a:bodyPr/>
+          <a:bodyPr>
+            <a:normAutofit/>
+          </a:bodyPr>
           <a:lstStyle/>
           <a:p>
-            <a:r>
-              <a:rPr lang="en-US" dirty="0"/>
-              <a:t>What are you goals for your research project?  You can speak to what you might learn or how your project might benefit society.</a:t>
-            </a:r>
-          </a:p>
-          <a:p>
-            <a:pPr marL="0" indent="0">
+            <a:pPr marL="0" indent="0" algn="ctr">
               <a:buNone/>
             </a:pPr>
-            <a:endParaRPr lang="en-US" dirty="0"/>
+            <a:r>
+              <a:rPr lang="en-US" b="1" dirty="0" smtClean="0">
+                <a:solidFill>
+                  <a:srgbClr val="FF0000"/>
+                </a:solidFill>
+              </a:rPr>
+              <a:t>Problem:</a:t>
+            </a:r>
+          </a:p>
+          <a:p>
+            <a:pPr marL="0" indent="0" algn="ctr">
+              <a:buNone/>
+            </a:pPr>
+            <a:r>
+              <a:rPr lang="en-US" b="1" dirty="0" err="1" smtClean="0">
+                <a:solidFill>
+                  <a:srgbClr val="FF0000"/>
+                </a:solidFill>
+              </a:rPr>
+              <a:t>Incels</a:t>
+            </a:r>
+            <a:r>
+              <a:rPr lang="en-US" b="1" dirty="0" smtClean="0">
+                <a:solidFill>
+                  <a:srgbClr val="FF0000"/>
+                </a:solidFill>
+              </a:rPr>
+              <a:t> are men who believe that they are unable (for reasons beyond their control) to attract a woman for a relationship. Their online communities tend to encourage misanthropic behaviors, which sometimes manifest violently in the offline world. It would be beneficial for society if we could detect these users online and intervene before their radicalization is complete.</a:t>
+            </a:r>
+            <a:endParaRPr lang="en-US" b="1" dirty="0">
+              <a:solidFill>
+                <a:srgbClr val="FF0000"/>
+              </a:solidFill>
+            </a:endParaRPr>
+          </a:p>
+          <a:p>
+            <a:pPr marL="0" indent="0" algn="ctr">
+              <a:buNone/>
+            </a:pPr>
+            <a:r>
+              <a:rPr lang="en-US" b="1" dirty="0" smtClean="0">
+                <a:solidFill>
+                  <a:srgbClr val="FF0000"/>
+                </a:solidFill>
+              </a:rPr>
+              <a:t>Goal:</a:t>
+            </a:r>
+          </a:p>
+          <a:p>
+            <a:pPr marL="0" indent="0" algn="ctr">
+              <a:buNone/>
+            </a:pPr>
+            <a:r>
+              <a:rPr lang="en-US" b="1" dirty="0" smtClean="0">
+                <a:solidFill>
+                  <a:srgbClr val="FF0000"/>
+                </a:solidFill>
+              </a:rPr>
+              <a:t>To build a classifier that can detect if a </a:t>
+            </a:r>
+            <a:r>
+              <a:rPr lang="en-US" b="1" dirty="0" err="1" smtClean="0">
+                <a:solidFill>
+                  <a:srgbClr val="FF0000"/>
+                </a:solidFill>
+              </a:rPr>
+              <a:t>Reddit</a:t>
+            </a:r>
+            <a:r>
+              <a:rPr lang="en-US" b="1" dirty="0" smtClean="0">
+                <a:solidFill>
+                  <a:srgbClr val="FF0000"/>
+                </a:solidFill>
+              </a:rPr>
+              <a:t> user is an active participant of the </a:t>
+            </a:r>
+            <a:r>
+              <a:rPr lang="en-US" b="1" dirty="0" err="1" smtClean="0">
+                <a:solidFill>
+                  <a:srgbClr val="FF0000"/>
+                </a:solidFill>
+              </a:rPr>
+              <a:t>reddit</a:t>
+            </a:r>
+            <a:r>
+              <a:rPr lang="en-US" b="1" dirty="0" smtClean="0">
+                <a:solidFill>
+                  <a:srgbClr val="FF0000"/>
+                </a:solidFill>
+              </a:rPr>
+              <a:t> </a:t>
+            </a:r>
+            <a:r>
+              <a:rPr lang="en-US" b="1" dirty="0" err="1" smtClean="0">
+                <a:solidFill>
+                  <a:srgbClr val="FF0000"/>
+                </a:solidFill>
+              </a:rPr>
+              <a:t>incel</a:t>
+            </a:r>
+            <a:r>
+              <a:rPr lang="en-US" b="1" dirty="0" smtClean="0">
+                <a:solidFill>
+                  <a:srgbClr val="FF0000"/>
+                </a:solidFill>
+              </a:rPr>
+              <a:t> community based on their comment history</a:t>
+            </a:r>
+            <a:r>
+              <a:rPr lang="en-US" b="1" dirty="0" smtClean="0">
+                <a:solidFill>
+                  <a:srgbClr val="FF0000"/>
+                </a:solidFill>
+              </a:rPr>
+              <a:t>.</a:t>
+            </a:r>
+            <a:endParaRPr lang="en-US" b="1" dirty="0">
+              <a:solidFill>
+                <a:srgbClr val="FF0000"/>
+              </a:solidFill>
+            </a:endParaRPr>
           </a:p>
         </p:txBody>
       </p:sp>
     </p:spTree>
     <p:extLst>
       <p:ext uri="{BB962C8B-B14F-4D97-AF65-F5344CB8AC3E}">
-        <p14:creationId xmlns:p14="http://schemas.microsoft.com/office/powerpoint/2010/main" val="339950399"/>
+        <p14:creationId xmlns:p14="http://schemas.microsoft.com/office/powerpoint/2010/main" val="1915814657"/>
       </p:ext>
     </p:extLst>
   </p:cSld>
@@ -4248,7 +5290,7 @@
           <p:cNvPr id="2" name="Title 1">
             <a:extLst>
               <a:ext uri="{FF2B5EF4-FFF2-40B4-BE49-F238E27FC236}">
-                <a16:creationId xmlns="" xmlns:a16="http://schemas.microsoft.com/office/drawing/2014/main" id="{F189E6D9-D7F4-40AC-A719-9B0F52E1D414}"/>
+                <a16:creationId xmlns="" xmlns:a16="http://schemas.microsoft.com/office/drawing/2014/main" id="{86D398DD-DFB0-4EA2-B8F5-52BE0FAFEBA1}"/>
               </a:ext>
             </a:extLst>
           </p:cNvPr>
@@ -4264,9 +5306,10 @@
           <a:bodyPr/>
           <a:lstStyle/>
           <a:p>
+            <a:pPr algn="ctr"/>
             <a:r>
               <a:rPr lang="en-US" dirty="0"/>
-              <a:t>Research Problem &amp; Goal</a:t>
+              <a:t>Research Question</a:t>
             </a:r>
           </a:p>
         </p:txBody>
@@ -4276,7 +5319,7 @@
           <p:cNvPr id="3" name="Content Placeholder 2">
             <a:extLst>
               <a:ext uri="{FF2B5EF4-FFF2-40B4-BE49-F238E27FC236}">
-                <a16:creationId xmlns="" xmlns:a16="http://schemas.microsoft.com/office/drawing/2014/main" id="{4A9F010A-AC7E-4EF4-AA8F-F79FB0E68681}"/>
+                <a16:creationId xmlns="" xmlns:a16="http://schemas.microsoft.com/office/drawing/2014/main" id="{E291FC76-0B80-4D5C-91B0-60568064D530}"/>
               </a:ext>
             </a:extLst>
           </p:cNvPr>
@@ -4289,9 +5332,7 @@
         </p:nvSpPr>
         <p:spPr/>
         <p:txBody>
-          <a:bodyPr>
-            <a:normAutofit/>
-          </a:bodyPr>
+          <a:bodyPr/>
           <a:lstStyle/>
           <a:p>
             <a:pPr marL="0" indent="0" algn="ctr">
@@ -4303,7 +5344,39 @@
                   <a:srgbClr val="FF0000"/>
                 </a:solidFill>
               </a:rPr>
-              <a:t>Problem:</a:t>
+              <a:t>Can a framework of Natural Language Processing and Machine Learning explain the relationship between a </a:t>
+            </a:r>
+            <a:r>
+              <a:rPr lang="en-US" b="1" dirty="0" err="1" smtClean="0">
+                <a:solidFill>
+                  <a:srgbClr val="FF0000"/>
+                </a:solidFill>
+              </a:rPr>
+              <a:t>Reddit</a:t>
+            </a:r>
+            <a:r>
+              <a:rPr lang="en-US" b="1" dirty="0" smtClean="0">
+                <a:solidFill>
+                  <a:srgbClr val="FF0000"/>
+                </a:solidFill>
+              </a:rPr>
+              <a:t> user’s comment history, and them being an active user of r/</a:t>
+            </a:r>
+            <a:r>
+              <a:rPr lang="en-US" b="1" dirty="0" err="1" smtClean="0">
+                <a:solidFill>
+                  <a:srgbClr val="FF0000"/>
+                </a:solidFill>
+              </a:rPr>
+              <a:t>Incels</a:t>
+            </a:r>
+            <a:r>
+              <a:rPr lang="en-US" b="1" dirty="0" smtClean="0">
+                <a:solidFill>
+                  <a:srgbClr val="FF0000"/>
+                </a:solidFill>
+              </a:rPr>
+              <a:t>?</a:t>
             </a:r>
           </a:p>
           <a:p>
@@ -4311,112 +5384,58 @@
               <a:buNone/>
             </a:pPr>
             <a:r>
-              <a:rPr lang="en-US" b="1" dirty="0" err="1" smtClean="0">
-                <a:solidFill>
-                  <a:srgbClr val="FF0000"/>
-                </a:solidFill>
-              </a:rPr>
-              <a:t>Incels</a:t>
-            </a:r>
-            <a:r>
-              <a:rPr lang="en-US" b="1" dirty="0" smtClean="0">
-                <a:solidFill>
-                  <a:srgbClr val="FF0000"/>
-                </a:solidFill>
-              </a:rPr>
-              <a:t> are men who believe that they are unable to ever attract a female in a romantic manner. Their online communities tend to encourage misanthropic behaviors, which sometimes manifest violently in the real world. It would be beneficial for society if we could detect these users online and intervene before their radicalization is complete.</a:t>
-            </a:r>
-            <a:endParaRPr lang="en-US" b="1" dirty="0">
-              <a:solidFill>
-                <a:srgbClr val="FF0000"/>
-              </a:solidFill>
-            </a:endParaRPr>
+              <a:rPr lang="en-US" b="1" dirty="0">
+                <a:solidFill>
+                  <a:srgbClr val="FF0000"/>
+                </a:solidFill>
+              </a:rPr>
+              <a:t>More broadly, how well can we classify </a:t>
+            </a:r>
+            <a:r>
+              <a:rPr lang="en-US" b="1" dirty="0" err="1">
+                <a:solidFill>
+                  <a:srgbClr val="FF0000"/>
+                </a:solidFill>
+              </a:rPr>
+              <a:t>Reddit</a:t>
+            </a:r>
+            <a:r>
+              <a:rPr lang="en-US" b="1" dirty="0">
+                <a:solidFill>
+                  <a:srgbClr val="FF0000"/>
+                </a:solidFill>
+              </a:rPr>
+              <a:t> users as active participants of </a:t>
+            </a:r>
+            <a:r>
+              <a:rPr lang="en-US" b="1" dirty="0" err="1">
+                <a:solidFill>
+                  <a:srgbClr val="FF0000"/>
+                </a:solidFill>
+              </a:rPr>
+              <a:t>subreddits</a:t>
+            </a:r>
+            <a:r>
+              <a:rPr lang="en-US" b="1" dirty="0">
+                <a:solidFill>
+                  <a:srgbClr val="FF0000"/>
+                </a:solidFill>
+              </a:rPr>
+              <a:t> based on comment history?</a:t>
+            </a:r>
           </a:p>
           <a:p>
             <a:pPr marL="0" indent="0" algn="ctr">
               <a:buNone/>
             </a:pPr>
-            <a:r>
-              <a:rPr lang="en-US" b="1" dirty="0" smtClean="0">
-                <a:solidFill>
-                  <a:srgbClr val="FF0000"/>
-                </a:solidFill>
-              </a:rPr>
-              <a:t>Goal:</a:t>
-            </a:r>
-          </a:p>
-          <a:p>
-            <a:pPr marL="0" indent="0" algn="ctr">
-              <a:buNone/>
-            </a:pPr>
-            <a:r>
-              <a:rPr lang="en-US" b="1" dirty="0" smtClean="0">
-                <a:solidFill>
-                  <a:srgbClr val="FF0000"/>
-                </a:solidFill>
-              </a:rPr>
-              <a:t>To build a classifier that can detect if a </a:t>
-            </a:r>
-            <a:r>
-              <a:rPr lang="en-US" b="1" dirty="0" err="1" smtClean="0">
-                <a:solidFill>
-                  <a:srgbClr val="FF0000"/>
-                </a:solidFill>
-              </a:rPr>
-              <a:t>Reddit</a:t>
-            </a:r>
-            <a:r>
-              <a:rPr lang="en-US" b="1" dirty="0" smtClean="0">
-                <a:solidFill>
-                  <a:srgbClr val="FF0000"/>
-                </a:solidFill>
-              </a:rPr>
-              <a:t> user is likely to be an apart of the </a:t>
-            </a:r>
-            <a:r>
-              <a:rPr lang="en-US" b="1" dirty="0" err="1" smtClean="0">
-                <a:solidFill>
-                  <a:srgbClr val="FF0000"/>
-                </a:solidFill>
-              </a:rPr>
-              <a:t>reddit</a:t>
-            </a:r>
-            <a:r>
-              <a:rPr lang="en-US" b="1" dirty="0" smtClean="0">
-                <a:solidFill>
-                  <a:srgbClr val="FF0000"/>
-                </a:solidFill>
-              </a:rPr>
-              <a:t> </a:t>
-            </a:r>
-            <a:r>
-              <a:rPr lang="en-US" b="1" dirty="0" err="1" smtClean="0">
-                <a:solidFill>
-                  <a:srgbClr val="FF0000"/>
-                </a:solidFill>
-              </a:rPr>
-              <a:t>incel</a:t>
-            </a:r>
-            <a:r>
-              <a:rPr lang="en-US" b="1" dirty="0" smtClean="0">
-                <a:solidFill>
-                  <a:srgbClr val="FF0000"/>
-                </a:solidFill>
-              </a:rPr>
-              <a:t> community based on their comment activity.</a:t>
-            </a:r>
-            <a:endParaRPr lang="en-US" b="1" dirty="0">
-              <a:solidFill>
-                <a:srgbClr val="FF0000"/>
-              </a:solidFill>
-            </a:endParaRPr>
+            <a:endParaRPr lang="en-US" dirty="0"/>
           </a:p>
         </p:txBody>
       </p:sp>
     </p:spTree>
     <p:extLst>
       <p:ext uri="{BB962C8B-B14F-4D97-AF65-F5344CB8AC3E}">
-        <p14:creationId xmlns:p14="http://schemas.microsoft.com/office/powerpoint/2010/main" val="1915814657"/>
+        <p14:creationId xmlns:p14="http://schemas.microsoft.com/office/powerpoint/2010/main" val="1256019655"/>
       </p:ext>
     </p:extLst>
   </p:cSld>
@@ -4448,7 +5467,7 @@
           <p:cNvPr id="2" name="Title 1">
             <a:extLst>
               <a:ext uri="{FF2B5EF4-FFF2-40B4-BE49-F238E27FC236}">
-                <a16:creationId xmlns="" xmlns:a16="http://schemas.microsoft.com/office/drawing/2014/main" id="{86D398DD-DFB0-4EA2-B8F5-52BE0FAFEBA1}"/>
+                <a16:creationId xmlns="" xmlns:a16="http://schemas.microsoft.com/office/drawing/2014/main" id="{1BCC4DFC-CD9A-4ACB-821D-C53D96707809}"/>
               </a:ext>
             </a:extLst>
           </p:cNvPr>
@@ -4464,10 +5483,12 @@
           <a:bodyPr/>
           <a:lstStyle/>
           <a:p>
-            <a:r>
-              <a:rPr lang="en-US" dirty="0"/>
-              <a:t>Research Question</a:t>
-            </a:r>
+            <a:pPr algn="ctr"/>
+            <a:r>
+              <a:rPr lang="en-US" dirty="0" smtClean="0"/>
+              <a:t>Variables</a:t>
+            </a:r>
+            <a:endParaRPr lang="en-US" dirty="0"/>
           </a:p>
         </p:txBody>
       </p:sp>
@@ -4476,7 +5497,7 @@
           <p:cNvPr id="3" name="Content Placeholder 2">
             <a:extLst>
               <a:ext uri="{FF2B5EF4-FFF2-40B4-BE49-F238E27FC236}">
-                <a16:creationId xmlns="" xmlns:a16="http://schemas.microsoft.com/office/drawing/2014/main" id="{E291FC76-0B80-4D5C-91B0-60568064D530}"/>
+                <a16:creationId xmlns="" xmlns:a16="http://schemas.microsoft.com/office/drawing/2014/main" id="{A39554A4-FE78-4024-B803-2492EF292C84}"/>
               </a:ext>
             </a:extLst>
           </p:cNvPr>
@@ -4492,49 +5513,78 @@
           <a:bodyPr/>
           <a:lstStyle/>
           <a:p>
-            <a:pPr marL="0" indent="0" algn="ctr">
+            <a:r>
+              <a:rPr lang="en-US" b="1" dirty="0">
+                <a:solidFill>
+                  <a:srgbClr val="FF0000"/>
+                </a:solidFill>
+              </a:rPr>
+              <a:t>Independent </a:t>
+            </a:r>
+            <a:r>
+              <a:rPr lang="en-US" b="1" dirty="0" smtClean="0">
+                <a:solidFill>
+                  <a:srgbClr val="FF0000"/>
+                </a:solidFill>
+              </a:rPr>
+              <a:t>variable: </a:t>
+            </a:r>
+            <a:r>
+              <a:rPr lang="en-US" b="1" dirty="0" smtClean="0">
+                <a:solidFill>
+                  <a:srgbClr val="FF0000"/>
+                </a:solidFill>
+              </a:rPr>
+              <a:t>A user’s comment history as a document composed of individual comments. </a:t>
+            </a:r>
+            <a:endParaRPr lang="en-US" b="1" dirty="0">
+              <a:solidFill>
+                <a:srgbClr val="FF0000"/>
+              </a:solidFill>
+            </a:endParaRPr>
+          </a:p>
+          <a:p>
+            <a:r>
+              <a:rPr lang="en-US" b="1" dirty="0">
+                <a:solidFill>
+                  <a:srgbClr val="FF0000"/>
+                </a:solidFill>
+              </a:rPr>
+              <a:t>Dependent variable: </a:t>
+            </a:r>
+            <a:r>
+              <a:rPr lang="en-US" b="1" dirty="0" smtClean="0">
+                <a:solidFill>
+                  <a:srgbClr val="FF0000"/>
+                </a:solidFill>
+              </a:rPr>
+              <a:t>Binary classification label of being an active user of r/</a:t>
+            </a:r>
+            <a:r>
+              <a:rPr lang="en-US" b="1" dirty="0" err="1" smtClean="0">
+                <a:solidFill>
+                  <a:srgbClr val="FF0000"/>
+                </a:solidFill>
+              </a:rPr>
+              <a:t>Incels</a:t>
+            </a:r>
+            <a:r>
+              <a:rPr lang="en-US" b="1" dirty="0" smtClean="0">
+                <a:solidFill>
+                  <a:srgbClr val="FF0000"/>
+                </a:solidFill>
+              </a:rPr>
+              <a:t> or not.</a:t>
+            </a:r>
+            <a:endParaRPr lang="en-US" dirty="0"/>
+          </a:p>
+          <a:p>
+            <a:endParaRPr lang="en-US" dirty="0"/>
+          </a:p>
+          <a:p>
+            <a:pPr marL="0" indent="0">
               <a:buNone/>
             </a:pPr>
-            <a:r>
-              <a:rPr lang="en-US" b="1" dirty="0" smtClean="0">
-                <a:solidFill>
-                  <a:srgbClr val="FF0000"/>
-                </a:solidFill>
-              </a:rPr>
-              <a:t>Can a framework of Natural Language Processing and Machine Learning explain the relationship between a </a:t>
-            </a:r>
-            <a:r>
-              <a:rPr lang="en-US" b="1" dirty="0" err="1" smtClean="0">
-                <a:solidFill>
-                  <a:srgbClr val="FF0000"/>
-                </a:solidFill>
-              </a:rPr>
-              <a:t>Reddit</a:t>
-            </a:r>
-            <a:r>
-              <a:rPr lang="en-US" b="1" dirty="0" smtClean="0">
-                <a:solidFill>
-                  <a:srgbClr val="FF0000"/>
-                </a:solidFill>
-              </a:rPr>
-              <a:t> user’s comment history, and them being an active user of r/</a:t>
-            </a:r>
-            <a:r>
-              <a:rPr lang="en-US" b="1" dirty="0" err="1" smtClean="0">
-                <a:solidFill>
-                  <a:srgbClr val="FF0000"/>
-                </a:solidFill>
-              </a:rPr>
-              <a:t>Incels</a:t>
-            </a:r>
-            <a:r>
-              <a:rPr lang="en-US" b="1" dirty="0" smtClean="0">
-                <a:solidFill>
-                  <a:srgbClr val="FF0000"/>
-                </a:solidFill>
-              </a:rPr>
-              <a:t>?</a:t>
-            </a:r>
             <a:endParaRPr lang="en-US" dirty="0"/>
           </a:p>
         </p:txBody>
@@ -4542,7 +5592,7 @@
     </p:spTree>
     <p:extLst>
       <p:ext uri="{BB962C8B-B14F-4D97-AF65-F5344CB8AC3E}">
-        <p14:creationId xmlns:p14="http://schemas.microsoft.com/office/powerpoint/2010/main" val="1256019655"/>
+        <p14:creationId xmlns:p14="http://schemas.microsoft.com/office/powerpoint/2010/main" val="3193785990"/>
       </p:ext>
     </p:extLst>
   </p:cSld>
@@ -4574,7 +5624,7 @@
           <p:cNvPr id="2" name="Title 1">
             <a:extLst>
               <a:ext uri="{FF2B5EF4-FFF2-40B4-BE49-F238E27FC236}">
-                <a16:creationId xmlns="" xmlns:a16="http://schemas.microsoft.com/office/drawing/2014/main" id="{1BCC4DFC-CD9A-4ACB-821D-C53D96707809}"/>
+                <a16:creationId xmlns="" xmlns:a16="http://schemas.microsoft.com/office/drawing/2014/main" id="{C100886B-B8E6-4C92-8829-766976EA32DB}"/>
               </a:ext>
             </a:extLst>
           </p:cNvPr>
@@ -4590,9 +5640,10 @@
           <a:bodyPr/>
           <a:lstStyle/>
           <a:p>
+            <a:pPr algn="ctr"/>
             <a:r>
               <a:rPr lang="en-US" dirty="0"/>
-              <a:t>Variables and Metrics</a:t>
+              <a:t>Identify and Gather Data</a:t>
             </a:r>
           </a:p>
         </p:txBody>
@@ -4602,7 +5653,7 @@
           <p:cNvPr id="3" name="Content Placeholder 2">
             <a:extLst>
               <a:ext uri="{FF2B5EF4-FFF2-40B4-BE49-F238E27FC236}">
-                <a16:creationId xmlns="" xmlns:a16="http://schemas.microsoft.com/office/drawing/2014/main" id="{A39554A4-FE78-4024-B803-2492EF292C84}"/>
+                <a16:creationId xmlns="" xmlns:a16="http://schemas.microsoft.com/office/drawing/2014/main" id="{C6A045D4-8B57-462C-920A-097C22388E0A}"/>
               </a:ext>
             </a:extLst>
           </p:cNvPr>
@@ -4613,41 +5664,57 @@
             <p:ph idx="1"/>
           </p:nvPr>
         </p:nvSpPr>
-        <p:spPr/>
+        <p:spPr>
+          <a:xfrm>
+            <a:off x="838200" y="1392196"/>
+            <a:ext cx="10515600" cy="5115696"/>
+          </a:xfrm>
+        </p:spPr>
         <p:txBody>
-          <a:bodyPr/>
+          <a:bodyPr>
+            <a:normAutofit fontScale="92500" lnSpcReduction="20000"/>
+          </a:bodyPr>
           <a:lstStyle/>
           <a:p>
             <a:r>
-              <a:rPr lang="en-US" dirty="0"/>
-              <a:t>Independent variables: </a:t>
-            </a:r>
-            <a:r>
               <a:rPr lang="en-US" b="1" dirty="0" smtClean="0">
                 <a:solidFill>
                   <a:srgbClr val="FF0000"/>
                 </a:solidFill>
               </a:rPr>
-              <a:t>A user’s comment history as a document composed of individual comments. </a:t>
-            </a:r>
-            <a:endParaRPr lang="en-US" b="1" dirty="0">
+              <a:t>The data </a:t>
+            </a:r>
+            <a:r>
+              <a:rPr lang="en-US" b="1" smtClean="0">
+                <a:solidFill>
+                  <a:srgbClr val="FF0000"/>
+                </a:solidFill>
+              </a:rPr>
+              <a:t>I </a:t>
+            </a:r>
+            <a:r>
+              <a:rPr lang="en-US" b="1" smtClean="0">
+                <a:solidFill>
+                  <a:srgbClr val="FF0000"/>
+                </a:solidFill>
+              </a:rPr>
+              <a:t>needed:</a:t>
+            </a:r>
+            <a:endParaRPr lang="en-US" b="1" dirty="0" smtClean="0">
               <a:solidFill>
                 <a:srgbClr val="FF0000"/>
               </a:solidFill>
             </a:endParaRPr>
           </a:p>
           <a:p>
-            <a:r>
-              <a:rPr lang="en-US" dirty="0"/>
-              <a:t>Dependent variable: </a:t>
-            </a:r>
+            <a:pPr lvl="1"/>
             <a:r>
               <a:rPr lang="en-US" b="1" dirty="0" smtClean="0">
                 <a:solidFill>
                   <a:srgbClr val="FF0000"/>
                 </a:solidFill>
               </a:rPr>
-              <a:t>Binary classification label of being an active user of r/</a:t>
+              <a:t>1. The text of comments of </a:t>
             </a:r>
             <a:r>
               <a:rPr lang="en-US" b="1" dirty="0" err="1" smtClean="0">
@@ -4655,6 +5722,22 @@
                   <a:srgbClr val="FF0000"/>
                 </a:solidFill>
               </a:rPr>
+              <a:t>reddit</a:t>
+            </a:r>
+            <a:r>
+              <a:rPr lang="en-US" b="1" dirty="0" smtClean="0">
+                <a:solidFill>
+                  <a:srgbClr val="FF0000"/>
+                </a:solidFill>
+              </a:rPr>
+              <a:t> users who are active users of r/</a:t>
+            </a:r>
+            <a:r>
+              <a:rPr lang="en-US" b="1" dirty="0" err="1" smtClean="0">
+                <a:solidFill>
+                  <a:srgbClr val="FF0000"/>
+                </a:solidFill>
+              </a:rPr>
               <a:t>Incels</a:t>
             </a:r>
             <a:r>
@@ -4665,15 +5748,407 @@
               </a:rPr>
               <a:t>.</a:t>
             </a:r>
-            <a:endParaRPr lang="en-US" dirty="0"/>
-          </a:p>
-          <a:p>
-            <a:endParaRPr lang="en-US" dirty="0"/>
-          </a:p>
-          <a:p>
-            <a:pPr marL="0" indent="0">
-              <a:buNone/>
-            </a:pPr>
+          </a:p>
+          <a:p>
+            <a:pPr lvl="1"/>
+            <a:r>
+              <a:rPr lang="en-US" b="1" dirty="0" smtClean="0">
+                <a:solidFill>
+                  <a:srgbClr val="FF0000"/>
+                </a:solidFill>
+              </a:rPr>
+              <a:t>2. The text of comments of </a:t>
+            </a:r>
+            <a:r>
+              <a:rPr lang="en-US" b="1" dirty="0" err="1" smtClean="0">
+                <a:solidFill>
+                  <a:srgbClr val="FF0000"/>
+                </a:solidFill>
+              </a:rPr>
+              <a:t>reddit</a:t>
+            </a:r>
+            <a:r>
+              <a:rPr lang="en-US" b="1" dirty="0" smtClean="0">
+                <a:solidFill>
+                  <a:srgbClr val="FF0000"/>
+                </a:solidFill>
+              </a:rPr>
+              <a:t> users who are NOT active users of </a:t>
+            </a:r>
+            <a:r>
+              <a:rPr lang="en-US" b="1" dirty="0" smtClean="0">
+                <a:solidFill>
+                  <a:srgbClr val="FF0000"/>
+                </a:solidFill>
+              </a:rPr>
+              <a:t>r/</a:t>
+            </a:r>
+            <a:r>
+              <a:rPr lang="en-US" b="1" dirty="0" err="1" smtClean="0">
+                <a:solidFill>
+                  <a:srgbClr val="FF0000"/>
+                </a:solidFill>
+              </a:rPr>
+              <a:t>Incels</a:t>
+            </a:r>
+            <a:r>
+              <a:rPr lang="en-US" b="1" dirty="0" smtClean="0">
+                <a:solidFill>
+                  <a:srgbClr val="FF0000"/>
+                </a:solidFill>
+              </a:rPr>
+              <a:t> and have a comment history </a:t>
+            </a:r>
+            <a:r>
+              <a:rPr lang="en-US" b="1" dirty="0" smtClean="0">
+                <a:solidFill>
+                  <a:srgbClr val="FF0000"/>
+                </a:solidFill>
+              </a:rPr>
+              <a:t>size equal to active r/</a:t>
+            </a:r>
+            <a:r>
+              <a:rPr lang="en-US" b="1" dirty="0" err="1" smtClean="0">
+                <a:solidFill>
+                  <a:srgbClr val="FF0000"/>
+                </a:solidFill>
+              </a:rPr>
+              <a:t>Incel</a:t>
+            </a:r>
+            <a:r>
+              <a:rPr lang="en-US" b="1" dirty="0" smtClean="0">
+                <a:solidFill>
+                  <a:srgbClr val="FF0000"/>
+                </a:solidFill>
+              </a:rPr>
+              <a:t> users</a:t>
+            </a:r>
+            <a:r>
+              <a:rPr lang="en-US" b="1" dirty="0" smtClean="0">
+                <a:solidFill>
+                  <a:srgbClr val="FF0000"/>
+                </a:solidFill>
+              </a:rPr>
+              <a:t>.</a:t>
+            </a:r>
+            <a:endParaRPr lang="en-US" b="1" dirty="0" smtClean="0">
+              <a:solidFill>
+                <a:srgbClr val="FF0000"/>
+              </a:solidFill>
+            </a:endParaRPr>
+          </a:p>
+          <a:p>
+            <a:r>
+              <a:rPr lang="en-US" b="1" dirty="0" smtClean="0">
+                <a:solidFill>
+                  <a:srgbClr val="FF0000"/>
+                </a:solidFill>
+              </a:rPr>
+              <a:t>My source data: Comment data from </a:t>
+            </a:r>
+            <a:r>
+              <a:rPr lang="en-US" b="1" dirty="0">
+                <a:solidFill>
+                  <a:srgbClr val="FF0000"/>
+                </a:solidFill>
+              </a:rPr>
+              <a:t>5</a:t>
+            </a:r>
+            <a:r>
+              <a:rPr lang="en-US" b="1" dirty="0" smtClean="0">
+                <a:solidFill>
+                  <a:srgbClr val="FF0000"/>
+                </a:solidFill>
+              </a:rPr>
+              <a:t>0 popular </a:t>
+            </a:r>
+            <a:r>
+              <a:rPr lang="en-US" b="1" dirty="0" err="1" smtClean="0">
+                <a:solidFill>
+                  <a:srgbClr val="FF0000"/>
+                </a:solidFill>
+              </a:rPr>
+              <a:t>subreddits</a:t>
+            </a:r>
+            <a:r>
+              <a:rPr lang="en-US" b="1" dirty="0" smtClean="0">
+                <a:solidFill>
+                  <a:srgbClr val="FF0000"/>
+                </a:solidFill>
+              </a:rPr>
+              <a:t> and r/</a:t>
+            </a:r>
+            <a:r>
+              <a:rPr lang="en-US" b="1" dirty="0" err="1" smtClean="0">
+                <a:solidFill>
+                  <a:srgbClr val="FF0000"/>
+                </a:solidFill>
+              </a:rPr>
+              <a:t>Incels</a:t>
+            </a:r>
+            <a:r>
+              <a:rPr lang="en-US" b="1" dirty="0" smtClean="0">
+                <a:solidFill>
+                  <a:srgbClr val="FF0000"/>
+                </a:solidFill>
+              </a:rPr>
+              <a:t> over the 6 months of 2017 before r/</a:t>
+            </a:r>
+            <a:r>
+              <a:rPr lang="en-US" b="1" dirty="0" err="1" smtClean="0">
+                <a:solidFill>
+                  <a:srgbClr val="FF0000"/>
+                </a:solidFill>
+              </a:rPr>
+              <a:t>Incels</a:t>
+            </a:r>
+            <a:r>
+              <a:rPr lang="en-US" b="1" dirty="0" smtClean="0">
+                <a:solidFill>
+                  <a:srgbClr val="FF0000"/>
+                </a:solidFill>
+              </a:rPr>
+              <a:t> was banned. Plus comment data from 10 hand picked </a:t>
+            </a:r>
+            <a:r>
+              <a:rPr lang="en-US" b="1" dirty="0" err="1" smtClean="0">
+                <a:solidFill>
+                  <a:srgbClr val="FF0000"/>
+                </a:solidFill>
+              </a:rPr>
+              <a:t>subreddits</a:t>
+            </a:r>
+            <a:r>
+              <a:rPr lang="en-US" b="1" dirty="0">
+                <a:solidFill>
+                  <a:srgbClr val="FF0000"/>
+                </a:solidFill>
+              </a:rPr>
+              <a:t>.</a:t>
+            </a:r>
+            <a:endParaRPr lang="en-US" b="1" dirty="0" smtClean="0">
+              <a:solidFill>
+                <a:srgbClr val="FF0000"/>
+              </a:solidFill>
+            </a:endParaRPr>
+          </a:p>
+          <a:p>
+            <a:pPr lvl="1"/>
+            <a:r>
+              <a:rPr lang="en-US" dirty="0">
+                <a:solidFill>
+                  <a:schemeClr val="accent6"/>
+                </a:solidFill>
+                <a:hlinkClick r:id="rId2"/>
+              </a:rPr>
+              <a:t>https://sguru.org/best-subreddits-of-all-the-time</a:t>
+            </a:r>
+            <a:r>
+              <a:rPr lang="en-US" dirty="0" smtClean="0">
+                <a:solidFill>
+                  <a:schemeClr val="accent6"/>
+                </a:solidFill>
+                <a:hlinkClick r:id="rId2"/>
+              </a:rPr>
+              <a:t>/</a:t>
+            </a:r>
+            <a:endParaRPr lang="en-US" b="1" dirty="0" smtClean="0">
+              <a:solidFill>
+                <a:srgbClr val="FF0000"/>
+              </a:solidFill>
+            </a:endParaRPr>
+          </a:p>
+          <a:p>
+            <a:r>
+              <a:rPr lang="en-US" b="1" dirty="0" smtClean="0">
+                <a:solidFill>
+                  <a:srgbClr val="FF0000"/>
+                </a:solidFill>
+              </a:rPr>
+              <a:t>1. Query for </a:t>
+            </a:r>
+            <a:r>
+              <a:rPr lang="en-US" b="1" dirty="0" err="1" smtClean="0">
+                <a:solidFill>
+                  <a:srgbClr val="FF0000"/>
+                </a:solidFill>
+              </a:rPr>
+              <a:t>Reddit</a:t>
+            </a:r>
+            <a:r>
+              <a:rPr lang="en-US" b="1" dirty="0" smtClean="0">
+                <a:solidFill>
+                  <a:srgbClr val="FF0000"/>
+                </a:solidFill>
+              </a:rPr>
+              <a:t> user comment histories over the r/</a:t>
+            </a:r>
+            <a:r>
+              <a:rPr lang="en-US" b="1" dirty="0" err="1" smtClean="0">
+                <a:solidFill>
+                  <a:srgbClr val="FF0000"/>
+                </a:solidFill>
+              </a:rPr>
+              <a:t>Incels</a:t>
+            </a:r>
+            <a:r>
+              <a:rPr lang="en-US" b="1" dirty="0" smtClean="0">
+                <a:solidFill>
+                  <a:srgbClr val="FF0000"/>
+                </a:solidFill>
+              </a:rPr>
+              <a:t> </a:t>
+            </a:r>
+            <a:r>
+              <a:rPr lang="en-US" b="1" dirty="0" err="1" smtClean="0">
+                <a:solidFill>
+                  <a:srgbClr val="FF0000"/>
+                </a:solidFill>
+              </a:rPr>
+              <a:t>subreddit</a:t>
+            </a:r>
+            <a:r>
+              <a:rPr lang="en-US" b="1" dirty="0" smtClean="0">
+                <a:solidFill>
+                  <a:srgbClr val="FF0000"/>
+                </a:solidFill>
+              </a:rPr>
+              <a:t> to determine who is an active </a:t>
+            </a:r>
+            <a:r>
+              <a:rPr lang="en-US" b="1" dirty="0" err="1" smtClean="0">
+                <a:solidFill>
+                  <a:srgbClr val="FF0000"/>
+                </a:solidFill>
+              </a:rPr>
+              <a:t>incel</a:t>
+            </a:r>
+            <a:r>
+              <a:rPr lang="en-US" b="1" dirty="0" smtClean="0">
+                <a:solidFill>
+                  <a:srgbClr val="FF0000"/>
+                </a:solidFill>
+              </a:rPr>
+              <a:t> user.</a:t>
+            </a:r>
+          </a:p>
+          <a:p>
+            <a:r>
+              <a:rPr lang="en-US" b="1" dirty="0" smtClean="0">
+                <a:solidFill>
+                  <a:srgbClr val="FF0000"/>
+                </a:solidFill>
+              </a:rPr>
+              <a:t>2. Query for comments those active </a:t>
+            </a:r>
+            <a:r>
+              <a:rPr lang="en-US" b="1" dirty="0" err="1" smtClean="0">
+                <a:solidFill>
+                  <a:srgbClr val="FF0000"/>
+                </a:solidFill>
+              </a:rPr>
+              <a:t>incel</a:t>
+            </a:r>
+            <a:r>
+              <a:rPr lang="en-US" b="1" dirty="0" smtClean="0">
+                <a:solidFill>
+                  <a:srgbClr val="FF0000"/>
+                </a:solidFill>
+              </a:rPr>
+              <a:t> users made in the list of 60 </a:t>
+            </a:r>
+            <a:r>
+              <a:rPr lang="en-US" b="1" dirty="0" err="1" smtClean="0">
+                <a:solidFill>
+                  <a:srgbClr val="FF0000"/>
+                </a:solidFill>
+              </a:rPr>
+              <a:t>subreddits</a:t>
+            </a:r>
+            <a:r>
+              <a:rPr lang="en-US" b="1" dirty="0" smtClean="0">
+                <a:solidFill>
+                  <a:srgbClr val="FF0000"/>
+                </a:solidFill>
+              </a:rPr>
+              <a:t>.</a:t>
+            </a:r>
+          </a:p>
+          <a:p>
+            <a:r>
+              <a:rPr lang="en-US" b="1" dirty="0" smtClean="0">
+                <a:solidFill>
+                  <a:srgbClr val="FF0000"/>
+                </a:solidFill>
+              </a:rPr>
+              <a:t>3. Query for comments non-</a:t>
+            </a:r>
+            <a:r>
+              <a:rPr lang="en-US" b="1" dirty="0" err="1" smtClean="0">
+                <a:solidFill>
+                  <a:srgbClr val="FF0000"/>
+                </a:solidFill>
+              </a:rPr>
+              <a:t>incel</a:t>
+            </a:r>
+            <a:r>
+              <a:rPr lang="en-US" b="1" dirty="0" smtClean="0">
+                <a:solidFill>
+                  <a:srgbClr val="FF0000"/>
+                </a:solidFill>
+              </a:rPr>
+              <a:t> users made in those same </a:t>
+            </a:r>
+            <a:r>
+              <a:rPr lang="en-US" b="1" dirty="0" err="1" smtClean="0">
+                <a:solidFill>
+                  <a:srgbClr val="FF0000"/>
+                </a:solidFill>
+              </a:rPr>
+              <a:t>subreddits</a:t>
+            </a:r>
+            <a:r>
+              <a:rPr lang="en-US" b="1" dirty="0" smtClean="0">
+                <a:solidFill>
+                  <a:srgbClr val="FF0000"/>
+                </a:solidFill>
+              </a:rPr>
+              <a:t>. Ensure that these users have a similar number of comments in these </a:t>
+            </a:r>
+            <a:r>
+              <a:rPr lang="en-US" b="1" dirty="0" err="1" smtClean="0">
+                <a:solidFill>
+                  <a:srgbClr val="FF0000"/>
+                </a:solidFill>
+              </a:rPr>
+              <a:t>subreddits</a:t>
+            </a:r>
+            <a:r>
+              <a:rPr lang="en-US" b="1" dirty="0" smtClean="0">
+                <a:solidFill>
+                  <a:srgbClr val="FF0000"/>
+                </a:solidFill>
+              </a:rPr>
+              <a:t> to </a:t>
+            </a:r>
+            <a:r>
+              <a:rPr lang="en-US" b="1" dirty="0" err="1" smtClean="0">
+                <a:solidFill>
+                  <a:srgbClr val="FF0000"/>
+                </a:solidFill>
+              </a:rPr>
+              <a:t>incel</a:t>
+            </a:r>
+            <a:r>
+              <a:rPr lang="en-US" b="1" dirty="0" smtClean="0">
+                <a:solidFill>
+                  <a:srgbClr val="FF0000"/>
+                </a:solidFill>
+              </a:rPr>
+              <a:t> users.</a:t>
+            </a:r>
+          </a:p>
+          <a:p>
             <a:endParaRPr lang="en-US" dirty="0"/>
           </a:p>
         </p:txBody>
@@ -4681,7 +6156,7 @@
     </p:spTree>
     <p:extLst>
       <p:ext uri="{BB962C8B-B14F-4D97-AF65-F5344CB8AC3E}">
-        <p14:creationId xmlns:p14="http://schemas.microsoft.com/office/powerpoint/2010/main" val="3193785990"/>
+        <p14:creationId xmlns:p14="http://schemas.microsoft.com/office/powerpoint/2010/main" val="3235811669"/>
       </p:ext>
     </p:extLst>
   </p:cSld>
@@ -4729,419 +6204,67 @@
           <a:bodyPr/>
           <a:lstStyle/>
           <a:p>
-            <a:r>
-              <a:rPr lang="en-US" dirty="0"/>
-              <a:t>Identify and Gather Data</a:t>
-            </a:r>
+            <a:pPr algn="ctr"/>
+            <a:r>
+              <a:rPr lang="en-US" dirty="0" smtClean="0"/>
+              <a:t>Data Queries</a:t>
+            </a:r>
+            <a:endParaRPr lang="en-US" dirty="0"/>
           </a:p>
         </p:txBody>
       </p:sp>
-      <p:sp>
-        <p:nvSpPr>
-          <p:cNvPr id="3" name="Content Placeholder 2">
-            <a:extLst>
-              <a:ext uri="{FF2B5EF4-FFF2-40B4-BE49-F238E27FC236}">
-                <a16:creationId xmlns="" xmlns:a16="http://schemas.microsoft.com/office/drawing/2014/main" id="{C6A045D4-8B57-462C-920A-097C22388E0A}"/>
-              </a:ext>
-            </a:extLst>
-          </p:cNvPr>
-          <p:cNvSpPr>
-            <a:spLocks noGrp="1"/>
-          </p:cNvSpPr>
-          <p:nvPr>
-            <p:ph idx="1"/>
-          </p:nvPr>
-        </p:nvSpPr>
+      <p:pic>
+        <p:nvPicPr>
+          <p:cNvPr id="4" name="Picture 3"/>
+          <p:cNvPicPr>
+            <a:picLocks noChangeAspect="1"/>
+          </p:cNvPicPr>
+          <p:nvPr/>
+        </p:nvPicPr>
+        <p:blipFill>
+          <a:blip r:embed="rId2"/>
+          <a:stretch>
+            <a:fillRect/>
+          </a:stretch>
+        </p:blipFill>
         <p:spPr>
           <a:xfrm>
-            <a:off x="838200" y="1392196"/>
-            <a:ext cx="10515600" cy="5115696"/>
+            <a:off x="1524000" y="1600200"/>
+            <a:ext cx="5416061" cy="3352800"/>
           </a:xfrm>
+          <a:prstGeom prst="rect">
+            <a:avLst/>
+          </a:prstGeom>
         </p:spPr>
-        <p:txBody>
-          <a:bodyPr>
-            <a:normAutofit fontScale="92500" lnSpcReduction="10000"/>
-          </a:bodyPr>
-          <a:lstStyle/>
-          <a:p>
-            <a:r>
-              <a:rPr lang="en-US" b="1" dirty="0" smtClean="0">
-                <a:solidFill>
-                  <a:srgbClr val="FF0000"/>
-                </a:solidFill>
-              </a:rPr>
-              <a:t>The data I need.</a:t>
-            </a:r>
-          </a:p>
-          <a:p>
-            <a:pPr lvl="1"/>
-            <a:r>
-              <a:rPr lang="en-US" b="1" dirty="0" smtClean="0">
-                <a:solidFill>
-                  <a:srgbClr val="FF0000"/>
-                </a:solidFill>
-              </a:rPr>
-              <a:t>1. The text of comments of </a:t>
-            </a:r>
-            <a:r>
-              <a:rPr lang="en-US" b="1" dirty="0" err="1" smtClean="0">
-                <a:solidFill>
-                  <a:srgbClr val="FF0000"/>
-                </a:solidFill>
-              </a:rPr>
-              <a:t>reddit</a:t>
-            </a:r>
-            <a:r>
-              <a:rPr lang="en-US" b="1" dirty="0" smtClean="0">
-                <a:solidFill>
-                  <a:srgbClr val="FF0000"/>
-                </a:solidFill>
-              </a:rPr>
-              <a:t> users who are active users of r/</a:t>
-            </a:r>
-            <a:r>
-              <a:rPr lang="en-US" b="1" dirty="0" err="1" smtClean="0">
-                <a:solidFill>
-                  <a:srgbClr val="FF0000"/>
-                </a:solidFill>
-              </a:rPr>
-              <a:t>Incels</a:t>
-            </a:r>
-            <a:r>
-              <a:rPr lang="en-US" b="1" dirty="0" smtClean="0">
-                <a:solidFill>
-                  <a:srgbClr val="FF0000"/>
-                </a:solidFill>
-              </a:rPr>
-              <a:t>.</a:t>
-            </a:r>
-          </a:p>
-          <a:p>
-            <a:pPr lvl="1"/>
-            <a:r>
-              <a:rPr lang="en-US" b="1" dirty="0" smtClean="0">
-                <a:solidFill>
-                  <a:srgbClr val="FF0000"/>
-                </a:solidFill>
-              </a:rPr>
-              <a:t>2. The text of comments of </a:t>
-            </a:r>
-            <a:r>
-              <a:rPr lang="en-US" b="1" dirty="0" err="1" smtClean="0">
-                <a:solidFill>
-                  <a:srgbClr val="FF0000"/>
-                </a:solidFill>
-              </a:rPr>
-              <a:t>reddit</a:t>
-            </a:r>
-            <a:r>
-              <a:rPr lang="en-US" b="1" dirty="0" smtClean="0">
-                <a:solidFill>
-                  <a:srgbClr val="FF0000"/>
-                </a:solidFill>
-              </a:rPr>
-              <a:t> users who are NOT active users of r/</a:t>
-            </a:r>
-            <a:r>
-              <a:rPr lang="en-US" b="1" dirty="0" err="1" smtClean="0">
-                <a:solidFill>
-                  <a:srgbClr val="FF0000"/>
-                </a:solidFill>
-              </a:rPr>
-              <a:t>Incels</a:t>
-            </a:r>
-            <a:r>
-              <a:rPr lang="en-US" b="1" dirty="0" smtClean="0">
-                <a:solidFill>
-                  <a:srgbClr val="FF0000"/>
-                </a:solidFill>
-              </a:rPr>
-              <a:t>.</a:t>
-            </a:r>
-          </a:p>
-          <a:p>
-            <a:r>
-              <a:rPr lang="en-US" b="1" dirty="0" smtClean="0">
-                <a:solidFill>
-                  <a:srgbClr val="FF0000"/>
-                </a:solidFill>
-              </a:rPr>
-              <a:t>My source data: Comment data from 60 popular </a:t>
-            </a:r>
-            <a:r>
-              <a:rPr lang="en-US" b="1" dirty="0" err="1" smtClean="0">
-                <a:solidFill>
-                  <a:srgbClr val="FF0000"/>
-                </a:solidFill>
-              </a:rPr>
-              <a:t>subreddits</a:t>
-            </a:r>
-            <a:r>
-              <a:rPr lang="en-US" b="1" dirty="0" smtClean="0">
-                <a:solidFill>
-                  <a:srgbClr val="FF0000"/>
-                </a:solidFill>
-              </a:rPr>
-              <a:t> and r/</a:t>
-            </a:r>
-            <a:r>
-              <a:rPr lang="en-US" b="1" dirty="0" err="1" smtClean="0">
-                <a:solidFill>
-                  <a:srgbClr val="FF0000"/>
-                </a:solidFill>
-              </a:rPr>
-              <a:t>Incels</a:t>
-            </a:r>
-            <a:r>
-              <a:rPr lang="en-US" b="1" dirty="0" smtClean="0">
-                <a:solidFill>
-                  <a:srgbClr val="FF0000"/>
-                </a:solidFill>
-              </a:rPr>
-              <a:t> over the 6 months of 2017 before r/</a:t>
-            </a:r>
-            <a:r>
-              <a:rPr lang="en-US" b="1" dirty="0" err="1" smtClean="0">
-                <a:solidFill>
-                  <a:srgbClr val="FF0000"/>
-                </a:solidFill>
-              </a:rPr>
-              <a:t>Incels</a:t>
-            </a:r>
-            <a:r>
-              <a:rPr lang="en-US" b="1" dirty="0" smtClean="0">
-                <a:solidFill>
-                  <a:srgbClr val="FF0000"/>
-                </a:solidFill>
-              </a:rPr>
-              <a:t> was banned.</a:t>
-            </a:r>
-          </a:p>
-          <a:p>
-            <a:pPr lvl="1"/>
-            <a:r>
-              <a:rPr lang="en-US" dirty="0">
-                <a:solidFill>
-                  <a:schemeClr val="accent6"/>
-                </a:solidFill>
-                <a:hlinkClick r:id="rId2"/>
-              </a:rPr>
-              <a:t>https://sguru.org/best-subreddits-of-all-the-time</a:t>
-            </a:r>
-            <a:r>
-              <a:rPr lang="en-US" dirty="0" smtClean="0">
-                <a:solidFill>
-                  <a:schemeClr val="accent6"/>
-                </a:solidFill>
-                <a:hlinkClick r:id="rId2"/>
-              </a:rPr>
-              <a:t>/</a:t>
-            </a:r>
-            <a:endParaRPr lang="en-US" b="1" dirty="0" smtClean="0">
-              <a:solidFill>
-                <a:srgbClr val="FF0000"/>
-              </a:solidFill>
-            </a:endParaRPr>
-          </a:p>
-          <a:p>
-            <a:r>
-              <a:rPr lang="en-US" b="1" dirty="0" smtClean="0">
-                <a:solidFill>
-                  <a:srgbClr val="FF0000"/>
-                </a:solidFill>
-              </a:rPr>
-              <a:t>1. Query for </a:t>
-            </a:r>
-            <a:r>
-              <a:rPr lang="en-US" b="1" dirty="0" err="1" smtClean="0">
-                <a:solidFill>
-                  <a:srgbClr val="FF0000"/>
-                </a:solidFill>
-              </a:rPr>
-              <a:t>Reddit</a:t>
-            </a:r>
-            <a:r>
-              <a:rPr lang="en-US" b="1" dirty="0" smtClean="0">
-                <a:solidFill>
-                  <a:srgbClr val="FF0000"/>
-                </a:solidFill>
-              </a:rPr>
-              <a:t> user comment histories over the r/</a:t>
-            </a:r>
-            <a:r>
-              <a:rPr lang="en-US" b="1" dirty="0" err="1" smtClean="0">
-                <a:solidFill>
-                  <a:srgbClr val="FF0000"/>
-                </a:solidFill>
-              </a:rPr>
-              <a:t>Incels</a:t>
-            </a:r>
-            <a:r>
-              <a:rPr lang="en-US" b="1" dirty="0" smtClean="0">
-                <a:solidFill>
-                  <a:srgbClr val="FF0000"/>
-                </a:solidFill>
-              </a:rPr>
-              <a:t> </a:t>
-            </a:r>
-            <a:r>
-              <a:rPr lang="en-US" b="1" dirty="0" err="1" smtClean="0">
-                <a:solidFill>
-                  <a:srgbClr val="FF0000"/>
-                </a:solidFill>
-              </a:rPr>
-              <a:t>subreddit</a:t>
-            </a:r>
-            <a:r>
-              <a:rPr lang="en-US" b="1" dirty="0" smtClean="0">
-                <a:solidFill>
-                  <a:srgbClr val="FF0000"/>
-                </a:solidFill>
-              </a:rPr>
-              <a:t> to determine who is an active </a:t>
-            </a:r>
-            <a:r>
-              <a:rPr lang="en-US" b="1" dirty="0" err="1" smtClean="0">
-                <a:solidFill>
-                  <a:srgbClr val="FF0000"/>
-                </a:solidFill>
-              </a:rPr>
-              <a:t>incel</a:t>
-            </a:r>
-            <a:r>
-              <a:rPr lang="en-US" b="1" dirty="0" smtClean="0">
-                <a:solidFill>
-                  <a:srgbClr val="FF0000"/>
-                </a:solidFill>
-              </a:rPr>
-              <a:t> user.</a:t>
-            </a:r>
-          </a:p>
-          <a:p>
-            <a:r>
-              <a:rPr lang="en-US" b="1" dirty="0" smtClean="0">
-                <a:solidFill>
-                  <a:srgbClr val="FF0000"/>
-                </a:solidFill>
-              </a:rPr>
-              <a:t>2. Query for comments those active </a:t>
-            </a:r>
-            <a:r>
-              <a:rPr lang="en-US" b="1" dirty="0" err="1" smtClean="0">
-                <a:solidFill>
-                  <a:srgbClr val="FF0000"/>
-                </a:solidFill>
-              </a:rPr>
-              <a:t>incel</a:t>
-            </a:r>
-            <a:r>
-              <a:rPr lang="en-US" b="1" dirty="0" smtClean="0">
-                <a:solidFill>
-                  <a:srgbClr val="FF0000"/>
-                </a:solidFill>
-              </a:rPr>
-              <a:t> users made in the list of 60 </a:t>
-            </a:r>
-            <a:r>
-              <a:rPr lang="en-US" b="1" dirty="0" err="1" smtClean="0">
-                <a:solidFill>
-                  <a:srgbClr val="FF0000"/>
-                </a:solidFill>
-              </a:rPr>
-              <a:t>subreddits</a:t>
-            </a:r>
-            <a:r>
-              <a:rPr lang="en-US" b="1" dirty="0" smtClean="0">
-                <a:solidFill>
-                  <a:srgbClr val="FF0000"/>
-                </a:solidFill>
-              </a:rPr>
-              <a:t>.</a:t>
-            </a:r>
-          </a:p>
-          <a:p>
-            <a:r>
-              <a:rPr lang="en-US" b="1" dirty="0" smtClean="0">
-                <a:solidFill>
-                  <a:srgbClr val="FF0000"/>
-                </a:solidFill>
-              </a:rPr>
-              <a:t>3. Query for comments non-</a:t>
-            </a:r>
-            <a:r>
-              <a:rPr lang="en-US" b="1" dirty="0" err="1" smtClean="0">
-                <a:solidFill>
-                  <a:srgbClr val="FF0000"/>
-                </a:solidFill>
-              </a:rPr>
-              <a:t>incel</a:t>
-            </a:r>
-            <a:r>
-              <a:rPr lang="en-US" b="1" dirty="0" smtClean="0">
-                <a:solidFill>
-                  <a:srgbClr val="FF0000"/>
-                </a:solidFill>
-              </a:rPr>
-              <a:t> users made in those same </a:t>
-            </a:r>
-            <a:r>
-              <a:rPr lang="en-US" b="1" dirty="0" err="1" smtClean="0">
-                <a:solidFill>
-                  <a:srgbClr val="FF0000"/>
-                </a:solidFill>
-              </a:rPr>
-              <a:t>subreddits</a:t>
-            </a:r>
-            <a:r>
-              <a:rPr lang="en-US" b="1" dirty="0" smtClean="0">
-                <a:solidFill>
-                  <a:srgbClr val="FF0000"/>
-                </a:solidFill>
-              </a:rPr>
-              <a:t>. Ensure that these users have a similar number of comments in these </a:t>
-            </a:r>
-            <a:r>
-              <a:rPr lang="en-US" b="1" dirty="0" err="1" smtClean="0">
-                <a:solidFill>
-                  <a:srgbClr val="FF0000"/>
-                </a:solidFill>
-              </a:rPr>
-              <a:t>subreddits</a:t>
-            </a:r>
-            <a:r>
-              <a:rPr lang="en-US" b="1" dirty="0" smtClean="0">
-                <a:solidFill>
-                  <a:srgbClr val="FF0000"/>
-                </a:solidFill>
-              </a:rPr>
-              <a:t> to </a:t>
-            </a:r>
-            <a:r>
-              <a:rPr lang="en-US" b="1" dirty="0" err="1" smtClean="0">
-                <a:solidFill>
-                  <a:srgbClr val="FF0000"/>
-                </a:solidFill>
-              </a:rPr>
-              <a:t>incel</a:t>
-            </a:r>
-            <a:r>
-              <a:rPr lang="en-US" b="1" dirty="0" smtClean="0">
-                <a:solidFill>
-                  <a:srgbClr val="FF0000"/>
-                </a:solidFill>
-              </a:rPr>
-              <a:t> users.</a:t>
-            </a:r>
-          </a:p>
-          <a:p>
-            <a:endParaRPr lang="en-US" dirty="0"/>
-          </a:p>
-        </p:txBody>
-      </p:sp>
+      </p:pic>
+      <p:pic>
+        <p:nvPicPr>
+          <p:cNvPr id="5" name="Picture 4"/>
+          <p:cNvPicPr>
+            <a:picLocks noChangeAspect="1"/>
+          </p:cNvPicPr>
+          <p:nvPr/>
+        </p:nvPicPr>
+        <p:blipFill>
+          <a:blip r:embed="rId3"/>
+          <a:stretch>
+            <a:fillRect/>
+          </a:stretch>
+        </p:blipFill>
+        <p:spPr>
+          <a:xfrm>
+            <a:off x="7086600" y="1600200"/>
+            <a:ext cx="3590632" cy="4547417"/>
+          </a:xfrm>
+          <a:prstGeom prst="rect">
+            <a:avLst/>
+          </a:prstGeom>
+        </p:spPr>
+      </p:pic>
     </p:spTree>
     <p:extLst>
       <p:ext uri="{BB962C8B-B14F-4D97-AF65-F5344CB8AC3E}">
-        <p14:creationId xmlns:p14="http://schemas.microsoft.com/office/powerpoint/2010/main" val="3235811669"/>
+        <p14:creationId xmlns:p14="http://schemas.microsoft.com/office/powerpoint/2010/main" val="2187015673"/>
       </p:ext>
     </p:extLst>
   </p:cSld>
@@ -5189,10 +6312,16 @@
           <a:bodyPr/>
           <a:lstStyle/>
           <a:p>
+            <a:pPr algn="ctr"/>
             <a:r>
               <a:rPr lang="en-US" dirty="0"/>
-              <a:t>Process and Prepare Data</a:t>
-            </a:r>
+              <a:t>Process and </a:t>
+            </a:r>
+            <a:r>
+              <a:rPr lang="en-US" smtClean="0"/>
+              <a:t>Data Prep</a:t>
+            </a:r>
+            <a:endParaRPr lang="en-US" dirty="0"/>
           </a:p>
         </p:txBody>
       </p:sp>
@@ -5314,15 +6443,25 @@
                   <a:srgbClr val="FF0000"/>
                 </a:solidFill>
               </a:rPr>
-              <a:t> the textual </a:t>
-            </a:r>
+              <a:t> the textual data using TD-IDF, to prepare for feature creation/extraction.</a:t>
+            </a:r>
+          </a:p>
+          <a:p>
             <a:r>
               <a:rPr lang="en-US" sz="2200" b="1" dirty="0" smtClean="0">
                 <a:solidFill>
                   <a:srgbClr val="FF0000"/>
                 </a:solidFill>
               </a:rPr>
-              <a:t>data using TD-IDF, </a:t>
+              <a:t>Step 4: Train a </a:t>
+            </a:r>
+            <a:r>
+              <a:rPr lang="en-US" sz="2200" b="1" dirty="0" err="1" smtClean="0">
+                <a:solidFill>
+                  <a:srgbClr val="FF0000"/>
+                </a:solidFill>
+              </a:rPr>
+              <a:t>svm</a:t>
             </a:r>
             <a:r>
               <a:rPr lang="en-US" sz="2200" b="1" dirty="0" smtClean="0">
@@ -5330,25 +6469,17 @@
                   <a:srgbClr val="FF0000"/>
                 </a:solidFill>
               </a:rPr>
-              <a:t>to prepare for feature creation/extraction</a:t>
-            </a:r>
+              <a:t> classifier.</a:t>
+            </a:r>
+          </a:p>
+          <a:p>
             <a:r>
               <a:rPr lang="en-US" sz="2200" b="1" dirty="0" smtClean="0">
                 <a:solidFill>
                   <a:srgbClr val="FF0000"/>
                 </a:solidFill>
               </a:rPr>
-              <a:t>.</a:t>
-            </a:r>
-          </a:p>
-          <a:p>
-            <a:r>
-              <a:rPr lang="en-US" sz="2200" b="1" dirty="0" smtClean="0">
-                <a:solidFill>
-                  <a:srgbClr val="FF0000"/>
-                </a:solidFill>
-              </a:rPr>
-              <a:t>Step 4: Do a 5-fold </a:t>
+              <a:t>Step 5: Do a 5-fold </a:t>
             </a:r>
             <a:r>
               <a:rPr lang="en-US" sz="2200" b="1" dirty="0" err="1" smtClean="0">
@@ -5395,18 +6526,8 @@
                   <a:srgbClr val="FF0000"/>
                 </a:solidFill>
               </a:rPr>
-              <a:t>Step 5: Save the result of the model.</a:t>
-            </a:r>
-          </a:p>
-          <a:p>
-            <a:pPr marL="0" indent="0">
-              <a:buNone/>
-            </a:pPr>
-            <a:endParaRPr lang="en-US" sz="2200" b="1" dirty="0" smtClean="0">
-              <a:solidFill>
-                <a:srgbClr val="FF0000"/>
-              </a:solidFill>
-            </a:endParaRPr>
+              <a:t>Step 6: Save the result of the model.</a:t>
+            </a:r>
           </a:p>
         </p:txBody>
       </p:sp>
@@ -5466,348 +6587,905 @@
           <a:bodyPr/>
           <a:lstStyle/>
           <a:p>
+            <a:pPr algn="ctr"/>
             <a:r>
               <a:rPr lang="en-US" dirty="0" smtClean="0"/>
-              <a:t>Dataset Properties: T-SNE Graph</a:t>
+              <a:t>Dataset Properties: </a:t>
+            </a:r>
+            <a:r>
+              <a:rPr lang="en-US" dirty="0" smtClean="0"/>
+              <a:t>Number of Users</a:t>
             </a:r>
             <a:endParaRPr lang="en-US" dirty="0"/>
           </a:p>
         </p:txBody>
       </p:sp>
-      <p:sp>
-        <p:nvSpPr>
-          <p:cNvPr id="4" name="TextBox 3"/>
-          <p:cNvSpPr txBox="1"/>
-          <p:nvPr/>
-        </p:nvSpPr>
-        <p:spPr>
-          <a:xfrm>
-            <a:off x="862914" y="1326292"/>
-            <a:ext cx="2720545" cy="369332"/>
-          </a:xfrm>
-          <a:prstGeom prst="rect">
-            <a:avLst/>
-          </a:prstGeom>
-          <a:noFill/>
-        </p:spPr>
-        <p:txBody>
-          <a:bodyPr wrap="square" rtlCol="0">
-            <a:spAutoFit/>
-          </a:bodyPr>
-          <a:lstStyle/>
-          <a:p>
-            <a:pPr algn="ctr"/>
-            <a:r>
-              <a:rPr lang="en-US" dirty="0" smtClean="0"/>
-              <a:t>2017-05</a:t>
-            </a:r>
-            <a:endParaRPr lang="en-US" dirty="0"/>
-          </a:p>
-        </p:txBody>
-      </p:sp>
-      <p:sp>
-        <p:nvSpPr>
-          <p:cNvPr id="5" name="TextBox 4"/>
-          <p:cNvSpPr txBox="1"/>
-          <p:nvPr/>
-        </p:nvSpPr>
-        <p:spPr>
-          <a:xfrm>
-            <a:off x="4417541" y="1326292"/>
-            <a:ext cx="2720545" cy="369332"/>
-          </a:xfrm>
-          <a:prstGeom prst="rect">
-            <a:avLst/>
-          </a:prstGeom>
-          <a:noFill/>
-        </p:spPr>
-        <p:txBody>
-          <a:bodyPr wrap="square" rtlCol="0">
-            <a:spAutoFit/>
-          </a:bodyPr>
-          <a:lstStyle/>
-          <a:p>
-            <a:pPr algn="ctr"/>
-            <a:r>
-              <a:rPr lang="en-US" dirty="0" smtClean="0"/>
-              <a:t>2017-06</a:t>
-            </a:r>
-            <a:endParaRPr lang="en-US" dirty="0"/>
-          </a:p>
-        </p:txBody>
-      </p:sp>
-      <p:sp>
-        <p:nvSpPr>
-          <p:cNvPr id="6" name="TextBox 5"/>
-          <p:cNvSpPr txBox="1"/>
-          <p:nvPr/>
-        </p:nvSpPr>
-        <p:spPr>
-          <a:xfrm>
-            <a:off x="7828006" y="1337964"/>
-            <a:ext cx="2720545" cy="369332"/>
-          </a:xfrm>
-          <a:prstGeom prst="rect">
-            <a:avLst/>
-          </a:prstGeom>
-          <a:noFill/>
-        </p:spPr>
-        <p:txBody>
-          <a:bodyPr wrap="square" rtlCol="0">
-            <a:spAutoFit/>
-          </a:bodyPr>
-          <a:lstStyle/>
-          <a:p>
-            <a:pPr algn="ctr"/>
-            <a:r>
-              <a:rPr lang="en-US" dirty="0" smtClean="0"/>
-              <a:t>2017-07</a:t>
-            </a:r>
-            <a:endParaRPr lang="en-US" dirty="0"/>
-          </a:p>
-        </p:txBody>
-      </p:sp>
-      <p:sp>
-        <p:nvSpPr>
-          <p:cNvPr id="7" name="TextBox 6"/>
-          <p:cNvSpPr txBox="1"/>
-          <p:nvPr/>
-        </p:nvSpPr>
-        <p:spPr>
-          <a:xfrm>
-            <a:off x="862914" y="3917092"/>
-            <a:ext cx="2720545" cy="369332"/>
-          </a:xfrm>
-          <a:prstGeom prst="rect">
-            <a:avLst/>
-          </a:prstGeom>
-          <a:noFill/>
-        </p:spPr>
-        <p:txBody>
-          <a:bodyPr wrap="square" rtlCol="0">
-            <a:spAutoFit/>
-          </a:bodyPr>
-          <a:lstStyle/>
-          <a:p>
-            <a:pPr algn="ctr"/>
-            <a:r>
-              <a:rPr lang="en-US" dirty="0" smtClean="0"/>
-              <a:t>2017-08</a:t>
-            </a:r>
-            <a:endParaRPr lang="en-US" dirty="0"/>
-          </a:p>
-        </p:txBody>
-      </p:sp>
-      <p:sp>
-        <p:nvSpPr>
-          <p:cNvPr id="8" name="TextBox 7"/>
-          <p:cNvSpPr txBox="1"/>
-          <p:nvPr/>
-        </p:nvSpPr>
-        <p:spPr>
-          <a:xfrm>
-            <a:off x="4417540" y="3917092"/>
-            <a:ext cx="2720545" cy="369332"/>
-          </a:xfrm>
-          <a:prstGeom prst="rect">
-            <a:avLst/>
-          </a:prstGeom>
-          <a:noFill/>
-        </p:spPr>
-        <p:txBody>
-          <a:bodyPr wrap="square" rtlCol="0">
-            <a:spAutoFit/>
-          </a:bodyPr>
-          <a:lstStyle/>
-          <a:p>
-            <a:pPr algn="ctr"/>
-            <a:r>
-              <a:rPr lang="en-US" dirty="0" smtClean="0"/>
-              <a:t>2017-09</a:t>
-            </a:r>
-            <a:endParaRPr lang="en-US" dirty="0"/>
-          </a:p>
-        </p:txBody>
-      </p:sp>
-      <p:sp>
-        <p:nvSpPr>
-          <p:cNvPr id="9" name="TextBox 8"/>
-          <p:cNvSpPr txBox="1"/>
-          <p:nvPr/>
-        </p:nvSpPr>
-        <p:spPr>
-          <a:xfrm>
-            <a:off x="7828006" y="3917092"/>
-            <a:ext cx="2720545" cy="369332"/>
-          </a:xfrm>
-          <a:prstGeom prst="rect">
-            <a:avLst/>
-          </a:prstGeom>
-          <a:noFill/>
-        </p:spPr>
-        <p:txBody>
-          <a:bodyPr wrap="square" rtlCol="0">
-            <a:spAutoFit/>
-          </a:bodyPr>
-          <a:lstStyle/>
-          <a:p>
-            <a:pPr algn="ctr"/>
-            <a:r>
-              <a:rPr lang="en-US" dirty="0" smtClean="0"/>
-              <a:t>2017-10</a:t>
-            </a:r>
-            <a:endParaRPr lang="en-US" dirty="0"/>
-          </a:p>
-        </p:txBody>
-      </p:sp>
-      <p:pic>
-        <p:nvPicPr>
-          <p:cNvPr id="11" name="Picture 10"/>
-          <p:cNvPicPr>
-            <a:picLocks noChangeAspect="1"/>
-          </p:cNvPicPr>
-          <p:nvPr/>
-        </p:nvPicPr>
-        <p:blipFill>
-          <a:blip r:embed="rId2"/>
-          <a:stretch>
-            <a:fillRect/>
-          </a:stretch>
-        </p:blipFill>
-        <p:spPr>
-          <a:xfrm>
-            <a:off x="678734" y="1659959"/>
-            <a:ext cx="3283196" cy="2342697"/>
-          </a:xfrm>
-          <a:prstGeom prst="rect">
-            <a:avLst/>
-          </a:prstGeom>
-        </p:spPr>
-      </p:pic>
-      <p:pic>
-        <p:nvPicPr>
-          <p:cNvPr id="12" name="Picture 11"/>
-          <p:cNvPicPr>
-            <a:picLocks noChangeAspect="1"/>
-          </p:cNvPicPr>
-          <p:nvPr/>
-        </p:nvPicPr>
-        <p:blipFill>
-          <a:blip r:embed="rId3"/>
-          <a:stretch>
-            <a:fillRect/>
-          </a:stretch>
-        </p:blipFill>
-        <p:spPr>
-          <a:xfrm>
-            <a:off x="4151356" y="1659959"/>
-            <a:ext cx="3150806" cy="2342698"/>
-          </a:xfrm>
-          <a:prstGeom prst="rect">
-            <a:avLst/>
-          </a:prstGeom>
-        </p:spPr>
-      </p:pic>
-      <p:pic>
-        <p:nvPicPr>
-          <p:cNvPr id="13" name="Picture 12"/>
-          <p:cNvPicPr>
-            <a:picLocks noChangeAspect="1"/>
-          </p:cNvPicPr>
-          <p:nvPr/>
-        </p:nvPicPr>
-        <p:blipFill>
-          <a:blip r:embed="rId4"/>
-          <a:stretch>
-            <a:fillRect/>
-          </a:stretch>
-        </p:blipFill>
-        <p:spPr>
-          <a:xfrm>
-            <a:off x="7668966" y="1707296"/>
-            <a:ext cx="3038929" cy="2295361"/>
-          </a:xfrm>
-          <a:prstGeom prst="rect">
-            <a:avLst/>
-          </a:prstGeom>
-        </p:spPr>
-      </p:pic>
-      <p:pic>
-        <p:nvPicPr>
-          <p:cNvPr id="14" name="Picture 13"/>
-          <p:cNvPicPr>
-            <a:picLocks noChangeAspect="1"/>
-          </p:cNvPicPr>
-          <p:nvPr/>
-        </p:nvPicPr>
-        <p:blipFill>
-          <a:blip r:embed="rId5"/>
-          <a:stretch>
-            <a:fillRect/>
-          </a:stretch>
-        </p:blipFill>
-        <p:spPr>
-          <a:xfrm>
-            <a:off x="728046" y="4248150"/>
-            <a:ext cx="3125702" cy="2259742"/>
-          </a:xfrm>
-          <a:prstGeom prst="rect">
-            <a:avLst/>
-          </a:prstGeom>
-        </p:spPr>
-      </p:pic>
-      <p:pic>
-        <p:nvPicPr>
-          <p:cNvPr id="15" name="Picture 14"/>
-          <p:cNvPicPr>
-            <a:picLocks noChangeAspect="1"/>
-          </p:cNvPicPr>
-          <p:nvPr/>
-        </p:nvPicPr>
-        <p:blipFill>
-          <a:blip r:embed="rId6"/>
-          <a:stretch>
-            <a:fillRect/>
-          </a:stretch>
-        </p:blipFill>
-        <p:spPr>
-          <a:xfrm>
-            <a:off x="4170406" y="4286424"/>
-            <a:ext cx="3244447" cy="2331946"/>
-          </a:xfrm>
-          <a:prstGeom prst="rect">
-            <a:avLst/>
-          </a:prstGeom>
-        </p:spPr>
-      </p:pic>
-      <p:pic>
-        <p:nvPicPr>
-          <p:cNvPr id="16" name="Picture 15"/>
-          <p:cNvPicPr>
-            <a:picLocks noChangeAspect="1"/>
-          </p:cNvPicPr>
-          <p:nvPr/>
-        </p:nvPicPr>
-        <p:blipFill>
-          <a:blip r:embed="rId7"/>
-          <a:stretch>
-            <a:fillRect/>
-          </a:stretch>
-        </p:blipFill>
-        <p:spPr>
-          <a:xfrm>
-            <a:off x="7661987" y="4286425"/>
-            <a:ext cx="3342175" cy="2331946"/>
-          </a:xfrm>
-          <a:prstGeom prst="rect">
-            <a:avLst/>
-          </a:prstGeom>
-        </p:spPr>
-      </p:pic>
+      <p:graphicFrame>
+        <p:nvGraphicFramePr>
+          <p:cNvPr id="10" name="Table 9"/>
+          <p:cNvGraphicFramePr>
+            <a:graphicFrameLocks noGrp="1"/>
+          </p:cNvGraphicFramePr>
+          <p:nvPr>
+            <p:extLst>
+              <p:ext uri="{D42A27DB-BD31-4B8C-83A1-F6EECF244321}">
+                <p14:modId xmlns:p14="http://schemas.microsoft.com/office/powerpoint/2010/main" val="894237369"/>
+              </p:ext>
+            </p:extLst>
+          </p:nvPr>
+        </p:nvGraphicFramePr>
+        <p:xfrm>
+          <a:off x="1752600" y="1143000"/>
+          <a:ext cx="8236902" cy="2667000"/>
+        </p:xfrm>
+        <a:graphic>
+          <a:graphicData uri="http://schemas.openxmlformats.org/drawingml/2006/table">
+            <a:tbl>
+              <a:tblPr firstRow="1" bandRow="1">
+                <a:tableStyleId>{5C22544A-7EE6-4342-B048-85BDC9FD1C3A}</a:tableStyleId>
+              </a:tblPr>
+              <a:tblGrid>
+                <a:gridCol w="1372817"/>
+                <a:gridCol w="1372817"/>
+                <a:gridCol w="1372817"/>
+                <a:gridCol w="1372817"/>
+                <a:gridCol w="1372817"/>
+                <a:gridCol w="1372817"/>
+              </a:tblGrid>
+              <a:tr h="121216">
+                <a:tc gridSpan="2">
+                  <a:txBody>
+                    <a:bodyPr/>
+                    <a:lstStyle/>
+                    <a:p>
+                      <a:pPr algn="ctr"/>
+                      <a:r>
+                        <a:rPr lang="en-US" dirty="0" smtClean="0"/>
+                        <a:t>2017-05</a:t>
+                      </a:r>
+                      <a:endParaRPr lang="en-US" dirty="0"/>
+                    </a:p>
+                  </a:txBody>
+                  <a:tcPr/>
+                </a:tc>
+                <a:tc hMerge="1">
+                  <a:txBody>
+                    <a:bodyPr/>
+                    <a:lstStyle/>
+                    <a:p>
+                      <a:endParaRPr lang="en-US"/>
+                    </a:p>
+                  </a:txBody>
+                  <a:tcPr/>
+                </a:tc>
+                <a:tc gridSpan="2">
+                  <a:txBody>
+                    <a:bodyPr/>
+                    <a:lstStyle/>
+                    <a:p>
+                      <a:pPr algn="ctr"/>
+                      <a:r>
+                        <a:rPr lang="en-US" dirty="0" smtClean="0"/>
+                        <a:t>2017-06</a:t>
+                      </a:r>
+                      <a:endParaRPr lang="en-US" dirty="0"/>
+                    </a:p>
+                  </a:txBody>
+                  <a:tcPr/>
+                </a:tc>
+                <a:tc hMerge="1">
+                  <a:txBody>
+                    <a:bodyPr/>
+                    <a:lstStyle/>
+                    <a:p>
+                      <a:endParaRPr lang="en-US"/>
+                    </a:p>
+                  </a:txBody>
+                  <a:tcPr/>
+                </a:tc>
+                <a:tc gridSpan="2">
+                  <a:txBody>
+                    <a:bodyPr/>
+                    <a:lstStyle/>
+                    <a:p>
+                      <a:pPr algn="ctr"/>
+                      <a:r>
+                        <a:rPr lang="en-US" dirty="0" smtClean="0"/>
+                        <a:t>2017-07</a:t>
+                      </a:r>
+                      <a:endParaRPr lang="en-US" dirty="0"/>
+                    </a:p>
+                  </a:txBody>
+                  <a:tcPr/>
+                </a:tc>
+                <a:tc hMerge="1">
+                  <a:txBody>
+                    <a:bodyPr/>
+                    <a:lstStyle/>
+                    <a:p>
+                      <a:endParaRPr lang="en-US"/>
+                    </a:p>
+                  </a:txBody>
+                  <a:tcPr/>
+                </a:tc>
+              </a:tr>
+              <a:tr h="548640">
+                <a:tc>
+                  <a:txBody>
+                    <a:bodyPr/>
+                    <a:lstStyle/>
+                    <a:p>
+                      <a:r>
+                        <a:rPr lang="en-US" b="1" dirty="0" err="1" smtClean="0">
+                          <a:solidFill>
+                            <a:schemeClr val="bg1"/>
+                          </a:solidFill>
+                        </a:rPr>
+                        <a:t>Incel</a:t>
+                      </a:r>
+                      <a:r>
+                        <a:rPr lang="en-US" b="1" baseline="0" dirty="0" smtClean="0">
+                          <a:solidFill>
+                            <a:schemeClr val="bg1"/>
+                          </a:solidFill>
+                        </a:rPr>
+                        <a:t> Users</a:t>
+                      </a:r>
+                      <a:endParaRPr lang="en-US" b="1" dirty="0">
+                        <a:solidFill>
+                          <a:schemeClr val="bg1"/>
+                        </a:solidFill>
+                      </a:endParaRPr>
+                    </a:p>
+                  </a:txBody>
+                  <a:tcPr>
+                    <a:solidFill>
+                      <a:schemeClr val="accent1"/>
+                    </a:solidFill>
+                  </a:tcPr>
+                </a:tc>
+                <a:tc>
+                  <a:txBody>
+                    <a:bodyPr/>
+                    <a:lstStyle/>
+                    <a:p>
+                      <a:r>
+                        <a:rPr lang="en-US" b="1" dirty="0" smtClean="0">
+                          <a:solidFill>
+                            <a:schemeClr val="bg1"/>
+                          </a:solidFill>
+                        </a:rPr>
+                        <a:t>Non </a:t>
+                      </a:r>
+                      <a:r>
+                        <a:rPr lang="en-US" b="1" dirty="0" err="1" smtClean="0">
+                          <a:solidFill>
+                            <a:schemeClr val="bg1"/>
+                          </a:solidFill>
+                        </a:rPr>
+                        <a:t>Incel</a:t>
+                      </a:r>
+                      <a:r>
+                        <a:rPr lang="en-US" b="1" baseline="0" dirty="0" smtClean="0">
+                          <a:solidFill>
+                            <a:schemeClr val="bg1"/>
+                          </a:solidFill>
+                        </a:rPr>
+                        <a:t> Users</a:t>
+                      </a:r>
+                      <a:endParaRPr lang="en-US" b="1" dirty="0">
+                        <a:solidFill>
+                          <a:schemeClr val="bg1"/>
+                        </a:solidFill>
+                      </a:endParaRPr>
+                    </a:p>
+                  </a:txBody>
+                  <a:tcPr>
+                    <a:solidFill>
+                      <a:schemeClr val="accent1"/>
+                    </a:solidFill>
+                  </a:tcPr>
+                </a:tc>
+                <a:tc>
+                  <a:txBody>
+                    <a:bodyPr/>
+                    <a:lstStyle/>
+                    <a:p>
+                      <a:r>
+                        <a:rPr lang="en-US" b="1" dirty="0" err="1" smtClean="0">
+                          <a:solidFill>
+                            <a:schemeClr val="bg1"/>
+                          </a:solidFill>
+                        </a:rPr>
+                        <a:t>Incel</a:t>
+                      </a:r>
+                      <a:r>
+                        <a:rPr lang="en-US" b="1" dirty="0" smtClean="0">
+                          <a:solidFill>
+                            <a:schemeClr val="bg1"/>
+                          </a:solidFill>
+                        </a:rPr>
+                        <a:t> Users</a:t>
+                      </a:r>
+                      <a:endParaRPr lang="en-US" b="1" dirty="0">
+                        <a:solidFill>
+                          <a:schemeClr val="bg1"/>
+                        </a:solidFill>
+                      </a:endParaRPr>
+                    </a:p>
+                  </a:txBody>
+                  <a:tcPr>
+                    <a:solidFill>
+                      <a:schemeClr val="accent1"/>
+                    </a:solidFill>
+                  </a:tcPr>
+                </a:tc>
+                <a:tc>
+                  <a:txBody>
+                    <a:bodyPr/>
+                    <a:lstStyle/>
+                    <a:p>
+                      <a:r>
+                        <a:rPr lang="en-US" b="1" dirty="0" smtClean="0">
+                          <a:solidFill>
+                            <a:schemeClr val="bg1"/>
+                          </a:solidFill>
+                        </a:rPr>
+                        <a:t>Non </a:t>
+                      </a:r>
+                      <a:r>
+                        <a:rPr lang="en-US" b="1" dirty="0" err="1" smtClean="0">
+                          <a:solidFill>
+                            <a:schemeClr val="bg1"/>
+                          </a:solidFill>
+                        </a:rPr>
+                        <a:t>Incel</a:t>
+                      </a:r>
+                      <a:r>
+                        <a:rPr lang="en-US" b="1" baseline="0" dirty="0" smtClean="0">
+                          <a:solidFill>
+                            <a:schemeClr val="bg1"/>
+                          </a:solidFill>
+                        </a:rPr>
+                        <a:t> Users</a:t>
+                      </a:r>
+                      <a:endParaRPr lang="en-US" b="1" dirty="0">
+                        <a:solidFill>
+                          <a:schemeClr val="bg1"/>
+                        </a:solidFill>
+                      </a:endParaRPr>
+                    </a:p>
+                  </a:txBody>
+                  <a:tcPr>
+                    <a:solidFill>
+                      <a:schemeClr val="accent1"/>
+                    </a:solidFill>
+                  </a:tcPr>
+                </a:tc>
+                <a:tc>
+                  <a:txBody>
+                    <a:bodyPr/>
+                    <a:lstStyle/>
+                    <a:p>
+                      <a:r>
+                        <a:rPr lang="en-US" b="1" dirty="0" err="1" smtClean="0">
+                          <a:solidFill>
+                            <a:schemeClr val="bg1"/>
+                          </a:solidFill>
+                        </a:rPr>
+                        <a:t>Incel</a:t>
+                      </a:r>
+                      <a:r>
+                        <a:rPr lang="en-US" b="1" dirty="0" smtClean="0">
+                          <a:solidFill>
+                            <a:schemeClr val="bg1"/>
+                          </a:solidFill>
+                        </a:rPr>
+                        <a:t> Users</a:t>
+                      </a:r>
+                      <a:endParaRPr lang="en-US" b="1" dirty="0">
+                        <a:solidFill>
+                          <a:schemeClr val="bg1"/>
+                        </a:solidFill>
+                      </a:endParaRPr>
+                    </a:p>
+                  </a:txBody>
+                  <a:tcPr>
+                    <a:solidFill>
+                      <a:schemeClr val="accent1"/>
+                    </a:solidFill>
+                  </a:tcPr>
+                </a:tc>
+                <a:tc>
+                  <a:txBody>
+                    <a:bodyPr/>
+                    <a:lstStyle/>
+                    <a:p>
+                      <a:r>
+                        <a:rPr lang="en-US" b="1" dirty="0" smtClean="0">
+                          <a:solidFill>
+                            <a:schemeClr val="bg1"/>
+                          </a:solidFill>
+                        </a:rPr>
+                        <a:t>Non </a:t>
+                      </a:r>
+                      <a:r>
+                        <a:rPr lang="en-US" b="1" dirty="0" err="1" smtClean="0">
+                          <a:solidFill>
+                            <a:schemeClr val="bg1"/>
+                          </a:solidFill>
+                        </a:rPr>
+                        <a:t>Incel</a:t>
+                      </a:r>
+                      <a:r>
+                        <a:rPr lang="en-US" b="1" dirty="0" smtClean="0">
+                          <a:solidFill>
+                            <a:schemeClr val="bg1"/>
+                          </a:solidFill>
+                        </a:rPr>
+                        <a:t> Users</a:t>
+                      </a:r>
+                      <a:endParaRPr lang="en-US" b="1" dirty="0">
+                        <a:solidFill>
+                          <a:schemeClr val="bg1"/>
+                        </a:solidFill>
+                      </a:endParaRPr>
+                    </a:p>
+                  </a:txBody>
+                  <a:tcPr>
+                    <a:solidFill>
+                      <a:schemeClr val="accent1"/>
+                    </a:solidFill>
+                  </a:tcPr>
+                </a:tc>
+              </a:tr>
+              <a:tr h="1661160">
+                <a:tc>
+                  <a:txBody>
+                    <a:bodyPr/>
+                    <a:lstStyle/>
+                    <a:p>
+                      <a:r>
+                        <a:rPr lang="en-US" dirty="0" smtClean="0"/>
+                        <a:t>224</a:t>
+                      </a:r>
+                      <a:endParaRPr lang="en-US" dirty="0"/>
+                    </a:p>
+                  </a:txBody>
+                  <a:tcPr>
+                    <a:noFill/>
+                  </a:tcPr>
+                </a:tc>
+                <a:tc>
+                  <a:txBody>
+                    <a:bodyPr/>
+                    <a:lstStyle/>
+                    <a:p>
+                      <a:r>
+                        <a:rPr lang="en-US" dirty="0" smtClean="0"/>
+                        <a:t>224</a:t>
+                      </a:r>
+                      <a:endParaRPr lang="en-US" dirty="0"/>
+                    </a:p>
+                  </a:txBody>
+                  <a:tcPr>
+                    <a:noFill/>
+                  </a:tcPr>
+                </a:tc>
+                <a:tc>
+                  <a:txBody>
+                    <a:bodyPr/>
+                    <a:lstStyle/>
+                    <a:p>
+                      <a:r>
+                        <a:rPr lang="en-US" dirty="0" smtClean="0"/>
+                        <a:t>194</a:t>
+                      </a:r>
+                      <a:endParaRPr lang="en-US" dirty="0"/>
+                    </a:p>
+                  </a:txBody>
+                  <a:tcPr>
+                    <a:noFill/>
+                  </a:tcPr>
+                </a:tc>
+                <a:tc>
+                  <a:txBody>
+                    <a:bodyPr/>
+                    <a:lstStyle/>
+                    <a:p>
+                      <a:r>
+                        <a:rPr lang="en-US" dirty="0" smtClean="0"/>
+                        <a:t>194</a:t>
+                      </a:r>
+                      <a:endParaRPr lang="en-US" dirty="0"/>
+                    </a:p>
+                  </a:txBody>
+                  <a:tcPr>
+                    <a:noFill/>
+                  </a:tcPr>
+                </a:tc>
+                <a:tc>
+                  <a:txBody>
+                    <a:bodyPr/>
+                    <a:lstStyle/>
+                    <a:p>
+                      <a:r>
+                        <a:rPr lang="en-US" dirty="0" smtClean="0"/>
+                        <a:t>197</a:t>
+                      </a:r>
+                      <a:endParaRPr lang="en-US" dirty="0"/>
+                    </a:p>
+                  </a:txBody>
+                  <a:tcPr>
+                    <a:noFill/>
+                  </a:tcPr>
+                </a:tc>
+                <a:tc>
+                  <a:txBody>
+                    <a:bodyPr/>
+                    <a:lstStyle/>
+                    <a:p>
+                      <a:r>
+                        <a:rPr lang="en-US" dirty="0" smtClean="0"/>
+                        <a:t>198</a:t>
+                      </a:r>
+                      <a:endParaRPr lang="en-US" dirty="0"/>
+                    </a:p>
+                  </a:txBody>
+                  <a:tcPr>
+                    <a:noFill/>
+                  </a:tcPr>
+                </a:tc>
+              </a:tr>
+            </a:tbl>
+          </a:graphicData>
+        </a:graphic>
+      </p:graphicFrame>
+      <p:graphicFrame>
+        <p:nvGraphicFramePr>
+          <p:cNvPr id="17" name="Table 16"/>
+          <p:cNvGraphicFramePr>
+            <a:graphicFrameLocks noGrp="1"/>
+          </p:cNvGraphicFramePr>
+          <p:nvPr>
+            <p:extLst>
+              <p:ext uri="{D42A27DB-BD31-4B8C-83A1-F6EECF244321}">
+                <p14:modId xmlns:p14="http://schemas.microsoft.com/office/powerpoint/2010/main" val="506459268"/>
+              </p:ext>
+            </p:extLst>
+          </p:nvPr>
+        </p:nvGraphicFramePr>
+        <p:xfrm>
+          <a:off x="1828800" y="3886200"/>
+          <a:ext cx="8153400" cy="2394551"/>
+        </p:xfrm>
+        <a:graphic>
+          <a:graphicData uri="http://schemas.openxmlformats.org/drawingml/2006/table">
+            <a:tbl>
+              <a:tblPr firstRow="1" bandRow="1">
+                <a:tableStyleId>{5C22544A-7EE6-4342-B048-85BDC9FD1C3A}</a:tableStyleId>
+              </a:tblPr>
+              <a:tblGrid>
+                <a:gridCol w="1358900"/>
+                <a:gridCol w="1358900"/>
+                <a:gridCol w="1358900"/>
+                <a:gridCol w="1358900"/>
+                <a:gridCol w="1358900"/>
+                <a:gridCol w="1358900"/>
+              </a:tblGrid>
+              <a:tr h="436345">
+                <a:tc gridSpan="2">
+                  <a:txBody>
+                    <a:bodyPr/>
+                    <a:lstStyle/>
+                    <a:p>
+                      <a:pPr algn="ctr"/>
+                      <a:r>
+                        <a:rPr lang="en-US" dirty="0" smtClean="0"/>
+                        <a:t>2017-08</a:t>
+                      </a:r>
+                      <a:endParaRPr lang="en-US" dirty="0"/>
+                    </a:p>
+                  </a:txBody>
+                  <a:tcPr/>
+                </a:tc>
+                <a:tc hMerge="1">
+                  <a:txBody>
+                    <a:bodyPr/>
+                    <a:lstStyle/>
+                    <a:p>
+                      <a:endParaRPr lang="en-US"/>
+                    </a:p>
+                  </a:txBody>
+                  <a:tcPr/>
+                </a:tc>
+                <a:tc gridSpan="2">
+                  <a:txBody>
+                    <a:bodyPr/>
+                    <a:lstStyle/>
+                    <a:p>
+                      <a:pPr algn="ctr"/>
+                      <a:r>
+                        <a:rPr lang="en-US" dirty="0" smtClean="0"/>
+                        <a:t>2017-09</a:t>
+                      </a:r>
+                      <a:endParaRPr lang="en-US" dirty="0"/>
+                    </a:p>
+                  </a:txBody>
+                  <a:tcPr/>
+                </a:tc>
+                <a:tc hMerge="1">
+                  <a:txBody>
+                    <a:bodyPr/>
+                    <a:lstStyle/>
+                    <a:p>
+                      <a:endParaRPr lang="en-US"/>
+                    </a:p>
+                  </a:txBody>
+                  <a:tcPr/>
+                </a:tc>
+                <a:tc gridSpan="2">
+                  <a:txBody>
+                    <a:bodyPr/>
+                    <a:lstStyle/>
+                    <a:p>
+                      <a:pPr algn="ctr"/>
+                      <a:r>
+                        <a:rPr lang="en-US" dirty="0" smtClean="0"/>
+                        <a:t>2017-10</a:t>
+                      </a:r>
+                      <a:endParaRPr lang="en-US" dirty="0"/>
+                    </a:p>
+                  </a:txBody>
+                  <a:tcPr/>
+                </a:tc>
+                <a:tc hMerge="1">
+                  <a:txBody>
+                    <a:bodyPr/>
+                    <a:lstStyle/>
+                    <a:p>
+                      <a:endParaRPr lang="en-US"/>
+                    </a:p>
+                  </a:txBody>
+                  <a:tcPr/>
+                </a:tc>
+              </a:tr>
+              <a:tr h="630455">
+                <a:tc>
+                  <a:txBody>
+                    <a:bodyPr/>
+                    <a:lstStyle/>
+                    <a:p>
+                      <a:r>
+                        <a:rPr lang="en-US" b="1" dirty="0" err="1" smtClean="0">
+                          <a:solidFill>
+                            <a:schemeClr val="bg1"/>
+                          </a:solidFill>
+                        </a:rPr>
+                        <a:t>Incel</a:t>
+                      </a:r>
+                      <a:r>
+                        <a:rPr lang="en-US" b="1" baseline="0" dirty="0" smtClean="0">
+                          <a:solidFill>
+                            <a:schemeClr val="bg1"/>
+                          </a:solidFill>
+                        </a:rPr>
+                        <a:t> Users</a:t>
+                      </a:r>
+                      <a:endParaRPr lang="en-US" b="1" dirty="0">
+                        <a:solidFill>
+                          <a:schemeClr val="bg1"/>
+                        </a:solidFill>
+                      </a:endParaRPr>
+                    </a:p>
+                  </a:txBody>
+                  <a:tcPr>
+                    <a:solidFill>
+                      <a:schemeClr val="accent1"/>
+                    </a:solidFill>
+                  </a:tcPr>
+                </a:tc>
+                <a:tc>
+                  <a:txBody>
+                    <a:bodyPr/>
+                    <a:lstStyle/>
+                    <a:p>
+                      <a:r>
+                        <a:rPr lang="en-US" b="1" dirty="0" smtClean="0">
+                          <a:solidFill>
+                            <a:schemeClr val="bg1"/>
+                          </a:solidFill>
+                        </a:rPr>
+                        <a:t>Non </a:t>
+                      </a:r>
+                      <a:r>
+                        <a:rPr lang="en-US" b="1" dirty="0" err="1" smtClean="0">
+                          <a:solidFill>
+                            <a:schemeClr val="bg1"/>
+                          </a:solidFill>
+                        </a:rPr>
+                        <a:t>Incel</a:t>
+                      </a:r>
+                      <a:r>
+                        <a:rPr lang="en-US" b="1" dirty="0" smtClean="0">
+                          <a:solidFill>
+                            <a:schemeClr val="bg1"/>
+                          </a:solidFill>
+                        </a:rPr>
+                        <a:t> Users</a:t>
+                      </a:r>
+                      <a:endParaRPr lang="en-US" b="1" dirty="0">
+                        <a:solidFill>
+                          <a:schemeClr val="bg1"/>
+                        </a:solidFill>
+                      </a:endParaRPr>
+                    </a:p>
+                  </a:txBody>
+                  <a:tcPr>
+                    <a:solidFill>
+                      <a:schemeClr val="accent1"/>
+                    </a:solidFill>
+                  </a:tcPr>
+                </a:tc>
+                <a:tc>
+                  <a:txBody>
+                    <a:bodyPr/>
+                    <a:lstStyle/>
+                    <a:p>
+                      <a:r>
+                        <a:rPr lang="en-US" b="1" dirty="0" err="1" smtClean="0">
+                          <a:solidFill>
+                            <a:schemeClr val="bg1"/>
+                          </a:solidFill>
+                        </a:rPr>
+                        <a:t>Incel</a:t>
+                      </a:r>
+                      <a:r>
+                        <a:rPr lang="en-US" b="1" dirty="0" smtClean="0">
+                          <a:solidFill>
+                            <a:schemeClr val="bg1"/>
+                          </a:solidFill>
+                        </a:rPr>
+                        <a:t> Users</a:t>
+                      </a:r>
+                      <a:endParaRPr lang="en-US" b="1" dirty="0">
+                        <a:solidFill>
+                          <a:schemeClr val="bg1"/>
+                        </a:solidFill>
+                      </a:endParaRPr>
+                    </a:p>
+                  </a:txBody>
+                  <a:tcPr>
+                    <a:solidFill>
+                      <a:schemeClr val="accent1"/>
+                    </a:solidFill>
+                  </a:tcPr>
+                </a:tc>
+                <a:tc>
+                  <a:txBody>
+                    <a:bodyPr/>
+                    <a:lstStyle/>
+                    <a:p>
+                      <a:r>
+                        <a:rPr lang="en-US" b="1" dirty="0" smtClean="0">
+                          <a:solidFill>
+                            <a:schemeClr val="bg1"/>
+                          </a:solidFill>
+                        </a:rPr>
+                        <a:t>Non </a:t>
+                      </a:r>
+                      <a:r>
+                        <a:rPr lang="en-US" b="1" dirty="0" err="1" smtClean="0">
+                          <a:solidFill>
+                            <a:schemeClr val="bg1"/>
+                          </a:solidFill>
+                        </a:rPr>
+                        <a:t>Incel</a:t>
+                      </a:r>
+                      <a:r>
+                        <a:rPr lang="en-US" b="1" baseline="0" dirty="0" smtClean="0">
+                          <a:solidFill>
+                            <a:schemeClr val="bg1"/>
+                          </a:solidFill>
+                        </a:rPr>
+                        <a:t> Users</a:t>
+                      </a:r>
+                      <a:endParaRPr lang="en-US" b="1" dirty="0">
+                        <a:solidFill>
+                          <a:schemeClr val="bg1"/>
+                        </a:solidFill>
+                      </a:endParaRPr>
+                    </a:p>
+                  </a:txBody>
+                  <a:tcPr>
+                    <a:solidFill>
+                      <a:schemeClr val="accent1"/>
+                    </a:solidFill>
+                  </a:tcPr>
+                </a:tc>
+                <a:tc>
+                  <a:txBody>
+                    <a:bodyPr/>
+                    <a:lstStyle/>
+                    <a:p>
+                      <a:r>
+                        <a:rPr lang="en-US" b="1" dirty="0" err="1" smtClean="0">
+                          <a:solidFill>
+                            <a:schemeClr val="bg1"/>
+                          </a:solidFill>
+                        </a:rPr>
+                        <a:t>Incel</a:t>
+                      </a:r>
+                      <a:r>
+                        <a:rPr lang="en-US" b="1" dirty="0" smtClean="0">
+                          <a:solidFill>
+                            <a:schemeClr val="bg1"/>
+                          </a:solidFill>
+                        </a:rPr>
+                        <a:t> Users</a:t>
+                      </a:r>
+                      <a:endParaRPr lang="en-US" b="1" dirty="0">
+                        <a:solidFill>
+                          <a:schemeClr val="bg1"/>
+                        </a:solidFill>
+                      </a:endParaRPr>
+                    </a:p>
+                  </a:txBody>
+                  <a:tcPr>
+                    <a:solidFill>
+                      <a:schemeClr val="accent1"/>
+                    </a:solidFill>
+                  </a:tcPr>
+                </a:tc>
+                <a:tc>
+                  <a:txBody>
+                    <a:bodyPr/>
+                    <a:lstStyle/>
+                    <a:p>
+                      <a:r>
+                        <a:rPr lang="en-US" b="1" dirty="0" smtClean="0">
+                          <a:solidFill>
+                            <a:schemeClr val="bg1"/>
+                          </a:solidFill>
+                        </a:rPr>
+                        <a:t>Non </a:t>
+                      </a:r>
+                      <a:r>
+                        <a:rPr lang="en-US" b="1" dirty="0" err="1" smtClean="0">
+                          <a:solidFill>
+                            <a:schemeClr val="bg1"/>
+                          </a:solidFill>
+                        </a:rPr>
+                        <a:t>Incel</a:t>
+                      </a:r>
+                      <a:r>
+                        <a:rPr lang="en-US" b="1" dirty="0" smtClean="0">
+                          <a:solidFill>
+                            <a:schemeClr val="bg1"/>
+                          </a:solidFill>
+                        </a:rPr>
+                        <a:t> Users</a:t>
+                      </a:r>
+                      <a:endParaRPr lang="en-US" b="1" dirty="0">
+                        <a:solidFill>
+                          <a:schemeClr val="bg1"/>
+                        </a:solidFill>
+                      </a:endParaRPr>
+                    </a:p>
+                  </a:txBody>
+                  <a:tcPr>
+                    <a:solidFill>
+                      <a:schemeClr val="accent1"/>
+                    </a:solidFill>
+                  </a:tcPr>
+                </a:tc>
+              </a:tr>
+              <a:tr h="1318126">
+                <a:tc>
+                  <a:txBody>
+                    <a:bodyPr/>
+                    <a:lstStyle/>
+                    <a:p>
+                      <a:r>
+                        <a:rPr lang="en-US" dirty="0" smtClean="0"/>
+                        <a:t>268</a:t>
+                      </a:r>
+                      <a:endParaRPr lang="en-US" dirty="0"/>
+                    </a:p>
+                  </a:txBody>
+                  <a:tcPr>
+                    <a:noFill/>
+                  </a:tcPr>
+                </a:tc>
+                <a:tc>
+                  <a:txBody>
+                    <a:bodyPr/>
+                    <a:lstStyle/>
+                    <a:p>
+                      <a:r>
+                        <a:rPr lang="en-US" dirty="0" smtClean="0"/>
+                        <a:t>267</a:t>
+                      </a:r>
+                      <a:endParaRPr lang="en-US" dirty="0"/>
+                    </a:p>
+                  </a:txBody>
+                  <a:tcPr>
+                    <a:noFill/>
+                  </a:tcPr>
+                </a:tc>
+                <a:tc>
+                  <a:txBody>
+                    <a:bodyPr/>
+                    <a:lstStyle/>
+                    <a:p>
+                      <a:r>
+                        <a:rPr lang="en-US" dirty="0" smtClean="0"/>
+                        <a:t>224</a:t>
+                      </a:r>
+                      <a:endParaRPr lang="en-US" dirty="0"/>
+                    </a:p>
+                  </a:txBody>
+                  <a:tcPr>
+                    <a:noFill/>
+                  </a:tcPr>
+                </a:tc>
+                <a:tc>
+                  <a:txBody>
+                    <a:bodyPr/>
+                    <a:lstStyle/>
+                    <a:p>
+                      <a:r>
+                        <a:rPr lang="en-US" dirty="0" smtClean="0"/>
+                        <a:t>223</a:t>
+                      </a:r>
+                      <a:endParaRPr lang="en-US" dirty="0"/>
+                    </a:p>
+                  </a:txBody>
+                  <a:tcPr>
+                    <a:noFill/>
+                  </a:tcPr>
+                </a:tc>
+                <a:tc>
+                  <a:txBody>
+                    <a:bodyPr/>
+                    <a:lstStyle/>
+                    <a:p>
+                      <a:r>
+                        <a:rPr lang="en-US" dirty="0" smtClean="0"/>
+                        <a:t>434</a:t>
+                      </a:r>
+                      <a:endParaRPr lang="en-US" dirty="0"/>
+                    </a:p>
+                  </a:txBody>
+                  <a:tcPr>
+                    <a:noFill/>
+                  </a:tcPr>
+                </a:tc>
+                <a:tc>
+                  <a:txBody>
+                    <a:bodyPr/>
+                    <a:lstStyle/>
+                    <a:p>
+                      <a:r>
+                        <a:rPr lang="en-US" dirty="0" smtClean="0"/>
+                        <a:t>434</a:t>
+                      </a:r>
+                      <a:endParaRPr lang="en-US" dirty="0"/>
+                    </a:p>
+                  </a:txBody>
+                  <a:tcPr>
+                    <a:noFill/>
+                  </a:tcPr>
+                </a:tc>
+              </a:tr>
+            </a:tbl>
+          </a:graphicData>
+        </a:graphic>
+      </p:graphicFrame>
     </p:spTree>
     <p:extLst>
       <p:ext uri="{BB962C8B-B14F-4D97-AF65-F5344CB8AC3E}">
-        <p14:creationId xmlns:p14="http://schemas.microsoft.com/office/powerpoint/2010/main" val="2116196088"/>
+        <p14:creationId xmlns:p14="http://schemas.microsoft.com/office/powerpoint/2010/main" val="2169557323"/>
       </p:ext>
     </p:extLst>
   </p:cSld>
@@ -5860,348 +7538,924 @@
           <a:bodyPr/>
           <a:lstStyle/>
           <a:p>
+            <a:pPr algn="ctr"/>
             <a:r>
               <a:rPr lang="en-US" dirty="0" smtClean="0"/>
-              <a:t>Model Scores</a:t>
+              <a:t>Dataset Properties: </a:t>
+            </a:r>
+            <a:r>
+              <a:rPr lang="en-US" dirty="0" smtClean="0"/>
+              <a:t>Number of Comments</a:t>
             </a:r>
             <a:endParaRPr lang="en-US" dirty="0"/>
           </a:p>
         </p:txBody>
       </p:sp>
-      <p:sp>
-        <p:nvSpPr>
-          <p:cNvPr id="4" name="TextBox 3"/>
-          <p:cNvSpPr txBox="1"/>
-          <p:nvPr/>
-        </p:nvSpPr>
-        <p:spPr>
-          <a:xfrm>
-            <a:off x="862914" y="1326292"/>
-            <a:ext cx="2720545" cy="369332"/>
-          </a:xfrm>
-          <a:prstGeom prst="rect">
-            <a:avLst/>
-          </a:prstGeom>
-          <a:noFill/>
-        </p:spPr>
-        <p:txBody>
-          <a:bodyPr wrap="square" rtlCol="0">
-            <a:spAutoFit/>
-          </a:bodyPr>
-          <a:lstStyle/>
-          <a:p>
-            <a:pPr algn="ctr"/>
-            <a:r>
-              <a:rPr lang="en-US" dirty="0" smtClean="0"/>
-              <a:t>2017-05</a:t>
-            </a:r>
-            <a:endParaRPr lang="en-US" dirty="0"/>
-          </a:p>
-        </p:txBody>
-      </p:sp>
-      <p:sp>
-        <p:nvSpPr>
-          <p:cNvPr id="5" name="TextBox 4"/>
-          <p:cNvSpPr txBox="1"/>
-          <p:nvPr/>
-        </p:nvSpPr>
-        <p:spPr>
-          <a:xfrm>
-            <a:off x="4417541" y="1326292"/>
-            <a:ext cx="2720545" cy="369332"/>
-          </a:xfrm>
-          <a:prstGeom prst="rect">
-            <a:avLst/>
-          </a:prstGeom>
-          <a:noFill/>
-        </p:spPr>
-        <p:txBody>
-          <a:bodyPr wrap="square" rtlCol="0">
-            <a:spAutoFit/>
-          </a:bodyPr>
-          <a:lstStyle/>
-          <a:p>
-            <a:pPr algn="ctr"/>
-            <a:r>
-              <a:rPr lang="en-US" dirty="0" smtClean="0"/>
-              <a:t>2017-06</a:t>
-            </a:r>
-            <a:endParaRPr lang="en-US" dirty="0"/>
-          </a:p>
-        </p:txBody>
-      </p:sp>
-      <p:sp>
-        <p:nvSpPr>
-          <p:cNvPr id="6" name="TextBox 5"/>
-          <p:cNvSpPr txBox="1"/>
-          <p:nvPr/>
-        </p:nvSpPr>
-        <p:spPr>
-          <a:xfrm>
-            <a:off x="7828006" y="1337964"/>
-            <a:ext cx="2720545" cy="369332"/>
-          </a:xfrm>
-          <a:prstGeom prst="rect">
-            <a:avLst/>
-          </a:prstGeom>
-          <a:noFill/>
-        </p:spPr>
-        <p:txBody>
-          <a:bodyPr wrap="square" rtlCol="0">
-            <a:spAutoFit/>
-          </a:bodyPr>
-          <a:lstStyle/>
-          <a:p>
-            <a:pPr algn="ctr"/>
-            <a:r>
-              <a:rPr lang="en-US" dirty="0" smtClean="0"/>
-              <a:t>2017-07</a:t>
-            </a:r>
-            <a:endParaRPr lang="en-US" dirty="0"/>
-          </a:p>
-        </p:txBody>
-      </p:sp>
-      <p:sp>
-        <p:nvSpPr>
-          <p:cNvPr id="7" name="TextBox 6"/>
-          <p:cNvSpPr txBox="1"/>
-          <p:nvPr/>
-        </p:nvSpPr>
-        <p:spPr>
-          <a:xfrm>
-            <a:off x="862914" y="3917092"/>
-            <a:ext cx="2720545" cy="369332"/>
-          </a:xfrm>
-          <a:prstGeom prst="rect">
-            <a:avLst/>
-          </a:prstGeom>
-          <a:noFill/>
-        </p:spPr>
-        <p:txBody>
-          <a:bodyPr wrap="square" rtlCol="0">
-            <a:spAutoFit/>
-          </a:bodyPr>
-          <a:lstStyle/>
-          <a:p>
-            <a:pPr algn="ctr"/>
-            <a:r>
-              <a:rPr lang="en-US" dirty="0" smtClean="0"/>
-              <a:t>2017-08</a:t>
-            </a:r>
-            <a:endParaRPr lang="en-US" dirty="0"/>
-          </a:p>
-        </p:txBody>
-      </p:sp>
-      <p:sp>
-        <p:nvSpPr>
-          <p:cNvPr id="8" name="TextBox 7"/>
-          <p:cNvSpPr txBox="1"/>
-          <p:nvPr/>
-        </p:nvSpPr>
-        <p:spPr>
-          <a:xfrm>
-            <a:off x="4417540" y="3917092"/>
-            <a:ext cx="2720545" cy="369332"/>
-          </a:xfrm>
-          <a:prstGeom prst="rect">
-            <a:avLst/>
-          </a:prstGeom>
-          <a:noFill/>
-        </p:spPr>
-        <p:txBody>
-          <a:bodyPr wrap="square" rtlCol="0">
-            <a:spAutoFit/>
-          </a:bodyPr>
-          <a:lstStyle/>
-          <a:p>
-            <a:pPr algn="ctr"/>
-            <a:r>
-              <a:rPr lang="en-US" dirty="0" smtClean="0"/>
-              <a:t>2017-09</a:t>
-            </a:r>
-            <a:endParaRPr lang="en-US" dirty="0"/>
-          </a:p>
-        </p:txBody>
-      </p:sp>
-      <p:sp>
-        <p:nvSpPr>
-          <p:cNvPr id="9" name="TextBox 8"/>
-          <p:cNvSpPr txBox="1"/>
-          <p:nvPr/>
-        </p:nvSpPr>
-        <p:spPr>
-          <a:xfrm>
-            <a:off x="7828006" y="3917092"/>
-            <a:ext cx="2720545" cy="369332"/>
-          </a:xfrm>
-          <a:prstGeom prst="rect">
-            <a:avLst/>
-          </a:prstGeom>
-          <a:noFill/>
-        </p:spPr>
-        <p:txBody>
-          <a:bodyPr wrap="square" rtlCol="0">
-            <a:spAutoFit/>
-          </a:bodyPr>
-          <a:lstStyle/>
-          <a:p>
-            <a:pPr algn="ctr"/>
-            <a:r>
-              <a:rPr lang="en-US" dirty="0" smtClean="0"/>
-              <a:t>2017-10</a:t>
-            </a:r>
-            <a:endParaRPr lang="en-US" dirty="0"/>
-          </a:p>
-        </p:txBody>
-      </p:sp>
-      <p:pic>
-        <p:nvPicPr>
-          <p:cNvPr id="3" name="Picture 2"/>
-          <p:cNvPicPr>
-            <a:picLocks noChangeAspect="1"/>
-          </p:cNvPicPr>
-          <p:nvPr/>
-        </p:nvPicPr>
-        <p:blipFill>
-          <a:blip r:embed="rId2"/>
-          <a:stretch>
-            <a:fillRect/>
-          </a:stretch>
-        </p:blipFill>
-        <p:spPr>
-          <a:xfrm>
-            <a:off x="7507115" y="4958122"/>
-            <a:ext cx="3362325" cy="409575"/>
-          </a:xfrm>
-          <a:prstGeom prst="rect">
-            <a:avLst/>
-          </a:prstGeom>
-        </p:spPr>
-      </p:pic>
-      <p:pic>
-        <p:nvPicPr>
-          <p:cNvPr id="10" name="Picture 9"/>
-          <p:cNvPicPr>
-            <a:picLocks noChangeAspect="1"/>
-          </p:cNvPicPr>
-          <p:nvPr/>
-        </p:nvPicPr>
-        <p:blipFill>
-          <a:blip r:embed="rId3"/>
-          <a:stretch>
-            <a:fillRect/>
-          </a:stretch>
-        </p:blipFill>
-        <p:spPr>
-          <a:xfrm>
-            <a:off x="4060414" y="4958122"/>
-            <a:ext cx="3505200" cy="419100"/>
-          </a:xfrm>
-          <a:prstGeom prst="rect">
-            <a:avLst/>
-          </a:prstGeom>
-        </p:spPr>
-      </p:pic>
-      <p:pic>
-        <p:nvPicPr>
-          <p:cNvPr id="17" name="Picture 16"/>
-          <p:cNvPicPr>
-            <a:picLocks noChangeAspect="1"/>
-          </p:cNvPicPr>
-          <p:nvPr/>
-        </p:nvPicPr>
-        <p:blipFill>
-          <a:blip r:embed="rId4"/>
-          <a:stretch>
-            <a:fillRect/>
-          </a:stretch>
-        </p:blipFill>
-        <p:spPr>
-          <a:xfrm>
-            <a:off x="679039" y="4958122"/>
-            <a:ext cx="3381375" cy="390525"/>
-          </a:xfrm>
-          <a:prstGeom prst="rect">
-            <a:avLst/>
-          </a:prstGeom>
-        </p:spPr>
-      </p:pic>
-      <p:pic>
-        <p:nvPicPr>
-          <p:cNvPr id="18" name="Picture 17"/>
-          <p:cNvPicPr>
-            <a:picLocks noChangeAspect="1"/>
-          </p:cNvPicPr>
-          <p:nvPr/>
-        </p:nvPicPr>
-        <p:blipFill>
-          <a:blip r:embed="rId5"/>
-          <a:stretch>
-            <a:fillRect/>
-          </a:stretch>
-        </p:blipFill>
-        <p:spPr>
-          <a:xfrm>
-            <a:off x="7507114" y="2515565"/>
-            <a:ext cx="3362325" cy="304800"/>
-          </a:xfrm>
-          <a:prstGeom prst="rect">
-            <a:avLst/>
-          </a:prstGeom>
-        </p:spPr>
-      </p:pic>
-      <p:pic>
-        <p:nvPicPr>
-          <p:cNvPr id="19" name="Picture 18"/>
-          <p:cNvPicPr>
-            <a:picLocks noChangeAspect="1"/>
-          </p:cNvPicPr>
-          <p:nvPr/>
-        </p:nvPicPr>
-        <p:blipFill>
-          <a:blip r:embed="rId6"/>
-          <a:stretch>
-            <a:fillRect/>
-          </a:stretch>
-        </p:blipFill>
-        <p:spPr>
-          <a:xfrm>
-            <a:off x="4106174" y="2515565"/>
-            <a:ext cx="3343275" cy="333375"/>
-          </a:xfrm>
-          <a:prstGeom prst="rect">
-            <a:avLst/>
-          </a:prstGeom>
-        </p:spPr>
-      </p:pic>
-      <p:pic>
-        <p:nvPicPr>
-          <p:cNvPr id="21" name="Picture 20"/>
-          <p:cNvPicPr>
-            <a:picLocks noChangeAspect="1"/>
-          </p:cNvPicPr>
-          <p:nvPr/>
-        </p:nvPicPr>
-        <p:blipFill>
-          <a:blip r:embed="rId7"/>
-          <a:stretch>
-            <a:fillRect/>
-          </a:stretch>
-        </p:blipFill>
-        <p:spPr>
-          <a:xfrm>
-            <a:off x="638559" y="2504805"/>
-            <a:ext cx="3409950" cy="438150"/>
-          </a:xfrm>
-          <a:prstGeom prst="rect">
-            <a:avLst/>
-          </a:prstGeom>
-        </p:spPr>
-      </p:pic>
+      <p:graphicFrame>
+        <p:nvGraphicFramePr>
+          <p:cNvPr id="10" name="Table 9"/>
+          <p:cNvGraphicFramePr>
+            <a:graphicFrameLocks noGrp="1"/>
+          </p:cNvGraphicFramePr>
+          <p:nvPr>
+            <p:extLst>
+              <p:ext uri="{D42A27DB-BD31-4B8C-83A1-F6EECF244321}">
+                <p14:modId xmlns:p14="http://schemas.microsoft.com/office/powerpoint/2010/main" val="2870661304"/>
+              </p:ext>
+            </p:extLst>
+          </p:nvPr>
+        </p:nvGraphicFramePr>
+        <p:xfrm>
+          <a:off x="1752600" y="1143000"/>
+          <a:ext cx="8236902" cy="2667000"/>
+        </p:xfrm>
+        <a:graphic>
+          <a:graphicData uri="http://schemas.openxmlformats.org/drawingml/2006/table">
+            <a:tbl>
+              <a:tblPr firstRow="1" bandRow="1">
+                <a:tableStyleId>{5C22544A-7EE6-4342-B048-85BDC9FD1C3A}</a:tableStyleId>
+              </a:tblPr>
+              <a:tblGrid>
+                <a:gridCol w="1372817"/>
+                <a:gridCol w="1372817"/>
+                <a:gridCol w="1372817"/>
+                <a:gridCol w="1372817"/>
+                <a:gridCol w="1372817"/>
+                <a:gridCol w="1372817"/>
+              </a:tblGrid>
+              <a:tr h="121216">
+                <a:tc gridSpan="2">
+                  <a:txBody>
+                    <a:bodyPr/>
+                    <a:lstStyle/>
+                    <a:p>
+                      <a:pPr algn="ctr"/>
+                      <a:r>
+                        <a:rPr lang="en-US" dirty="0" smtClean="0"/>
+                        <a:t>2017-05</a:t>
+                      </a:r>
+                      <a:endParaRPr lang="en-US" dirty="0"/>
+                    </a:p>
+                  </a:txBody>
+                  <a:tcPr/>
+                </a:tc>
+                <a:tc hMerge="1">
+                  <a:txBody>
+                    <a:bodyPr/>
+                    <a:lstStyle/>
+                    <a:p>
+                      <a:endParaRPr lang="en-US"/>
+                    </a:p>
+                  </a:txBody>
+                  <a:tcPr/>
+                </a:tc>
+                <a:tc gridSpan="2">
+                  <a:txBody>
+                    <a:bodyPr/>
+                    <a:lstStyle/>
+                    <a:p>
+                      <a:pPr algn="ctr"/>
+                      <a:r>
+                        <a:rPr lang="en-US" dirty="0" smtClean="0"/>
+                        <a:t>2017-06</a:t>
+                      </a:r>
+                      <a:endParaRPr lang="en-US" dirty="0"/>
+                    </a:p>
+                  </a:txBody>
+                  <a:tcPr/>
+                </a:tc>
+                <a:tc hMerge="1">
+                  <a:txBody>
+                    <a:bodyPr/>
+                    <a:lstStyle/>
+                    <a:p>
+                      <a:endParaRPr lang="en-US"/>
+                    </a:p>
+                  </a:txBody>
+                  <a:tcPr/>
+                </a:tc>
+                <a:tc gridSpan="2">
+                  <a:txBody>
+                    <a:bodyPr/>
+                    <a:lstStyle/>
+                    <a:p>
+                      <a:pPr algn="ctr"/>
+                      <a:r>
+                        <a:rPr lang="en-US" dirty="0" smtClean="0"/>
+                        <a:t>2017-07</a:t>
+                      </a:r>
+                      <a:endParaRPr lang="en-US" dirty="0"/>
+                    </a:p>
+                  </a:txBody>
+                  <a:tcPr/>
+                </a:tc>
+                <a:tc hMerge="1">
+                  <a:txBody>
+                    <a:bodyPr/>
+                    <a:lstStyle/>
+                    <a:p>
+                      <a:endParaRPr lang="en-US"/>
+                    </a:p>
+                  </a:txBody>
+                  <a:tcPr/>
+                </a:tc>
+              </a:tr>
+              <a:tr h="548640">
+                <a:tc>
+                  <a:txBody>
+                    <a:bodyPr/>
+                    <a:lstStyle/>
+                    <a:p>
+                      <a:r>
+                        <a:rPr lang="en-US" b="1" dirty="0" err="1" smtClean="0">
+                          <a:solidFill>
+                            <a:schemeClr val="bg1"/>
+                          </a:solidFill>
+                        </a:rPr>
+                        <a:t>Incel</a:t>
+                      </a:r>
+                      <a:r>
+                        <a:rPr lang="en-US" b="1" baseline="0" dirty="0" smtClean="0">
+                          <a:solidFill>
+                            <a:schemeClr val="bg1"/>
+                          </a:solidFill>
+                        </a:rPr>
+                        <a:t> Users</a:t>
+                      </a:r>
+                      <a:endParaRPr lang="en-US" b="1" dirty="0">
+                        <a:solidFill>
+                          <a:schemeClr val="bg1"/>
+                        </a:solidFill>
+                      </a:endParaRPr>
+                    </a:p>
+                  </a:txBody>
+                  <a:tcPr>
+                    <a:solidFill>
+                      <a:schemeClr val="accent1"/>
+                    </a:solidFill>
+                  </a:tcPr>
+                </a:tc>
+                <a:tc>
+                  <a:txBody>
+                    <a:bodyPr/>
+                    <a:lstStyle/>
+                    <a:p>
+                      <a:r>
+                        <a:rPr lang="en-US" b="1" dirty="0" smtClean="0">
+                          <a:solidFill>
+                            <a:schemeClr val="bg1"/>
+                          </a:solidFill>
+                        </a:rPr>
+                        <a:t>Non </a:t>
+                      </a:r>
+                      <a:r>
+                        <a:rPr lang="en-US" b="1" dirty="0" err="1" smtClean="0">
+                          <a:solidFill>
+                            <a:schemeClr val="bg1"/>
+                          </a:solidFill>
+                        </a:rPr>
+                        <a:t>Incel</a:t>
+                      </a:r>
+                      <a:r>
+                        <a:rPr lang="en-US" b="1" baseline="0" dirty="0" smtClean="0">
+                          <a:solidFill>
+                            <a:schemeClr val="bg1"/>
+                          </a:solidFill>
+                        </a:rPr>
+                        <a:t> Users</a:t>
+                      </a:r>
+                      <a:endParaRPr lang="en-US" b="1" dirty="0">
+                        <a:solidFill>
+                          <a:schemeClr val="bg1"/>
+                        </a:solidFill>
+                      </a:endParaRPr>
+                    </a:p>
+                  </a:txBody>
+                  <a:tcPr>
+                    <a:solidFill>
+                      <a:schemeClr val="accent1"/>
+                    </a:solidFill>
+                  </a:tcPr>
+                </a:tc>
+                <a:tc>
+                  <a:txBody>
+                    <a:bodyPr/>
+                    <a:lstStyle/>
+                    <a:p>
+                      <a:r>
+                        <a:rPr lang="en-US" b="1" dirty="0" err="1" smtClean="0">
+                          <a:solidFill>
+                            <a:schemeClr val="bg1"/>
+                          </a:solidFill>
+                        </a:rPr>
+                        <a:t>Incel</a:t>
+                      </a:r>
+                      <a:r>
+                        <a:rPr lang="en-US" b="1" dirty="0" smtClean="0">
+                          <a:solidFill>
+                            <a:schemeClr val="bg1"/>
+                          </a:solidFill>
+                        </a:rPr>
+                        <a:t> Users</a:t>
+                      </a:r>
+                      <a:endParaRPr lang="en-US" b="1" dirty="0">
+                        <a:solidFill>
+                          <a:schemeClr val="bg1"/>
+                        </a:solidFill>
+                      </a:endParaRPr>
+                    </a:p>
+                  </a:txBody>
+                  <a:tcPr>
+                    <a:solidFill>
+                      <a:schemeClr val="accent1"/>
+                    </a:solidFill>
+                  </a:tcPr>
+                </a:tc>
+                <a:tc>
+                  <a:txBody>
+                    <a:bodyPr/>
+                    <a:lstStyle/>
+                    <a:p>
+                      <a:r>
+                        <a:rPr lang="en-US" b="1" dirty="0" smtClean="0">
+                          <a:solidFill>
+                            <a:schemeClr val="bg1"/>
+                          </a:solidFill>
+                        </a:rPr>
+                        <a:t>Non </a:t>
+                      </a:r>
+                      <a:r>
+                        <a:rPr lang="en-US" b="1" dirty="0" err="1" smtClean="0">
+                          <a:solidFill>
+                            <a:schemeClr val="bg1"/>
+                          </a:solidFill>
+                        </a:rPr>
+                        <a:t>Incel</a:t>
+                      </a:r>
+                      <a:r>
+                        <a:rPr lang="en-US" b="1" baseline="0" dirty="0" smtClean="0">
+                          <a:solidFill>
+                            <a:schemeClr val="bg1"/>
+                          </a:solidFill>
+                        </a:rPr>
+                        <a:t> Users</a:t>
+                      </a:r>
+                      <a:endParaRPr lang="en-US" b="1" dirty="0">
+                        <a:solidFill>
+                          <a:schemeClr val="bg1"/>
+                        </a:solidFill>
+                      </a:endParaRPr>
+                    </a:p>
+                  </a:txBody>
+                  <a:tcPr>
+                    <a:solidFill>
+                      <a:schemeClr val="accent1"/>
+                    </a:solidFill>
+                  </a:tcPr>
+                </a:tc>
+                <a:tc>
+                  <a:txBody>
+                    <a:bodyPr/>
+                    <a:lstStyle/>
+                    <a:p>
+                      <a:r>
+                        <a:rPr lang="en-US" b="1" dirty="0" err="1" smtClean="0">
+                          <a:solidFill>
+                            <a:schemeClr val="bg1"/>
+                          </a:solidFill>
+                        </a:rPr>
+                        <a:t>Incel</a:t>
+                      </a:r>
+                      <a:r>
+                        <a:rPr lang="en-US" b="1" dirty="0" smtClean="0">
+                          <a:solidFill>
+                            <a:schemeClr val="bg1"/>
+                          </a:solidFill>
+                        </a:rPr>
+                        <a:t> Users</a:t>
+                      </a:r>
+                      <a:endParaRPr lang="en-US" b="1" dirty="0">
+                        <a:solidFill>
+                          <a:schemeClr val="bg1"/>
+                        </a:solidFill>
+                      </a:endParaRPr>
+                    </a:p>
+                  </a:txBody>
+                  <a:tcPr>
+                    <a:solidFill>
+                      <a:schemeClr val="accent1"/>
+                    </a:solidFill>
+                  </a:tcPr>
+                </a:tc>
+                <a:tc>
+                  <a:txBody>
+                    <a:bodyPr/>
+                    <a:lstStyle/>
+                    <a:p>
+                      <a:r>
+                        <a:rPr lang="en-US" b="1" dirty="0" smtClean="0">
+                          <a:solidFill>
+                            <a:schemeClr val="bg1"/>
+                          </a:solidFill>
+                        </a:rPr>
+                        <a:t>Non </a:t>
+                      </a:r>
+                      <a:r>
+                        <a:rPr lang="en-US" b="1" dirty="0" err="1" smtClean="0">
+                          <a:solidFill>
+                            <a:schemeClr val="bg1"/>
+                          </a:solidFill>
+                        </a:rPr>
+                        <a:t>Incel</a:t>
+                      </a:r>
+                      <a:r>
+                        <a:rPr lang="en-US" b="1" dirty="0" smtClean="0">
+                          <a:solidFill>
+                            <a:schemeClr val="bg1"/>
+                          </a:solidFill>
+                        </a:rPr>
+                        <a:t> Users</a:t>
+                      </a:r>
+                      <a:endParaRPr lang="en-US" b="1" dirty="0">
+                        <a:solidFill>
+                          <a:schemeClr val="bg1"/>
+                        </a:solidFill>
+                      </a:endParaRPr>
+                    </a:p>
+                  </a:txBody>
+                  <a:tcPr>
+                    <a:solidFill>
+                      <a:schemeClr val="accent1"/>
+                    </a:solidFill>
+                  </a:tcPr>
+                </a:tc>
+              </a:tr>
+              <a:tr h="1661160">
+                <a:tc>
+                  <a:txBody>
+                    <a:bodyPr/>
+                    <a:lstStyle/>
+                    <a:p>
+                      <a:r>
+                        <a:rPr lang="en-US" dirty="0" smtClean="0"/>
+                        <a:t>10661</a:t>
+                      </a:r>
+                      <a:endParaRPr lang="en-US" dirty="0"/>
+                    </a:p>
+                  </a:txBody>
+                  <a:tcPr>
+                    <a:noFill/>
+                  </a:tcPr>
+                </a:tc>
+                <a:tc>
+                  <a:txBody>
+                    <a:bodyPr/>
+                    <a:lstStyle/>
+                    <a:p>
+                      <a:r>
+                        <a:rPr lang="en-US" dirty="0" smtClean="0"/>
+                        <a:t>8735</a:t>
+                      </a:r>
+                      <a:endParaRPr lang="en-US" dirty="0"/>
+                    </a:p>
+                  </a:txBody>
+                  <a:tcPr>
+                    <a:noFill/>
+                  </a:tcPr>
+                </a:tc>
+                <a:tc>
+                  <a:txBody>
+                    <a:bodyPr/>
+                    <a:lstStyle/>
+                    <a:p>
+                      <a:r>
+                        <a:rPr lang="en-US" dirty="0" smtClean="0"/>
+                        <a:t>8137</a:t>
+                      </a:r>
+                      <a:endParaRPr lang="en-US" dirty="0"/>
+                    </a:p>
+                  </a:txBody>
+                  <a:tcPr>
+                    <a:noFill/>
+                  </a:tcPr>
+                </a:tc>
+                <a:tc>
+                  <a:txBody>
+                    <a:bodyPr/>
+                    <a:lstStyle/>
+                    <a:p>
+                      <a:r>
+                        <a:rPr lang="en-US" dirty="0" smtClean="0"/>
+                        <a:t>5432</a:t>
+                      </a:r>
+                      <a:endParaRPr lang="en-US" dirty="0"/>
+                    </a:p>
+                  </a:txBody>
+                  <a:tcPr>
+                    <a:noFill/>
+                  </a:tcPr>
+                </a:tc>
+                <a:tc>
+                  <a:txBody>
+                    <a:bodyPr/>
+                    <a:lstStyle/>
+                    <a:p>
+                      <a:r>
+                        <a:rPr lang="en-US" dirty="0" smtClean="0"/>
+                        <a:t>5967</a:t>
+                      </a:r>
+                      <a:endParaRPr lang="en-US" dirty="0"/>
+                    </a:p>
+                  </a:txBody>
+                  <a:tcPr>
+                    <a:noFill/>
+                  </a:tcPr>
+                </a:tc>
+                <a:tc>
+                  <a:txBody>
+                    <a:bodyPr/>
+                    <a:lstStyle/>
+                    <a:p>
+                      <a:r>
+                        <a:rPr lang="en-US" dirty="0" smtClean="0"/>
+                        <a:t>5967</a:t>
+                      </a:r>
+                      <a:endParaRPr lang="en-US" dirty="0"/>
+                    </a:p>
+                  </a:txBody>
+                  <a:tcPr>
+                    <a:noFill/>
+                  </a:tcPr>
+                </a:tc>
+              </a:tr>
+            </a:tbl>
+          </a:graphicData>
+        </a:graphic>
+      </p:graphicFrame>
+      <p:graphicFrame>
+        <p:nvGraphicFramePr>
+          <p:cNvPr id="17" name="Table 16"/>
+          <p:cNvGraphicFramePr>
+            <a:graphicFrameLocks noGrp="1"/>
+          </p:cNvGraphicFramePr>
+          <p:nvPr>
+            <p:extLst>
+              <p:ext uri="{D42A27DB-BD31-4B8C-83A1-F6EECF244321}">
+                <p14:modId xmlns:p14="http://schemas.microsoft.com/office/powerpoint/2010/main" val="3758602526"/>
+              </p:ext>
+            </p:extLst>
+          </p:nvPr>
+        </p:nvGraphicFramePr>
+        <p:xfrm>
+          <a:off x="1828800" y="3886200"/>
+          <a:ext cx="8153400" cy="2394551"/>
+        </p:xfrm>
+        <a:graphic>
+          <a:graphicData uri="http://schemas.openxmlformats.org/drawingml/2006/table">
+            <a:tbl>
+              <a:tblPr firstRow="1" bandRow="1">
+                <a:tableStyleId>{5C22544A-7EE6-4342-B048-85BDC9FD1C3A}</a:tableStyleId>
+              </a:tblPr>
+              <a:tblGrid>
+                <a:gridCol w="1358900"/>
+                <a:gridCol w="1358900"/>
+                <a:gridCol w="1358900"/>
+                <a:gridCol w="1358900"/>
+                <a:gridCol w="1358900"/>
+                <a:gridCol w="1358900"/>
+              </a:tblGrid>
+              <a:tr h="436345">
+                <a:tc gridSpan="2">
+                  <a:txBody>
+                    <a:bodyPr/>
+                    <a:lstStyle/>
+                    <a:p>
+                      <a:pPr algn="ctr"/>
+                      <a:r>
+                        <a:rPr lang="en-US" dirty="0" smtClean="0"/>
+                        <a:t>2017-08</a:t>
+                      </a:r>
+                      <a:endParaRPr lang="en-US" dirty="0"/>
+                    </a:p>
+                  </a:txBody>
+                  <a:tcPr/>
+                </a:tc>
+                <a:tc hMerge="1">
+                  <a:txBody>
+                    <a:bodyPr/>
+                    <a:lstStyle/>
+                    <a:p>
+                      <a:endParaRPr lang="en-US"/>
+                    </a:p>
+                  </a:txBody>
+                  <a:tcPr/>
+                </a:tc>
+                <a:tc gridSpan="2">
+                  <a:txBody>
+                    <a:bodyPr/>
+                    <a:lstStyle/>
+                    <a:p>
+                      <a:pPr algn="ctr"/>
+                      <a:r>
+                        <a:rPr lang="en-US" dirty="0" smtClean="0"/>
+                        <a:t>2017-09</a:t>
+                      </a:r>
+                      <a:endParaRPr lang="en-US" dirty="0"/>
+                    </a:p>
+                  </a:txBody>
+                  <a:tcPr/>
+                </a:tc>
+                <a:tc hMerge="1">
+                  <a:txBody>
+                    <a:bodyPr/>
+                    <a:lstStyle/>
+                    <a:p>
+                      <a:endParaRPr lang="en-US"/>
+                    </a:p>
+                  </a:txBody>
+                  <a:tcPr/>
+                </a:tc>
+                <a:tc gridSpan="2">
+                  <a:txBody>
+                    <a:bodyPr/>
+                    <a:lstStyle/>
+                    <a:p>
+                      <a:pPr algn="ctr"/>
+                      <a:r>
+                        <a:rPr lang="en-US" dirty="0" smtClean="0"/>
+                        <a:t>2017-10</a:t>
+                      </a:r>
+                      <a:endParaRPr lang="en-US" dirty="0"/>
+                    </a:p>
+                  </a:txBody>
+                  <a:tcPr/>
+                </a:tc>
+                <a:tc hMerge="1">
+                  <a:txBody>
+                    <a:bodyPr/>
+                    <a:lstStyle/>
+                    <a:p>
+                      <a:endParaRPr lang="en-US"/>
+                    </a:p>
+                  </a:txBody>
+                  <a:tcPr/>
+                </a:tc>
+              </a:tr>
+              <a:tr h="630455">
+                <a:tc>
+                  <a:txBody>
+                    <a:bodyPr/>
+                    <a:lstStyle/>
+                    <a:p>
+                      <a:r>
+                        <a:rPr lang="en-US" b="1" dirty="0" err="1" smtClean="0">
+                          <a:solidFill>
+                            <a:schemeClr val="bg1"/>
+                          </a:solidFill>
+                        </a:rPr>
+                        <a:t>Incel</a:t>
+                      </a:r>
+                      <a:r>
+                        <a:rPr lang="en-US" b="1" baseline="0" dirty="0" smtClean="0">
+                          <a:solidFill>
+                            <a:schemeClr val="bg1"/>
+                          </a:solidFill>
+                        </a:rPr>
+                        <a:t> Users</a:t>
+                      </a:r>
+                      <a:endParaRPr lang="en-US" b="1" dirty="0">
+                        <a:solidFill>
+                          <a:schemeClr val="bg1"/>
+                        </a:solidFill>
+                      </a:endParaRPr>
+                    </a:p>
+                  </a:txBody>
+                  <a:tcPr>
+                    <a:solidFill>
+                      <a:schemeClr val="accent1"/>
+                    </a:solidFill>
+                  </a:tcPr>
+                </a:tc>
+                <a:tc>
+                  <a:txBody>
+                    <a:bodyPr/>
+                    <a:lstStyle/>
+                    <a:p>
+                      <a:r>
+                        <a:rPr lang="en-US" b="1" dirty="0" smtClean="0">
+                          <a:solidFill>
+                            <a:schemeClr val="bg1"/>
+                          </a:solidFill>
+                        </a:rPr>
+                        <a:t>Non </a:t>
+                      </a:r>
+                      <a:r>
+                        <a:rPr lang="en-US" b="1" dirty="0" err="1" smtClean="0">
+                          <a:solidFill>
+                            <a:schemeClr val="bg1"/>
+                          </a:solidFill>
+                        </a:rPr>
+                        <a:t>Incel</a:t>
+                      </a:r>
+                      <a:r>
+                        <a:rPr lang="en-US" b="1" dirty="0" smtClean="0">
+                          <a:solidFill>
+                            <a:schemeClr val="bg1"/>
+                          </a:solidFill>
+                        </a:rPr>
+                        <a:t> Users</a:t>
+                      </a:r>
+                      <a:endParaRPr lang="en-US" b="1" dirty="0">
+                        <a:solidFill>
+                          <a:schemeClr val="bg1"/>
+                        </a:solidFill>
+                      </a:endParaRPr>
+                    </a:p>
+                  </a:txBody>
+                  <a:tcPr>
+                    <a:solidFill>
+                      <a:schemeClr val="accent1"/>
+                    </a:solidFill>
+                  </a:tcPr>
+                </a:tc>
+                <a:tc>
+                  <a:txBody>
+                    <a:bodyPr/>
+                    <a:lstStyle/>
+                    <a:p>
+                      <a:r>
+                        <a:rPr lang="en-US" b="1" dirty="0" err="1" smtClean="0">
+                          <a:solidFill>
+                            <a:schemeClr val="bg1"/>
+                          </a:solidFill>
+                        </a:rPr>
+                        <a:t>Incel</a:t>
+                      </a:r>
+                      <a:r>
+                        <a:rPr lang="en-US" b="1" dirty="0" smtClean="0">
+                          <a:solidFill>
+                            <a:schemeClr val="bg1"/>
+                          </a:solidFill>
+                        </a:rPr>
+                        <a:t> Users</a:t>
+                      </a:r>
+                      <a:endParaRPr lang="en-US" b="1" dirty="0">
+                        <a:solidFill>
+                          <a:schemeClr val="bg1"/>
+                        </a:solidFill>
+                      </a:endParaRPr>
+                    </a:p>
+                  </a:txBody>
+                  <a:tcPr>
+                    <a:solidFill>
+                      <a:schemeClr val="accent1"/>
+                    </a:solidFill>
+                  </a:tcPr>
+                </a:tc>
+                <a:tc>
+                  <a:txBody>
+                    <a:bodyPr/>
+                    <a:lstStyle/>
+                    <a:p>
+                      <a:r>
+                        <a:rPr lang="en-US" b="1" dirty="0" smtClean="0">
+                          <a:solidFill>
+                            <a:schemeClr val="bg1"/>
+                          </a:solidFill>
+                        </a:rPr>
+                        <a:t>Non </a:t>
+                      </a:r>
+                      <a:r>
+                        <a:rPr lang="en-US" b="1" dirty="0" err="1" smtClean="0">
+                          <a:solidFill>
+                            <a:schemeClr val="bg1"/>
+                          </a:solidFill>
+                        </a:rPr>
+                        <a:t>Incel</a:t>
+                      </a:r>
+                      <a:r>
+                        <a:rPr lang="en-US" b="1" baseline="0" dirty="0" smtClean="0">
+                          <a:solidFill>
+                            <a:schemeClr val="bg1"/>
+                          </a:solidFill>
+                        </a:rPr>
+                        <a:t> Users</a:t>
+                      </a:r>
+                      <a:endParaRPr lang="en-US" b="1" dirty="0">
+                        <a:solidFill>
+                          <a:schemeClr val="bg1"/>
+                        </a:solidFill>
+                      </a:endParaRPr>
+                    </a:p>
+                  </a:txBody>
+                  <a:tcPr>
+                    <a:solidFill>
+                      <a:schemeClr val="accent1"/>
+                    </a:solidFill>
+                  </a:tcPr>
+                </a:tc>
+                <a:tc>
+                  <a:txBody>
+                    <a:bodyPr/>
+                    <a:lstStyle/>
+                    <a:p>
+                      <a:r>
+                        <a:rPr lang="en-US" b="1" dirty="0" err="1" smtClean="0">
+                          <a:solidFill>
+                            <a:schemeClr val="bg1"/>
+                          </a:solidFill>
+                        </a:rPr>
+                        <a:t>Incel</a:t>
+                      </a:r>
+                      <a:r>
+                        <a:rPr lang="en-US" b="1" dirty="0" smtClean="0">
+                          <a:solidFill>
+                            <a:schemeClr val="bg1"/>
+                          </a:solidFill>
+                        </a:rPr>
+                        <a:t> Users</a:t>
+                      </a:r>
+                      <a:endParaRPr lang="en-US" b="1" dirty="0">
+                        <a:solidFill>
+                          <a:schemeClr val="bg1"/>
+                        </a:solidFill>
+                      </a:endParaRPr>
+                    </a:p>
+                  </a:txBody>
+                  <a:tcPr>
+                    <a:solidFill>
+                      <a:schemeClr val="accent1"/>
+                    </a:solidFill>
+                  </a:tcPr>
+                </a:tc>
+                <a:tc>
+                  <a:txBody>
+                    <a:bodyPr/>
+                    <a:lstStyle/>
+                    <a:p>
+                      <a:r>
+                        <a:rPr lang="en-US" b="1" dirty="0" smtClean="0">
+                          <a:solidFill>
+                            <a:schemeClr val="bg1"/>
+                          </a:solidFill>
+                        </a:rPr>
+                        <a:t>Non </a:t>
+                      </a:r>
+                      <a:r>
+                        <a:rPr lang="en-US" b="1" dirty="0" err="1" smtClean="0">
+                          <a:solidFill>
+                            <a:schemeClr val="bg1"/>
+                          </a:solidFill>
+                        </a:rPr>
+                        <a:t>Incel</a:t>
+                      </a:r>
+                      <a:r>
+                        <a:rPr lang="en-US" b="1" dirty="0" smtClean="0">
+                          <a:solidFill>
+                            <a:schemeClr val="bg1"/>
+                          </a:solidFill>
+                        </a:rPr>
+                        <a:t> Users</a:t>
+                      </a:r>
+                      <a:endParaRPr lang="en-US" b="1" dirty="0">
+                        <a:solidFill>
+                          <a:schemeClr val="bg1"/>
+                        </a:solidFill>
+                      </a:endParaRPr>
+                    </a:p>
+                  </a:txBody>
+                  <a:tcPr>
+                    <a:solidFill>
+                      <a:schemeClr val="accent1"/>
+                    </a:solidFill>
+                  </a:tcPr>
+                </a:tc>
+              </a:tr>
+              <a:tr h="1318126">
+                <a:tc>
+                  <a:txBody>
+                    <a:bodyPr/>
+                    <a:lstStyle/>
+                    <a:p>
+                      <a:r>
+                        <a:rPr lang="en-US" dirty="0" smtClean="0"/>
+                        <a:t>11131</a:t>
+                      </a:r>
+                      <a:endParaRPr lang="en-US" dirty="0"/>
+                    </a:p>
+                  </a:txBody>
+                  <a:tcPr>
+                    <a:noFill/>
+                  </a:tcPr>
+                </a:tc>
+                <a:tc>
+                  <a:txBody>
+                    <a:bodyPr/>
+                    <a:lstStyle/>
+                    <a:p>
+                      <a:r>
+                        <a:rPr lang="en-US" dirty="0" smtClean="0"/>
+                        <a:t>8461</a:t>
+                      </a:r>
+                      <a:endParaRPr lang="en-US" dirty="0"/>
+                    </a:p>
+                  </a:txBody>
+                  <a:tcPr>
+                    <a:noFill/>
+                  </a:tcPr>
+                </a:tc>
+                <a:tc>
+                  <a:txBody>
+                    <a:bodyPr/>
+                    <a:lstStyle/>
+                    <a:p>
+                      <a:r>
+                        <a:rPr lang="en-US" dirty="0" smtClean="0"/>
+                        <a:t>8678</a:t>
+                      </a:r>
+                      <a:endParaRPr lang="en-US" dirty="0"/>
+                    </a:p>
+                  </a:txBody>
+                  <a:tcPr>
+                    <a:noFill/>
+                  </a:tcPr>
+                </a:tc>
+                <a:tc>
+                  <a:txBody>
+                    <a:bodyPr/>
+                    <a:lstStyle/>
+                    <a:p>
+                      <a:r>
+                        <a:rPr lang="en-US" dirty="0" smtClean="0"/>
+                        <a:t>6059</a:t>
+                      </a:r>
+                      <a:endParaRPr lang="en-US" dirty="0"/>
+                    </a:p>
+                  </a:txBody>
+                  <a:tcPr>
+                    <a:noFill/>
+                  </a:tcPr>
+                </a:tc>
+                <a:tc>
+                  <a:txBody>
+                    <a:bodyPr/>
+                    <a:lstStyle/>
+                    <a:p>
+                      <a:pPr marL="0" marR="0" indent="0" algn="l" defTabSz="914400" rtl="0" eaLnBrk="1" fontAlgn="auto" latinLnBrk="0" hangingPunct="1">
+                        <a:lnSpc>
+                          <a:spcPct val="100000"/>
+                        </a:lnSpc>
+                        <a:spcBef>
+                          <a:spcPts val="0"/>
+                        </a:spcBef>
+                        <a:spcAft>
+                          <a:spcPts val="0"/>
+                        </a:spcAft>
+                        <a:buClrTx/>
+                        <a:buSzTx/>
+                        <a:buFontTx/>
+                        <a:buNone/>
+                        <a:tabLst/>
+                        <a:defRPr/>
+                      </a:pPr>
+                      <a:r>
+                        <a:rPr lang="en-US" dirty="0" smtClean="0"/>
+                        <a:t>17592</a:t>
+                      </a:r>
+                    </a:p>
+                    <a:p>
+                      <a:endParaRPr lang="en-US" dirty="0"/>
+                    </a:p>
+                  </a:txBody>
+                  <a:tcPr>
+                    <a:noFill/>
+                  </a:tcPr>
+                </a:tc>
+                <a:tc>
+                  <a:txBody>
+                    <a:bodyPr/>
+                    <a:lstStyle/>
+                    <a:p>
+                      <a:r>
+                        <a:rPr lang="en-US" dirty="0" smtClean="0"/>
+                        <a:t>15369</a:t>
+                      </a:r>
+                      <a:endParaRPr lang="en-US" dirty="0"/>
+                    </a:p>
+                  </a:txBody>
+                  <a:tcPr>
+                    <a:noFill/>
+                  </a:tcPr>
+                </a:tc>
+              </a:tr>
+            </a:tbl>
+          </a:graphicData>
+        </a:graphic>
+      </p:graphicFrame>
     </p:spTree>
     <p:extLst>
       <p:ext uri="{BB962C8B-B14F-4D97-AF65-F5344CB8AC3E}">
-        <p14:creationId xmlns:p14="http://schemas.microsoft.com/office/powerpoint/2010/main" val="302900495"/>
+        <p14:creationId xmlns:p14="http://schemas.microsoft.com/office/powerpoint/2010/main" val="2116196088"/>
       </p:ext>
     </p:extLst>
   </p:cSld>
